--- a/reference_material/slides/004_Cumulative_Distributions.pptx
+++ b/reference_material/slides/004_Cumulative_Distributions.pptx
@@ -7,11 +7,24 @@
   <p:sldIdLst>
     <p:sldId id="256" r:id="rId2"/>
     <p:sldId id="257" r:id="rId3"/>
-    <p:sldId id="258" r:id="rId4"/>
-    <p:sldId id="259" r:id="rId5"/>
-    <p:sldId id="260" r:id="rId6"/>
-    <p:sldId id="261" r:id="rId7"/>
-    <p:sldId id="262" r:id="rId8"/>
+    <p:sldId id="270" r:id="rId4"/>
+    <p:sldId id="258" r:id="rId5"/>
+    <p:sldId id="265" r:id="rId6"/>
+    <p:sldId id="259" r:id="rId7"/>
+    <p:sldId id="260" r:id="rId8"/>
+    <p:sldId id="269" r:id="rId9"/>
+    <p:sldId id="263" r:id="rId10"/>
+    <p:sldId id="273" r:id="rId11"/>
+    <p:sldId id="274" r:id="rId12"/>
+    <p:sldId id="264" r:id="rId13"/>
+    <p:sldId id="271" r:id="rId14"/>
+    <p:sldId id="276" r:id="rId15"/>
+    <p:sldId id="266" r:id="rId16"/>
+    <p:sldId id="267" r:id="rId17"/>
+    <p:sldId id="275" r:id="rId18"/>
+    <p:sldId id="272" r:id="rId19"/>
+    <p:sldId id="261" r:id="rId20"/>
+    <p:sldId id="262" r:id="rId21"/>
   </p:sldIdLst>
   <p:sldSz cx="12192000" cy="6858000"/>
   <p:notesSz cx="6858000" cy="9144000"/>
@@ -110,6 +123,11 @@
       </a:defRPr>
     </a:lvl9pPr>
   </p:defaultTextStyle>
+  <p:extLst>
+    <p:ext uri="{EFAFB233-063F-42B5-8137-9DF3F51BA10A}">
+      <p15:sldGuideLst xmlns:p15="http://schemas.microsoft.com/office/powerpoint/2012/main"/>
+    </p:ext>
+  </p:extLst>
 </p:presentation>
 </file>
 
@@ -252,7 +270,7 @@
           <a:p>
             <a:fld id="{BB41A97C-50C8-D844-94C8-3502688B03F0}" type="datetimeFigureOut">
               <a:rPr lang="en-US" smtClean="0"/>
-              <a:t>8/21/25</a:t>
+              <a:t>9/10/25</a:t>
             </a:fld>
             <a:endParaRPr lang="en-US"/>
           </a:p>
@@ -463,7 +481,7 @@
           <a:p>
             <a:fld id="{BB41A97C-50C8-D844-94C8-3502688B03F0}" type="datetimeFigureOut">
               <a:rPr lang="en-US" smtClean="0"/>
-              <a:t>8/21/25</a:t>
+              <a:t>9/10/25</a:t>
             </a:fld>
             <a:endParaRPr lang="en-US"/>
           </a:p>
@@ -678,7 +696,7 @@
           <a:p>
             <a:fld id="{BB41A97C-50C8-D844-94C8-3502688B03F0}" type="datetimeFigureOut">
               <a:rPr lang="en-US" smtClean="0"/>
-              <a:t>8/21/25</a:t>
+              <a:t>9/10/25</a:t>
             </a:fld>
             <a:endParaRPr lang="en-US"/>
           </a:p>
@@ -879,7 +897,7 @@
           <a:p>
             <a:fld id="{BB41A97C-50C8-D844-94C8-3502688B03F0}" type="datetimeFigureOut">
               <a:rPr lang="en-US" smtClean="0"/>
-              <a:t>8/21/25</a:t>
+              <a:t>9/10/25</a:t>
             </a:fld>
             <a:endParaRPr lang="en-US"/>
           </a:p>
@@ -1158,7 +1176,7 @@
           <a:p>
             <a:fld id="{BB41A97C-50C8-D844-94C8-3502688B03F0}" type="datetimeFigureOut">
               <a:rPr lang="en-US" smtClean="0"/>
-              <a:t>8/21/25</a:t>
+              <a:t>9/10/25</a:t>
             </a:fld>
             <a:endParaRPr lang="en-US"/>
           </a:p>
@@ -1426,7 +1444,7 @@
           <a:p>
             <a:fld id="{BB41A97C-50C8-D844-94C8-3502688B03F0}" type="datetimeFigureOut">
               <a:rPr lang="en-US" smtClean="0"/>
-              <a:t>8/21/25</a:t>
+              <a:t>9/10/25</a:t>
             </a:fld>
             <a:endParaRPr lang="en-US"/>
           </a:p>
@@ -1842,7 +1860,7 @@
           <a:p>
             <a:fld id="{BB41A97C-50C8-D844-94C8-3502688B03F0}" type="datetimeFigureOut">
               <a:rPr lang="en-US" smtClean="0"/>
-              <a:t>8/21/25</a:t>
+              <a:t>9/10/25</a:t>
             </a:fld>
             <a:endParaRPr lang="en-US"/>
           </a:p>
@@ -1991,7 +2009,7 @@
           <a:p>
             <a:fld id="{BB41A97C-50C8-D844-94C8-3502688B03F0}" type="datetimeFigureOut">
               <a:rPr lang="en-US" smtClean="0"/>
-              <a:t>8/21/25</a:t>
+              <a:t>9/10/25</a:t>
             </a:fld>
             <a:endParaRPr lang="en-US"/>
           </a:p>
@@ -2117,7 +2135,7 @@
           <a:p>
             <a:fld id="{BB41A97C-50C8-D844-94C8-3502688B03F0}" type="datetimeFigureOut">
               <a:rPr lang="en-US" smtClean="0"/>
-              <a:t>8/21/25</a:t>
+              <a:t>9/10/25</a:t>
             </a:fld>
             <a:endParaRPr lang="en-US"/>
           </a:p>
@@ -2368,7 +2386,7 @@
           <a:p>
             <a:fld id="{BB41A97C-50C8-D844-94C8-3502688B03F0}" type="datetimeFigureOut">
               <a:rPr lang="en-US" smtClean="0"/>
-              <a:t>8/21/25</a:t>
+              <a:t>9/10/25</a:t>
             </a:fld>
             <a:endParaRPr lang="en-US"/>
           </a:p>
@@ -2813,7 +2831,7 @@
           <a:p>
             <a:fld id="{BB41A97C-50C8-D844-94C8-3502688B03F0}" type="datetimeFigureOut">
               <a:rPr lang="en-US" smtClean="0"/>
-              <a:t>8/21/25</a:t>
+              <a:t>9/10/25</a:t>
             </a:fld>
             <a:endParaRPr lang="en-US"/>
           </a:p>
@@ -3140,7 +3158,7 @@
           <a:p>
             <a:fld id="{BB41A97C-50C8-D844-94C8-3502688B03F0}" type="datetimeFigureOut">
               <a:rPr lang="en-US" smtClean="0"/>
-              <a:t>8/21/25</a:t>
+              <a:t>9/10/25</a:t>
             </a:fld>
             <a:endParaRPr lang="en-US"/>
           </a:p>
@@ -3692,6 +3710,1770 @@
 </p:sld>
 </file>
 
+<file path=ppt/slides/slide10.xml><?xml version="1.0" encoding="utf-8"?>
+<p:sld xmlns:a="http://schemas.openxmlformats.org/drawingml/2006/main" xmlns:r="http://schemas.openxmlformats.org/officeDocument/2006/relationships" xmlns:p="http://schemas.openxmlformats.org/presentationml/2006/main">
+  <p:cSld>
+    <p:spTree>
+      <p:nvGrpSpPr>
+        <p:cNvPr id="1" name=""/>
+        <p:cNvGrpSpPr/>
+        <p:nvPr/>
+      </p:nvGrpSpPr>
+      <p:grpSpPr>
+        <a:xfrm>
+          <a:off x="0" y="0"/>
+          <a:ext cx="0" cy="0"/>
+          <a:chOff x="0" y="0"/>
+          <a:chExt cx="0" cy="0"/>
+        </a:xfrm>
+      </p:grpSpPr>
+      <p:sp>
+        <p:nvSpPr>
+          <p:cNvPr id="2" name="Title 1">
+            <a:extLst>
+              <a:ext uri="{FF2B5EF4-FFF2-40B4-BE49-F238E27FC236}">
+                <a16:creationId xmlns:a16="http://schemas.microsoft.com/office/drawing/2014/main" id="{0D5B43E8-12E7-9257-6E11-763718AB2C9B}"/>
+              </a:ext>
+            </a:extLst>
+          </p:cNvPr>
+          <p:cNvSpPr>
+            <a:spLocks noGrp="1"/>
+          </p:cNvSpPr>
+          <p:nvPr>
+            <p:ph type="title"/>
+          </p:nvPr>
+        </p:nvSpPr>
+        <p:spPr/>
+        <p:txBody>
+          <a:bodyPr/>
+          <a:lstStyle/>
+          <a:p>
+            <a:r>
+              <a:rPr lang="en-US" dirty="0"/>
+              <a:t>Cumulative Differences</a:t>
+            </a:r>
+          </a:p>
+        </p:txBody>
+      </p:sp>
+      <p:sp>
+        <p:nvSpPr>
+          <p:cNvPr id="3" name="Content Placeholder 2">
+            <a:extLst>
+              <a:ext uri="{FF2B5EF4-FFF2-40B4-BE49-F238E27FC236}">
+                <a16:creationId xmlns:a16="http://schemas.microsoft.com/office/drawing/2014/main" id="{95C9987A-EC11-F10D-4BAD-638480BC887B}"/>
+              </a:ext>
+            </a:extLst>
+          </p:cNvPr>
+          <p:cNvSpPr>
+            <a:spLocks noGrp="1"/>
+          </p:cNvSpPr>
+          <p:nvPr>
+            <p:ph idx="1"/>
+          </p:nvPr>
+        </p:nvSpPr>
+        <p:spPr>
+          <a:xfrm>
+            <a:off x="212437" y="1853754"/>
+            <a:ext cx="5734078" cy="4199727"/>
+          </a:xfrm>
+        </p:spPr>
+        <p:txBody>
+          <a:bodyPr>
+            <a:normAutofit lnSpcReduction="10000"/>
+          </a:bodyPr>
+          <a:lstStyle/>
+          <a:p>
+            <a:r>
+              <a:rPr lang="en-US" dirty="0"/>
+              <a:t>A PDF/PMF/Histogram shows the probability of a value being X. </a:t>
+            </a:r>
+          </a:p>
+          <a:p>
+            <a:r>
+              <a:rPr lang="en-US" dirty="0"/>
+              <a:t>A CDF shows the probability of a value being less than X. </a:t>
+            </a:r>
+          </a:p>
+          <a:p>
+            <a:r>
+              <a:rPr lang="en-US" dirty="0"/>
+              <a:t>Bot show the same data and can be made from each other. </a:t>
+            </a:r>
+          </a:p>
+          <a:p>
+            <a:pPr lvl="1"/>
+            <a:r>
+              <a:rPr lang="en-US" dirty="0"/>
+              <a:t>Integrate to get cumulative, differentiate to get pdf. </a:t>
+            </a:r>
+          </a:p>
+          <a:p>
+            <a:r>
+              <a:rPr lang="en-US" dirty="0"/>
+              <a:t>Steepness shows density of values. </a:t>
+            </a:r>
+          </a:p>
+          <a:p>
+            <a:r>
+              <a:rPr lang="en-US" dirty="0"/>
+              <a:t>CDFs are somewhat more ‘tamper resistant’ vs things like odd bin sizes. </a:t>
+            </a:r>
+          </a:p>
+        </p:txBody>
+      </p:sp>
+      <p:pic>
+        <p:nvPicPr>
+          <p:cNvPr id="11266" name="Picture 2">
+            <a:extLst>
+              <a:ext uri="{FF2B5EF4-FFF2-40B4-BE49-F238E27FC236}">
+                <a16:creationId xmlns:a16="http://schemas.microsoft.com/office/drawing/2014/main" id="{5C598747-62A2-7280-4E9E-BFB897612D4A}"/>
+              </a:ext>
+            </a:extLst>
+          </p:cNvPr>
+          <p:cNvPicPr>
+            <a:picLocks noChangeAspect="1" noChangeArrowheads="1"/>
+          </p:cNvPicPr>
+          <p:nvPr/>
+        </p:nvPicPr>
+        <p:blipFill rotWithShape="1">
+          <a:blip r:embed="rId2">
+            <a:extLst>
+              <a:ext uri="{28A0092B-C50C-407E-A947-70E740481C1C}">
+                <a14:useLocalDpi xmlns:a14="http://schemas.microsoft.com/office/drawing/2010/main" val="0"/>
+              </a:ext>
+            </a:extLst>
+          </a:blip>
+          <a:srcRect l="7198" r="8333"/>
+          <a:stretch>
+            <a:fillRect/>
+          </a:stretch>
+        </p:blipFill>
+        <p:spPr bwMode="auto">
+          <a:xfrm>
+            <a:off x="5946514" y="2179780"/>
+            <a:ext cx="6153122" cy="2731655"/>
+          </a:xfrm>
+          <a:prstGeom prst="rect">
+            <a:avLst/>
+          </a:prstGeom>
+          <a:noFill/>
+          <a:extLst>
+            <a:ext uri="{909E8E84-426E-40DD-AFC4-6F175D3DCCD1}">
+              <a14:hiddenFill xmlns:a14="http://schemas.microsoft.com/office/drawing/2010/main">
+                <a:solidFill>
+                  <a:srgbClr val="FFFFFF"/>
+                </a:solidFill>
+              </a14:hiddenFill>
+            </a:ext>
+          </a:extLst>
+        </p:spPr>
+      </p:pic>
+    </p:spTree>
+    <p:extLst>
+      <p:ext uri="{BB962C8B-B14F-4D97-AF65-F5344CB8AC3E}">
+        <p14:creationId xmlns:p14="http://schemas.microsoft.com/office/powerpoint/2010/main" val="1379401767"/>
+      </p:ext>
+    </p:extLst>
+  </p:cSld>
+  <p:clrMapOvr>
+    <a:masterClrMapping/>
+  </p:clrMapOvr>
+</p:sld>
+</file>
+
+<file path=ppt/slides/slide11.xml><?xml version="1.0" encoding="utf-8"?>
+<p:sld xmlns:a="http://schemas.openxmlformats.org/drawingml/2006/main" xmlns:r="http://schemas.openxmlformats.org/officeDocument/2006/relationships" xmlns:p="http://schemas.openxmlformats.org/presentationml/2006/main">
+  <p:cSld>
+    <p:spTree>
+      <p:nvGrpSpPr>
+        <p:cNvPr id="1" name=""/>
+        <p:cNvGrpSpPr/>
+        <p:nvPr/>
+      </p:nvGrpSpPr>
+      <p:grpSpPr>
+        <a:xfrm>
+          <a:off x="0" y="0"/>
+          <a:ext cx="0" cy="0"/>
+          <a:chOff x="0" y="0"/>
+          <a:chExt cx="0" cy="0"/>
+        </a:xfrm>
+      </p:grpSpPr>
+      <p:sp>
+        <p:nvSpPr>
+          <p:cNvPr id="2" name="Title 1">
+            <a:extLst>
+              <a:ext uri="{FF2B5EF4-FFF2-40B4-BE49-F238E27FC236}">
+                <a16:creationId xmlns:a16="http://schemas.microsoft.com/office/drawing/2014/main" id="{9313B445-1E7A-A481-47E0-B73834B201FA}"/>
+              </a:ext>
+            </a:extLst>
+          </p:cNvPr>
+          <p:cNvSpPr>
+            <a:spLocks noGrp="1"/>
+          </p:cNvSpPr>
+          <p:nvPr>
+            <p:ph type="title"/>
+          </p:nvPr>
+        </p:nvSpPr>
+        <p:spPr/>
+        <p:txBody>
+          <a:bodyPr/>
+          <a:lstStyle/>
+          <a:p>
+            <a:endParaRPr lang="en-US" dirty="0"/>
+          </a:p>
+        </p:txBody>
+      </p:sp>
+      <p:sp>
+        <p:nvSpPr>
+          <p:cNvPr id="3" name="Content Placeholder 2">
+            <a:extLst>
+              <a:ext uri="{FF2B5EF4-FFF2-40B4-BE49-F238E27FC236}">
+                <a16:creationId xmlns:a16="http://schemas.microsoft.com/office/drawing/2014/main" id="{BF85E3AC-0919-77EA-F635-6E2584E84B0E}"/>
+              </a:ext>
+            </a:extLst>
+          </p:cNvPr>
+          <p:cNvSpPr>
+            <a:spLocks noGrp="1"/>
+          </p:cNvSpPr>
+          <p:nvPr>
+            <p:ph idx="1"/>
+          </p:nvPr>
+        </p:nvSpPr>
+        <p:spPr/>
+        <p:txBody>
+          <a:bodyPr/>
+          <a:lstStyle/>
+          <a:p>
+            <a:endParaRPr lang="en-US"/>
+          </a:p>
+        </p:txBody>
+      </p:sp>
+    </p:spTree>
+    <p:extLst>
+      <p:ext uri="{BB962C8B-B14F-4D97-AF65-F5344CB8AC3E}">
+        <p14:creationId xmlns:p14="http://schemas.microsoft.com/office/powerpoint/2010/main" val="2003425470"/>
+      </p:ext>
+    </p:extLst>
+  </p:cSld>
+  <p:clrMapOvr>
+    <a:masterClrMapping/>
+  </p:clrMapOvr>
+</p:sld>
+</file>
+
+<file path=ppt/slides/slide12.xml><?xml version="1.0" encoding="utf-8"?>
+<p:sld xmlns:a="http://schemas.openxmlformats.org/drawingml/2006/main" xmlns:r="http://schemas.openxmlformats.org/officeDocument/2006/relationships" xmlns:p="http://schemas.openxmlformats.org/presentationml/2006/main">
+  <p:cSld>
+    <p:spTree>
+      <p:nvGrpSpPr>
+        <p:cNvPr id="1" name=""/>
+        <p:cNvGrpSpPr/>
+        <p:nvPr/>
+      </p:nvGrpSpPr>
+      <p:grpSpPr>
+        <a:xfrm>
+          <a:off x="0" y="0"/>
+          <a:ext cx="0" cy="0"/>
+          <a:chOff x="0" y="0"/>
+          <a:chExt cx="0" cy="0"/>
+        </a:xfrm>
+      </p:grpSpPr>
+      <p:sp>
+        <p:nvSpPr>
+          <p:cNvPr id="2" name="Title 1">
+            <a:extLst>
+              <a:ext uri="{FF2B5EF4-FFF2-40B4-BE49-F238E27FC236}">
+                <a16:creationId xmlns:a16="http://schemas.microsoft.com/office/drawing/2014/main" id="{A99580EA-EF79-C275-3D9C-BFBC68C0D54A}"/>
+              </a:ext>
+            </a:extLst>
+          </p:cNvPr>
+          <p:cNvSpPr>
+            <a:spLocks noGrp="1"/>
+          </p:cNvSpPr>
+          <p:nvPr>
+            <p:ph type="title"/>
+          </p:nvPr>
+        </p:nvSpPr>
+        <p:spPr/>
+        <p:txBody>
+          <a:bodyPr/>
+          <a:lstStyle/>
+          <a:p>
+            <a:r>
+              <a:rPr lang="en-US" dirty="0"/>
+              <a:t>Percentiles</a:t>
+            </a:r>
+          </a:p>
+        </p:txBody>
+      </p:sp>
+      <p:sp>
+        <p:nvSpPr>
+          <p:cNvPr id="3" name="Content Placeholder 2">
+            <a:extLst>
+              <a:ext uri="{FF2B5EF4-FFF2-40B4-BE49-F238E27FC236}">
+                <a16:creationId xmlns:a16="http://schemas.microsoft.com/office/drawing/2014/main" id="{1B1B1DCC-7D96-9C32-7C7D-AA150C6585B4}"/>
+              </a:ext>
+            </a:extLst>
+          </p:cNvPr>
+          <p:cNvSpPr>
+            <a:spLocks noGrp="1"/>
+          </p:cNvSpPr>
+          <p:nvPr>
+            <p:ph idx="1"/>
+          </p:nvPr>
+        </p:nvSpPr>
+        <p:spPr>
+          <a:xfrm>
+            <a:off x="7095744" y="1853754"/>
+            <a:ext cx="4864608" cy="4199727"/>
+          </a:xfrm>
+        </p:spPr>
+        <p:txBody>
+          <a:bodyPr/>
+          <a:lstStyle/>
+          <a:p>
+            <a:r>
+              <a:rPr lang="en-US" dirty="0"/>
+              <a:t>The percentile is the proportion of items that are lower than a given item.</a:t>
+            </a:r>
+          </a:p>
+          <a:p>
+            <a:r>
+              <a:rPr lang="en-US" dirty="0"/>
+              <a:t>A CDF looking at data cumulatively makes percentiles clear. </a:t>
+            </a:r>
+          </a:p>
+          <a:p>
+            <a:pPr lvl="1"/>
+            <a:r>
+              <a:rPr lang="en-US" dirty="0"/>
+              <a:t>Y value is the percentile. </a:t>
+            </a:r>
+          </a:p>
+          <a:p>
+            <a:r>
+              <a:rPr lang="en-US" dirty="0"/>
+              <a:t>Used in comparison and benchmarking. </a:t>
+            </a:r>
+          </a:p>
+          <a:p>
+            <a:pPr lvl="1"/>
+            <a:r>
+              <a:rPr lang="en-US" dirty="0"/>
+              <a:t>Test scores, salary, economic outcomes…</a:t>
+            </a:r>
+          </a:p>
+          <a:p>
+            <a:r>
+              <a:rPr lang="en-US" dirty="0"/>
+              <a:t>It doesn’t matter what the value is, only how it compares to others. </a:t>
+            </a:r>
+          </a:p>
+        </p:txBody>
+      </p:sp>
+      <p:pic>
+        <p:nvPicPr>
+          <p:cNvPr id="7170" name="Picture 2" descr="How to Understand Score Percentiles">
+            <a:extLst>
+              <a:ext uri="{FF2B5EF4-FFF2-40B4-BE49-F238E27FC236}">
+                <a16:creationId xmlns:a16="http://schemas.microsoft.com/office/drawing/2014/main" id="{0BA0F1E1-81E0-4F4A-29E6-6EBE1AB99023}"/>
+              </a:ext>
+            </a:extLst>
+          </p:cNvPr>
+          <p:cNvPicPr>
+            <a:picLocks noChangeAspect="1" noChangeArrowheads="1"/>
+          </p:cNvPicPr>
+          <p:nvPr/>
+        </p:nvPicPr>
+        <p:blipFill rotWithShape="1">
+          <a:blip r:embed="rId2">
+            <a:extLst>
+              <a:ext uri="{28A0092B-C50C-407E-A947-70E740481C1C}">
+                <a14:useLocalDpi xmlns:a14="http://schemas.microsoft.com/office/drawing/2010/main" val="0"/>
+              </a:ext>
+            </a:extLst>
+          </a:blip>
+          <a:srcRect l="9348" t="5867" r="9348" b="7911"/>
+          <a:stretch>
+            <a:fillRect/>
+          </a:stretch>
+        </p:blipFill>
+        <p:spPr bwMode="auto">
+          <a:xfrm>
+            <a:off x="0" y="1841330"/>
+            <a:ext cx="7095744" cy="5016670"/>
+          </a:xfrm>
+          <a:prstGeom prst="rect">
+            <a:avLst/>
+          </a:prstGeom>
+          <a:noFill/>
+          <a:extLst>
+            <a:ext uri="{909E8E84-426E-40DD-AFC4-6F175D3DCCD1}">
+              <a14:hiddenFill xmlns:a14="http://schemas.microsoft.com/office/drawing/2010/main">
+                <a:solidFill>
+                  <a:srgbClr val="FFFFFF"/>
+                </a:solidFill>
+              </a14:hiddenFill>
+            </a:ext>
+          </a:extLst>
+        </p:spPr>
+      </p:pic>
+    </p:spTree>
+    <p:extLst>
+      <p:ext uri="{BB962C8B-B14F-4D97-AF65-F5344CB8AC3E}">
+        <p14:creationId xmlns:p14="http://schemas.microsoft.com/office/powerpoint/2010/main" val="2172686502"/>
+      </p:ext>
+    </p:extLst>
+  </p:cSld>
+  <p:clrMapOvr>
+    <a:masterClrMapping/>
+  </p:clrMapOvr>
+</p:sld>
+</file>
+
+<file path=ppt/slides/slide13.xml><?xml version="1.0" encoding="utf-8"?>
+<p:sld xmlns:a="http://schemas.openxmlformats.org/drawingml/2006/main" xmlns:r="http://schemas.openxmlformats.org/officeDocument/2006/relationships" xmlns:p="http://schemas.openxmlformats.org/presentationml/2006/main">
+  <p:cSld>
+    <p:spTree>
+      <p:nvGrpSpPr>
+        <p:cNvPr id="1" name=""/>
+        <p:cNvGrpSpPr/>
+        <p:nvPr/>
+      </p:nvGrpSpPr>
+      <p:grpSpPr>
+        <a:xfrm>
+          <a:off x="0" y="0"/>
+          <a:ext cx="0" cy="0"/>
+          <a:chOff x="0" y="0"/>
+          <a:chExt cx="0" cy="0"/>
+        </a:xfrm>
+      </p:grpSpPr>
+      <p:sp>
+        <p:nvSpPr>
+          <p:cNvPr id="2" name="Title 1">
+            <a:extLst>
+              <a:ext uri="{FF2B5EF4-FFF2-40B4-BE49-F238E27FC236}">
+                <a16:creationId xmlns:a16="http://schemas.microsoft.com/office/drawing/2014/main" id="{DE4CEEC2-C029-8001-7F1E-26CF51B6775E}"/>
+              </a:ext>
+            </a:extLst>
+          </p:cNvPr>
+          <p:cNvSpPr>
+            <a:spLocks noGrp="1"/>
+          </p:cNvSpPr>
+          <p:nvPr>
+            <p:ph type="title"/>
+          </p:nvPr>
+        </p:nvSpPr>
+        <p:spPr/>
+        <p:txBody>
+          <a:bodyPr/>
+          <a:lstStyle/>
+          <a:p>
+            <a:r>
+              <a:rPr lang="en-US" dirty="0"/>
+              <a:t>Nerdy Percentile Usage</a:t>
+            </a:r>
+          </a:p>
+        </p:txBody>
+      </p:sp>
+      <p:sp>
+        <p:nvSpPr>
+          <p:cNvPr id="3" name="Content Placeholder 2">
+            <a:extLst>
+              <a:ext uri="{FF2B5EF4-FFF2-40B4-BE49-F238E27FC236}">
+                <a16:creationId xmlns:a16="http://schemas.microsoft.com/office/drawing/2014/main" id="{C1D36AF0-68C2-B0A3-70F1-E8DF720281D2}"/>
+              </a:ext>
+            </a:extLst>
+          </p:cNvPr>
+          <p:cNvSpPr>
+            <a:spLocks noGrp="1"/>
+          </p:cNvSpPr>
+          <p:nvPr>
+            <p:ph idx="1"/>
+          </p:nvPr>
+        </p:nvSpPr>
+        <p:spPr>
+          <a:xfrm>
+            <a:off x="658369" y="1853754"/>
+            <a:ext cx="6371780" cy="4199727"/>
+          </a:xfrm>
+        </p:spPr>
+        <p:txBody>
+          <a:bodyPr/>
+          <a:lstStyle/>
+          <a:p>
+            <a:r>
+              <a:rPr lang="en-US" dirty="0"/>
+              <a:t>This example comes from response times for an online service’s API. </a:t>
+            </a:r>
+          </a:p>
+          <a:p>
+            <a:r>
+              <a:rPr lang="en-US" dirty="0"/>
+              <a:t>When occasional issues occur, those raise the mean, but not 90</a:t>
+            </a:r>
+            <a:r>
+              <a:rPr lang="en-US" baseline="30000" dirty="0"/>
+              <a:t>th</a:t>
+            </a:r>
+            <a:r>
+              <a:rPr lang="en-US" dirty="0"/>
+              <a:t> percentile.</a:t>
+            </a:r>
+          </a:p>
+          <a:p>
+            <a:pPr lvl="1"/>
+            <a:r>
+              <a:rPr lang="en-US" dirty="0"/>
+              <a:t>i.e. a few people have very long waits. </a:t>
+            </a:r>
+          </a:p>
+          <a:p>
+            <a:pPr lvl="1"/>
+            <a:r>
+              <a:rPr lang="en-US" dirty="0"/>
+              <a:t>Mean rises due to value, but it isn’t that many people. </a:t>
+            </a:r>
+          </a:p>
+          <a:p>
+            <a:r>
+              <a:rPr lang="en-US" dirty="0"/>
+              <a:t>When </a:t>
+            </a:r>
+            <a:r>
+              <a:rPr lang="en-US" b="1" i="1" dirty="0"/>
+              <a:t>real</a:t>
+            </a:r>
+            <a:r>
+              <a:rPr lang="en-US" dirty="0"/>
+              <a:t> bad issues occur, the percentile raises. </a:t>
+            </a:r>
+          </a:p>
+          <a:p>
+            <a:pPr lvl="1"/>
+            <a:r>
+              <a:rPr lang="en-US" dirty="0"/>
+              <a:t>A larger number of people have long waits. </a:t>
+            </a:r>
+          </a:p>
+          <a:p>
+            <a:pPr lvl="1"/>
+            <a:r>
+              <a:rPr lang="en-US" dirty="0"/>
+              <a:t>Even if the mean doesn’t move much, prob is noticed. </a:t>
+            </a:r>
+          </a:p>
+          <a:p>
+            <a:pPr lvl="1"/>
+            <a:r>
+              <a:rPr lang="en-US" dirty="0"/>
+              <a:t>Larger number of items, less extreme difference. </a:t>
+            </a:r>
+          </a:p>
+        </p:txBody>
+      </p:sp>
+      <p:pic>
+        <p:nvPicPr>
+          <p:cNvPr id="8194" name="Picture 2" descr="image">
+            <a:extLst>
+              <a:ext uri="{FF2B5EF4-FFF2-40B4-BE49-F238E27FC236}">
+                <a16:creationId xmlns:a16="http://schemas.microsoft.com/office/drawing/2014/main" id="{4FE5B8FB-8A4C-1104-9A11-8A1D7219A8EB}"/>
+              </a:ext>
+            </a:extLst>
+          </p:cNvPr>
+          <p:cNvPicPr>
+            <a:picLocks noChangeAspect="1" noChangeArrowheads="1"/>
+          </p:cNvPicPr>
+          <p:nvPr/>
+        </p:nvPicPr>
+        <p:blipFill>
+          <a:blip r:embed="rId2">
+            <a:extLst>
+              <a:ext uri="{28A0092B-C50C-407E-A947-70E740481C1C}">
+                <a14:useLocalDpi xmlns:a14="http://schemas.microsoft.com/office/drawing/2010/main" val="0"/>
+              </a:ext>
+            </a:extLst>
+          </a:blip>
+          <a:srcRect/>
+          <a:stretch>
+            <a:fillRect/>
+          </a:stretch>
+        </p:blipFill>
+        <p:spPr bwMode="auto">
+          <a:xfrm>
+            <a:off x="7030148" y="1210392"/>
+            <a:ext cx="5161852" cy="2363832"/>
+          </a:xfrm>
+          <a:prstGeom prst="rect">
+            <a:avLst/>
+          </a:prstGeom>
+          <a:noFill/>
+          <a:extLst>
+            <a:ext uri="{909E8E84-426E-40DD-AFC4-6F175D3DCCD1}">
+              <a14:hiddenFill xmlns:a14="http://schemas.microsoft.com/office/drawing/2010/main">
+                <a:solidFill>
+                  <a:srgbClr val="FFFFFF"/>
+                </a:solidFill>
+              </a14:hiddenFill>
+            </a:ext>
+          </a:extLst>
+        </p:spPr>
+      </p:pic>
+      <p:pic>
+        <p:nvPicPr>
+          <p:cNvPr id="8196" name="Picture 4" descr="image">
+            <a:extLst>
+              <a:ext uri="{FF2B5EF4-FFF2-40B4-BE49-F238E27FC236}">
+                <a16:creationId xmlns:a16="http://schemas.microsoft.com/office/drawing/2014/main" id="{3CD28DE7-08AA-99B0-44F8-8EC41C67A944}"/>
+              </a:ext>
+            </a:extLst>
+          </p:cNvPr>
+          <p:cNvPicPr>
+            <a:picLocks noChangeAspect="1" noChangeArrowheads="1"/>
+          </p:cNvPicPr>
+          <p:nvPr/>
+        </p:nvPicPr>
+        <p:blipFill>
+          <a:blip r:embed="rId3">
+            <a:extLst>
+              <a:ext uri="{28A0092B-C50C-407E-A947-70E740481C1C}">
+                <a14:useLocalDpi xmlns:a14="http://schemas.microsoft.com/office/drawing/2010/main" val="0"/>
+              </a:ext>
+            </a:extLst>
+          </a:blip>
+          <a:srcRect/>
+          <a:stretch>
+            <a:fillRect/>
+          </a:stretch>
+        </p:blipFill>
+        <p:spPr bwMode="auto">
+          <a:xfrm>
+            <a:off x="7030148" y="3574223"/>
+            <a:ext cx="5161852" cy="3181056"/>
+          </a:xfrm>
+          <a:prstGeom prst="rect">
+            <a:avLst/>
+          </a:prstGeom>
+          <a:noFill/>
+          <a:extLst>
+            <a:ext uri="{909E8E84-426E-40DD-AFC4-6F175D3DCCD1}">
+              <a14:hiddenFill xmlns:a14="http://schemas.microsoft.com/office/drawing/2010/main">
+                <a:solidFill>
+                  <a:srgbClr val="FFFFFF"/>
+                </a:solidFill>
+              </a14:hiddenFill>
+            </a:ext>
+          </a:extLst>
+        </p:spPr>
+      </p:pic>
+    </p:spTree>
+    <p:extLst>
+      <p:ext uri="{BB962C8B-B14F-4D97-AF65-F5344CB8AC3E}">
+        <p14:creationId xmlns:p14="http://schemas.microsoft.com/office/powerpoint/2010/main" val="222197462"/>
+      </p:ext>
+    </p:extLst>
+  </p:cSld>
+  <p:clrMapOvr>
+    <a:masterClrMapping/>
+  </p:clrMapOvr>
+</p:sld>
+</file>
+
+<file path=ppt/slides/slide14.xml><?xml version="1.0" encoding="utf-8"?>
+<p:sld xmlns:a="http://schemas.openxmlformats.org/drawingml/2006/main" xmlns:r="http://schemas.openxmlformats.org/officeDocument/2006/relationships" xmlns:p="http://schemas.openxmlformats.org/presentationml/2006/main">
+  <p:cSld>
+    <p:spTree>
+      <p:nvGrpSpPr>
+        <p:cNvPr id="1" name=""/>
+        <p:cNvGrpSpPr/>
+        <p:nvPr/>
+      </p:nvGrpSpPr>
+      <p:grpSpPr>
+        <a:xfrm>
+          <a:off x="0" y="0"/>
+          <a:ext cx="0" cy="0"/>
+          <a:chOff x="0" y="0"/>
+          <a:chExt cx="0" cy="0"/>
+        </a:xfrm>
+      </p:grpSpPr>
+      <p:sp>
+        <p:nvSpPr>
+          <p:cNvPr id="2" name="Title 1">
+            <a:extLst>
+              <a:ext uri="{FF2B5EF4-FFF2-40B4-BE49-F238E27FC236}">
+                <a16:creationId xmlns:a16="http://schemas.microsoft.com/office/drawing/2014/main" id="{A9BA326E-ADBA-E6F9-77FB-257D1A4663AA}"/>
+              </a:ext>
+            </a:extLst>
+          </p:cNvPr>
+          <p:cNvSpPr>
+            <a:spLocks noGrp="1"/>
+          </p:cNvSpPr>
+          <p:nvPr>
+            <p:ph type="title"/>
+          </p:nvPr>
+        </p:nvSpPr>
+        <p:spPr/>
+        <p:txBody>
+          <a:bodyPr/>
+          <a:lstStyle/>
+          <a:p>
+            <a:r>
+              <a:rPr lang="en-US" dirty="0"/>
+              <a:t>Percentile Lingo</a:t>
+            </a:r>
+          </a:p>
+        </p:txBody>
+      </p:sp>
+      <p:sp>
+        <p:nvSpPr>
+          <p:cNvPr id="3" name="Content Placeholder 2">
+            <a:extLst>
+              <a:ext uri="{FF2B5EF4-FFF2-40B4-BE49-F238E27FC236}">
+                <a16:creationId xmlns:a16="http://schemas.microsoft.com/office/drawing/2014/main" id="{435AB2B7-3142-0443-EFEC-39DA0AF0F481}"/>
+              </a:ext>
+            </a:extLst>
+          </p:cNvPr>
+          <p:cNvSpPr>
+            <a:spLocks noGrp="1"/>
+          </p:cNvSpPr>
+          <p:nvPr>
+            <p:ph idx="1"/>
+          </p:nvPr>
+        </p:nvSpPr>
+        <p:spPr>
+          <a:xfrm>
+            <a:off x="1451579" y="1920240"/>
+            <a:ext cx="9603275" cy="4133241"/>
+          </a:xfrm>
+        </p:spPr>
+        <p:txBody>
+          <a:bodyPr/>
+          <a:lstStyle/>
+          <a:p>
+            <a:r>
+              <a:rPr lang="en-US" dirty="0"/>
+              <a:t>The term percentile can be a bit confusing as it is kind of used in different ways. </a:t>
+            </a:r>
+          </a:p>
+          <a:p>
+            <a:r>
+              <a:rPr lang="en-US" dirty="0"/>
+              <a:t>Percentile rank:</a:t>
+            </a:r>
+          </a:p>
+          <a:p>
+            <a:pPr lvl="1"/>
+            <a:r>
+              <a:rPr lang="en-US" dirty="0"/>
+              <a:t>Given this actual value, what percentage are lower. (Look up Y). </a:t>
+            </a:r>
+          </a:p>
+          <a:p>
+            <a:pPr lvl="1"/>
+            <a:r>
+              <a:rPr lang="en-US" dirty="0"/>
+              <a:t>E.g. I got 87% on the exam and my percentile rank is 92% (better than 92% of others). </a:t>
+            </a:r>
+          </a:p>
+          <a:p>
+            <a:r>
+              <a:rPr lang="en-US" dirty="0"/>
+              <a:t>Percentile:</a:t>
+            </a:r>
+          </a:p>
+          <a:p>
+            <a:pPr lvl="1"/>
+            <a:r>
+              <a:rPr lang="en-US" dirty="0"/>
+              <a:t>Given this percentile rank, what is the value at that point. (Look up X). </a:t>
+            </a:r>
+          </a:p>
+          <a:p>
+            <a:pPr lvl="1"/>
+            <a:r>
+              <a:rPr lang="en-US" dirty="0"/>
+              <a:t>E.g. the 92</a:t>
+            </a:r>
+            <a:r>
+              <a:rPr lang="en-US" baseline="30000" dirty="0"/>
+              <a:t>nd</a:t>
+            </a:r>
+            <a:r>
+              <a:rPr lang="en-US" dirty="0"/>
+              <a:t> percentile is at 87% score on the exam. (The value above 92% of others). </a:t>
+            </a:r>
+          </a:p>
+          <a:p>
+            <a:r>
+              <a:rPr lang="en-US" dirty="0"/>
+              <a:t>”I’m in the 92</a:t>
+            </a:r>
+            <a:r>
+              <a:rPr lang="en-US" baseline="30000" dirty="0"/>
+              <a:t>nd</a:t>
+            </a:r>
+            <a:r>
+              <a:rPr lang="en-US" dirty="0"/>
+              <a:t> percentile” is </a:t>
+            </a:r>
+            <a:r>
+              <a:rPr lang="en-US"/>
+              <a:t>more obvious </a:t>
+            </a:r>
+            <a:r>
+              <a:rPr lang="en-US" dirty="0"/>
+              <a:t>as “my percentile rank is 92” </a:t>
+            </a:r>
+          </a:p>
+        </p:txBody>
+      </p:sp>
+    </p:spTree>
+    <p:extLst>
+      <p:ext uri="{BB962C8B-B14F-4D97-AF65-F5344CB8AC3E}">
+        <p14:creationId xmlns:p14="http://schemas.microsoft.com/office/powerpoint/2010/main" val="3057796269"/>
+      </p:ext>
+    </p:extLst>
+  </p:cSld>
+  <p:clrMapOvr>
+    <a:masterClrMapping/>
+  </p:clrMapOvr>
+</p:sld>
+</file>
+
+<file path=ppt/slides/slide15.xml><?xml version="1.0" encoding="utf-8"?>
+<p:sld xmlns:a="http://schemas.openxmlformats.org/drawingml/2006/main" xmlns:r="http://schemas.openxmlformats.org/officeDocument/2006/relationships" xmlns:p="http://schemas.openxmlformats.org/presentationml/2006/main">
+  <p:cSld>
+    <p:spTree>
+      <p:nvGrpSpPr>
+        <p:cNvPr id="1" name=""/>
+        <p:cNvGrpSpPr/>
+        <p:nvPr/>
+      </p:nvGrpSpPr>
+      <p:grpSpPr>
+        <a:xfrm>
+          <a:off x="0" y="0"/>
+          <a:ext cx="0" cy="0"/>
+          <a:chOff x="0" y="0"/>
+          <a:chExt cx="0" cy="0"/>
+        </a:xfrm>
+      </p:grpSpPr>
+      <p:sp>
+        <p:nvSpPr>
+          <p:cNvPr id="2" name="Title 1">
+            <a:extLst>
+              <a:ext uri="{FF2B5EF4-FFF2-40B4-BE49-F238E27FC236}">
+                <a16:creationId xmlns:a16="http://schemas.microsoft.com/office/drawing/2014/main" id="{44EB69EB-2234-DCA8-F313-457359BEE57D}"/>
+              </a:ext>
+            </a:extLst>
+          </p:cNvPr>
+          <p:cNvSpPr>
+            <a:spLocks noGrp="1"/>
+          </p:cNvSpPr>
+          <p:nvPr>
+            <p:ph type="title"/>
+          </p:nvPr>
+        </p:nvSpPr>
+        <p:spPr/>
+        <p:txBody>
+          <a:bodyPr/>
+          <a:lstStyle/>
+          <a:p>
+            <a:r>
+              <a:rPr lang="en-US" dirty="0"/>
+              <a:t>Median</a:t>
+            </a:r>
+          </a:p>
+        </p:txBody>
+      </p:sp>
+      <p:sp>
+        <p:nvSpPr>
+          <p:cNvPr id="3" name="Content Placeholder 2">
+            <a:extLst>
+              <a:ext uri="{FF2B5EF4-FFF2-40B4-BE49-F238E27FC236}">
+                <a16:creationId xmlns:a16="http://schemas.microsoft.com/office/drawing/2014/main" id="{BE1EE9BF-022B-B5BC-DDEF-B866C6353735}"/>
+              </a:ext>
+            </a:extLst>
+          </p:cNvPr>
+          <p:cNvSpPr>
+            <a:spLocks noGrp="1"/>
+          </p:cNvSpPr>
+          <p:nvPr>
+            <p:ph idx="1"/>
+          </p:nvPr>
+        </p:nvSpPr>
+        <p:spPr>
+          <a:xfrm>
+            <a:off x="7534656" y="1944414"/>
+            <a:ext cx="4657344" cy="4109067"/>
+          </a:xfrm>
+        </p:spPr>
+        <p:txBody>
+          <a:bodyPr>
+            <a:normAutofit/>
+          </a:bodyPr>
+          <a:lstStyle/>
+          <a:p>
+            <a:r>
+              <a:rPr lang="en-US" dirty="0"/>
+              <a:t>The median is one special percentile – the value in the middle. </a:t>
+            </a:r>
+          </a:p>
+          <a:p>
+            <a:r>
+              <a:rPr lang="en-US" dirty="0"/>
+              <a:t>Often represents the center of data better than mean. </a:t>
+            </a:r>
+          </a:p>
+          <a:p>
+            <a:pPr lvl="1"/>
+            <a:r>
+              <a:rPr lang="en-US" dirty="0"/>
+              <a:t>Especially in cases of odd distribution patterns – outliers, skew, </a:t>
+            </a:r>
+            <a:r>
+              <a:rPr lang="en-US" dirty="0" err="1"/>
+              <a:t>etc</a:t>
+            </a:r>
+            <a:r>
+              <a:rPr lang="en-US" dirty="0"/>
+              <a:t>…</a:t>
+            </a:r>
+          </a:p>
+          <a:p>
+            <a:r>
+              <a:rPr lang="en-US" dirty="0"/>
+              <a:t>In analysis we may sometimes take the median in place of mean. </a:t>
+            </a:r>
+          </a:p>
+          <a:p>
+            <a:r>
+              <a:rPr lang="en-US" dirty="0"/>
+              <a:t>In normal data, mean and median (and mode) are the same. </a:t>
+            </a:r>
+          </a:p>
+        </p:txBody>
+      </p:sp>
+      <p:pic>
+        <p:nvPicPr>
+          <p:cNvPr id="9218" name="Picture 2" descr="Measures of Central Value: Mean, Median, Mode &amp; Others : Plantlet">
+            <a:extLst>
+              <a:ext uri="{FF2B5EF4-FFF2-40B4-BE49-F238E27FC236}">
+                <a16:creationId xmlns:a16="http://schemas.microsoft.com/office/drawing/2014/main" id="{D994CA42-487B-38CE-3A5A-D851ADA49C0A}"/>
+              </a:ext>
+            </a:extLst>
+          </p:cNvPr>
+          <p:cNvPicPr>
+            <a:picLocks noChangeAspect="1" noChangeArrowheads="1"/>
+          </p:cNvPicPr>
+          <p:nvPr/>
+        </p:nvPicPr>
+        <p:blipFill rotWithShape="1">
+          <a:blip r:embed="rId2">
+            <a:extLst>
+              <a:ext uri="{28A0092B-C50C-407E-A947-70E740481C1C}">
+                <a14:useLocalDpi xmlns:a14="http://schemas.microsoft.com/office/drawing/2010/main" val="0"/>
+              </a:ext>
+            </a:extLst>
+          </a:blip>
+          <a:srcRect l="2602" t="15478" r="4406"/>
+          <a:stretch>
+            <a:fillRect/>
+          </a:stretch>
+        </p:blipFill>
+        <p:spPr bwMode="auto">
+          <a:xfrm>
+            <a:off x="0" y="1716278"/>
+            <a:ext cx="7534656" cy="5141722"/>
+          </a:xfrm>
+          <a:prstGeom prst="rect">
+            <a:avLst/>
+          </a:prstGeom>
+          <a:noFill/>
+          <a:extLst>
+            <a:ext uri="{909E8E84-426E-40DD-AFC4-6F175D3DCCD1}">
+              <a14:hiddenFill xmlns:a14="http://schemas.microsoft.com/office/drawing/2010/main">
+                <a:solidFill>
+                  <a:srgbClr val="FFFFFF"/>
+                </a:solidFill>
+              </a14:hiddenFill>
+            </a:ext>
+          </a:extLst>
+        </p:spPr>
+      </p:pic>
+    </p:spTree>
+    <p:extLst>
+      <p:ext uri="{BB962C8B-B14F-4D97-AF65-F5344CB8AC3E}">
+        <p14:creationId xmlns:p14="http://schemas.microsoft.com/office/powerpoint/2010/main" val="3464893197"/>
+      </p:ext>
+    </p:extLst>
+  </p:cSld>
+  <p:clrMapOvr>
+    <a:masterClrMapping/>
+  </p:clrMapOvr>
+</p:sld>
+</file>
+
+<file path=ppt/slides/slide16.xml><?xml version="1.0" encoding="utf-8"?>
+<p:sld xmlns:a="http://schemas.openxmlformats.org/drawingml/2006/main" xmlns:r="http://schemas.openxmlformats.org/officeDocument/2006/relationships" xmlns:p="http://schemas.openxmlformats.org/presentationml/2006/main">
+  <p:cSld>
+    <p:spTree>
+      <p:nvGrpSpPr>
+        <p:cNvPr id="1" name=""/>
+        <p:cNvGrpSpPr/>
+        <p:nvPr/>
+      </p:nvGrpSpPr>
+      <p:grpSpPr>
+        <a:xfrm>
+          <a:off x="0" y="0"/>
+          <a:ext cx="0" cy="0"/>
+          <a:chOff x="0" y="0"/>
+          <a:chExt cx="0" cy="0"/>
+        </a:xfrm>
+      </p:grpSpPr>
+      <p:sp>
+        <p:nvSpPr>
+          <p:cNvPr id="2" name="Title 1">
+            <a:extLst>
+              <a:ext uri="{FF2B5EF4-FFF2-40B4-BE49-F238E27FC236}">
+                <a16:creationId xmlns:a16="http://schemas.microsoft.com/office/drawing/2014/main" id="{75214B11-A938-CA4F-6A6F-ABF276E31D6C}"/>
+              </a:ext>
+            </a:extLst>
+          </p:cNvPr>
+          <p:cNvSpPr>
+            <a:spLocks noGrp="1"/>
+          </p:cNvSpPr>
+          <p:nvPr>
+            <p:ph type="title"/>
+          </p:nvPr>
+        </p:nvSpPr>
+        <p:spPr>
+          <a:xfrm>
+            <a:off x="1901945" y="804519"/>
+            <a:ext cx="9152909" cy="1049235"/>
+          </a:xfrm>
+        </p:spPr>
+        <p:txBody>
+          <a:bodyPr/>
+          <a:lstStyle/>
+          <a:p>
+            <a:r>
+              <a:rPr lang="en-US" dirty="0"/>
+              <a:t>IQR and Ranges</a:t>
+            </a:r>
+          </a:p>
+        </p:txBody>
+      </p:sp>
+      <p:sp>
+        <p:nvSpPr>
+          <p:cNvPr id="3" name="Content Placeholder 2">
+            <a:extLst>
+              <a:ext uri="{FF2B5EF4-FFF2-40B4-BE49-F238E27FC236}">
+                <a16:creationId xmlns:a16="http://schemas.microsoft.com/office/drawing/2014/main" id="{A44BF75D-4904-A93E-C59F-E34E576E3946}"/>
+              </a:ext>
+            </a:extLst>
+          </p:cNvPr>
+          <p:cNvSpPr>
+            <a:spLocks noGrp="1"/>
+          </p:cNvSpPr>
+          <p:nvPr>
+            <p:ph idx="1"/>
+          </p:nvPr>
+        </p:nvSpPr>
+        <p:spPr>
+          <a:xfrm>
+            <a:off x="752623" y="1853754"/>
+            <a:ext cx="6306546" cy="4199727"/>
+          </a:xfrm>
+        </p:spPr>
+        <p:txBody>
+          <a:bodyPr>
+            <a:normAutofit/>
+          </a:bodyPr>
+          <a:lstStyle/>
+          <a:p>
+            <a:r>
+              <a:rPr lang="en-US" dirty="0"/>
+              <a:t>Can also use percentile for IQR – interquartile range. </a:t>
+            </a:r>
+          </a:p>
+          <a:p>
+            <a:r>
+              <a:rPr lang="en-US" dirty="0"/>
+              <a:t>Common in stats to get an idea of “the typical value”. </a:t>
+            </a:r>
+          </a:p>
+          <a:p>
+            <a:pPr lvl="1"/>
+            <a:r>
+              <a:rPr lang="en-US" dirty="0"/>
+              <a:t>E.g. the IQR of income kind of mirrors the ”middle class”. </a:t>
+            </a:r>
+          </a:p>
+          <a:p>
+            <a:r>
+              <a:rPr lang="en-US" dirty="0"/>
+              <a:t>There’s other ranges, but the idea is the same.</a:t>
+            </a:r>
+          </a:p>
+          <a:p>
+            <a:pPr lvl="1"/>
+            <a:r>
+              <a:rPr lang="en-US" dirty="0"/>
+              <a:t>E.g. middle 3 of 5 quintiles. </a:t>
+            </a:r>
+          </a:p>
+          <a:p>
+            <a:r>
+              <a:rPr lang="en-US" dirty="0"/>
+              <a:t>Can also help with automated outlier filter. </a:t>
+            </a:r>
+          </a:p>
+          <a:p>
+            <a:r>
+              <a:rPr lang="en-US" dirty="0"/>
+              <a:t>What if the data is not normal?</a:t>
+            </a:r>
+          </a:p>
+        </p:txBody>
+      </p:sp>
+      <p:pic>
+        <p:nvPicPr>
+          <p:cNvPr id="6148" name="Picture 4" descr="المدى الربيعي - ويكيبيديا">
+            <a:extLst>
+              <a:ext uri="{FF2B5EF4-FFF2-40B4-BE49-F238E27FC236}">
+                <a16:creationId xmlns:a16="http://schemas.microsoft.com/office/drawing/2014/main" id="{F354696C-261F-CAE7-9D3C-BCAD0D2D2F96}"/>
+              </a:ext>
+            </a:extLst>
+          </p:cNvPr>
+          <p:cNvPicPr>
+            <a:picLocks noChangeAspect="1" noChangeArrowheads="1"/>
+          </p:cNvPicPr>
+          <p:nvPr/>
+        </p:nvPicPr>
+        <p:blipFill rotWithShape="1">
+          <a:blip r:embed="rId2">
+            <a:extLst>
+              <a:ext uri="{28A0092B-C50C-407E-A947-70E740481C1C}">
+                <a14:useLocalDpi xmlns:a14="http://schemas.microsoft.com/office/drawing/2010/main" val="0"/>
+              </a:ext>
+            </a:extLst>
+          </a:blip>
+          <a:srcRect b="30259"/>
+          <a:stretch>
+            <a:fillRect/>
+          </a:stretch>
+        </p:blipFill>
+        <p:spPr bwMode="auto">
+          <a:xfrm>
+            <a:off x="6963863" y="1966321"/>
+            <a:ext cx="5228137" cy="3974592"/>
+          </a:xfrm>
+          <a:prstGeom prst="rect">
+            <a:avLst/>
+          </a:prstGeom>
+          <a:noFill/>
+          <a:extLst>
+            <a:ext uri="{909E8E84-426E-40DD-AFC4-6F175D3DCCD1}">
+              <a14:hiddenFill xmlns:a14="http://schemas.microsoft.com/office/drawing/2010/main">
+                <a:solidFill>
+                  <a:srgbClr val="FFFFFF"/>
+                </a:solidFill>
+              </a14:hiddenFill>
+            </a:ext>
+          </a:extLst>
+        </p:spPr>
+      </p:pic>
+    </p:spTree>
+    <p:extLst>
+      <p:ext uri="{BB962C8B-B14F-4D97-AF65-F5344CB8AC3E}">
+        <p14:creationId xmlns:p14="http://schemas.microsoft.com/office/powerpoint/2010/main" val="807640186"/>
+      </p:ext>
+    </p:extLst>
+  </p:cSld>
+  <p:clrMapOvr>
+    <a:masterClrMapping/>
+  </p:clrMapOvr>
+</p:sld>
+</file>
+
+<file path=ppt/slides/slide17.xml><?xml version="1.0" encoding="utf-8"?>
+<p:sld xmlns:a="http://schemas.openxmlformats.org/drawingml/2006/main" xmlns:r="http://schemas.openxmlformats.org/officeDocument/2006/relationships" xmlns:p="http://schemas.openxmlformats.org/presentationml/2006/main">
+  <p:cSld>
+    <p:spTree>
+      <p:nvGrpSpPr>
+        <p:cNvPr id="1" name=""/>
+        <p:cNvGrpSpPr/>
+        <p:nvPr/>
+      </p:nvGrpSpPr>
+      <p:grpSpPr>
+        <a:xfrm>
+          <a:off x="0" y="0"/>
+          <a:ext cx="0" cy="0"/>
+          <a:chOff x="0" y="0"/>
+          <a:chExt cx="0" cy="0"/>
+        </a:xfrm>
+      </p:grpSpPr>
+      <p:sp>
+        <p:nvSpPr>
+          <p:cNvPr id="2" name="Title 1">
+            <a:extLst>
+              <a:ext uri="{FF2B5EF4-FFF2-40B4-BE49-F238E27FC236}">
+                <a16:creationId xmlns:a16="http://schemas.microsoft.com/office/drawing/2014/main" id="{33393461-225F-19F1-A44C-0AC08ADAE633}"/>
+              </a:ext>
+            </a:extLst>
+          </p:cNvPr>
+          <p:cNvSpPr>
+            <a:spLocks noGrp="1"/>
+          </p:cNvSpPr>
+          <p:nvPr>
+            <p:ph type="title"/>
+          </p:nvPr>
+        </p:nvSpPr>
+        <p:spPr/>
+        <p:txBody>
+          <a:bodyPr/>
+          <a:lstStyle/>
+          <a:p>
+            <a:r>
+              <a:rPr lang="en-US" dirty="0"/>
+              <a:t>Side Note - Parametric</a:t>
+            </a:r>
+          </a:p>
+        </p:txBody>
+      </p:sp>
+      <p:sp>
+        <p:nvSpPr>
+          <p:cNvPr id="3" name="Content Placeholder 2">
+            <a:extLst>
+              <a:ext uri="{FF2B5EF4-FFF2-40B4-BE49-F238E27FC236}">
+                <a16:creationId xmlns:a16="http://schemas.microsoft.com/office/drawing/2014/main" id="{F966D8BC-5315-1AE5-0CA2-16F3BE5FCD07}"/>
+              </a:ext>
+            </a:extLst>
+          </p:cNvPr>
+          <p:cNvSpPr>
+            <a:spLocks noGrp="1"/>
+          </p:cNvSpPr>
+          <p:nvPr>
+            <p:ph idx="1"/>
+          </p:nvPr>
+        </p:nvSpPr>
+        <p:spPr>
+          <a:xfrm>
+            <a:off x="4174375" y="1853754"/>
+            <a:ext cx="8017625" cy="4199727"/>
+          </a:xfrm>
+        </p:spPr>
+        <p:txBody>
+          <a:bodyPr>
+            <a:normAutofit/>
+          </a:bodyPr>
+          <a:lstStyle/>
+          <a:p>
+            <a:r>
+              <a:rPr lang="en-US" dirty="0"/>
+              <a:t>In stats we often use the term parametric, often with tests – z, t, </a:t>
+            </a:r>
+            <a:r>
+              <a:rPr lang="en-US" dirty="0" err="1"/>
+              <a:t>etc</a:t>
+            </a:r>
+            <a:r>
+              <a:rPr lang="en-US" dirty="0"/>
+              <a:t>…</a:t>
+            </a:r>
+          </a:p>
+          <a:p>
+            <a:r>
+              <a:rPr lang="en-US" dirty="0"/>
+              <a:t>Means that there are some assumptions about the population data. </a:t>
+            </a:r>
+          </a:p>
+          <a:p>
+            <a:pPr lvl="1"/>
+            <a:r>
+              <a:rPr lang="en-US" dirty="0"/>
+              <a:t>In most cases that means we use things that assume data is normal. </a:t>
+            </a:r>
+          </a:p>
+          <a:p>
+            <a:pPr lvl="1"/>
+            <a:r>
+              <a:rPr lang="en-US" dirty="0"/>
+              <a:t>E.g. normality gives us the distribution of values by standard deviation. </a:t>
+            </a:r>
+          </a:p>
+          <a:p>
+            <a:r>
+              <a:rPr lang="en-US" dirty="0"/>
+              <a:t>Hypothesis testing, effect size, </a:t>
+            </a:r>
+            <a:r>
+              <a:rPr lang="en-US" dirty="0" err="1"/>
+              <a:t>etc</a:t>
+            </a:r>
+            <a:r>
+              <a:rPr lang="en-US" dirty="0"/>
+              <a:t>… are all parametric. </a:t>
+            </a:r>
+          </a:p>
+          <a:p>
+            <a:r>
+              <a:rPr lang="en-US" dirty="0"/>
+              <a:t>The assumptions allow for more powerful/insightful methods than non-parametric. </a:t>
+            </a:r>
+          </a:p>
+          <a:p>
+            <a:pPr lvl="1"/>
+            <a:r>
+              <a:rPr lang="en-US" dirty="0"/>
+              <a:t>We can base rules off of those assumptions. </a:t>
+            </a:r>
+          </a:p>
+          <a:p>
+            <a:r>
+              <a:rPr lang="en-US" dirty="0"/>
+              <a:t>Will still work with ‘bad’ data, but results get less reliable. </a:t>
+            </a:r>
+          </a:p>
+          <a:p>
+            <a:endParaRPr lang="en-US" dirty="0"/>
+          </a:p>
+        </p:txBody>
+      </p:sp>
+      <p:pic>
+        <p:nvPicPr>
+          <p:cNvPr id="12290" name="Picture 2" descr="Parametric vs Non-Parametric Test: Choosing the Right Test">
+            <a:extLst>
+              <a:ext uri="{FF2B5EF4-FFF2-40B4-BE49-F238E27FC236}">
+                <a16:creationId xmlns:a16="http://schemas.microsoft.com/office/drawing/2014/main" id="{AD951AB2-2E6D-A2BA-AB33-9F5CCB50BADB}"/>
+              </a:ext>
+            </a:extLst>
+          </p:cNvPr>
+          <p:cNvPicPr>
+            <a:picLocks noChangeAspect="1" noChangeArrowheads="1"/>
+          </p:cNvPicPr>
+          <p:nvPr/>
+        </p:nvPicPr>
+        <p:blipFill rotWithShape="1">
+          <a:blip r:embed="rId2">
+            <a:extLst>
+              <a:ext uri="{28A0092B-C50C-407E-A947-70E740481C1C}">
+                <a14:useLocalDpi xmlns:a14="http://schemas.microsoft.com/office/drawing/2010/main" val="0"/>
+              </a:ext>
+            </a:extLst>
+          </a:blip>
+          <a:srcRect l="6877" r="5396"/>
+          <a:stretch>
+            <a:fillRect/>
+          </a:stretch>
+        </p:blipFill>
+        <p:spPr bwMode="auto">
+          <a:xfrm>
+            <a:off x="0" y="2367485"/>
+            <a:ext cx="4174375" cy="3172265"/>
+          </a:xfrm>
+          <a:prstGeom prst="rect">
+            <a:avLst/>
+          </a:prstGeom>
+          <a:noFill/>
+          <a:extLst>
+            <a:ext uri="{909E8E84-426E-40DD-AFC4-6F175D3DCCD1}">
+              <a14:hiddenFill xmlns:a14="http://schemas.microsoft.com/office/drawing/2010/main">
+                <a:solidFill>
+                  <a:srgbClr val="FFFFFF"/>
+                </a:solidFill>
+              </a14:hiddenFill>
+            </a:ext>
+          </a:extLst>
+        </p:spPr>
+      </p:pic>
+    </p:spTree>
+    <p:extLst>
+      <p:ext uri="{BB962C8B-B14F-4D97-AF65-F5344CB8AC3E}">
+        <p14:creationId xmlns:p14="http://schemas.microsoft.com/office/powerpoint/2010/main" val="705780230"/>
+      </p:ext>
+    </p:extLst>
+  </p:cSld>
+  <p:clrMapOvr>
+    <a:masterClrMapping/>
+  </p:clrMapOvr>
+</p:sld>
+</file>
+
+<file path=ppt/slides/slide18.xml><?xml version="1.0" encoding="utf-8"?>
+<p:sld xmlns:a="http://schemas.openxmlformats.org/drawingml/2006/main" xmlns:r="http://schemas.openxmlformats.org/officeDocument/2006/relationships" xmlns:p="http://schemas.openxmlformats.org/presentationml/2006/main">
+  <p:cSld>
+    <p:spTree>
+      <p:nvGrpSpPr>
+        <p:cNvPr id="1" name=""/>
+        <p:cNvGrpSpPr/>
+        <p:nvPr/>
+      </p:nvGrpSpPr>
+      <p:grpSpPr>
+        <a:xfrm>
+          <a:off x="0" y="0"/>
+          <a:ext cx="0" cy="0"/>
+          <a:chOff x="0" y="0"/>
+          <a:chExt cx="0" cy="0"/>
+        </a:xfrm>
+      </p:grpSpPr>
+      <p:sp>
+        <p:nvSpPr>
+          <p:cNvPr id="2" name="Title 1">
+            <a:extLst>
+              <a:ext uri="{FF2B5EF4-FFF2-40B4-BE49-F238E27FC236}">
+                <a16:creationId xmlns:a16="http://schemas.microsoft.com/office/drawing/2014/main" id="{38BA1964-43FF-4CAB-1F8D-A75F56C39C9E}"/>
+              </a:ext>
+            </a:extLst>
+          </p:cNvPr>
+          <p:cNvSpPr>
+            <a:spLocks noGrp="1"/>
+          </p:cNvSpPr>
+          <p:nvPr>
+            <p:ph type="title"/>
+          </p:nvPr>
+        </p:nvSpPr>
+        <p:spPr/>
+        <p:txBody>
+          <a:bodyPr/>
+          <a:lstStyle/>
+          <a:p>
+            <a:r>
+              <a:rPr lang="en-US" dirty="0"/>
+              <a:t>Conclusion</a:t>
+            </a:r>
+          </a:p>
+        </p:txBody>
+      </p:sp>
+      <p:sp>
+        <p:nvSpPr>
+          <p:cNvPr id="3" name="Content Placeholder 2">
+            <a:extLst>
+              <a:ext uri="{FF2B5EF4-FFF2-40B4-BE49-F238E27FC236}">
+                <a16:creationId xmlns:a16="http://schemas.microsoft.com/office/drawing/2014/main" id="{0199CB01-C116-CADB-3BBD-42289FD78B21}"/>
+              </a:ext>
+            </a:extLst>
+          </p:cNvPr>
+          <p:cNvSpPr>
+            <a:spLocks noGrp="1"/>
+          </p:cNvSpPr>
+          <p:nvPr>
+            <p:ph idx="1"/>
+          </p:nvPr>
+        </p:nvSpPr>
+        <p:spPr>
+          <a:xfrm>
+            <a:off x="1451580" y="1853754"/>
+            <a:ext cx="8178150" cy="4199727"/>
+          </a:xfrm>
+        </p:spPr>
+        <p:txBody>
+          <a:bodyPr/>
+          <a:lstStyle/>
+          <a:p>
+            <a:r>
+              <a:rPr lang="en-US" dirty="0"/>
+              <a:t>Histograms, </a:t>
+            </a:r>
+            <a:r>
+              <a:rPr lang="en-US" dirty="0" err="1"/>
+              <a:t>pmf</a:t>
+            </a:r>
+            <a:r>
+              <a:rPr lang="en-US" dirty="0"/>
+              <a:t>, pdf, mean, all look at raw data values row by row. </a:t>
+            </a:r>
+          </a:p>
+          <a:p>
+            <a:pPr lvl="1"/>
+            <a:r>
+              <a:rPr lang="en-US" dirty="0"/>
+              <a:t>How many things do I have/expect at each value. </a:t>
+            </a:r>
+          </a:p>
+          <a:p>
+            <a:r>
+              <a:rPr lang="en-US" dirty="0"/>
+              <a:t>CDF, percentiles, and median look at ordering/rank within a group. </a:t>
+            </a:r>
+          </a:p>
+          <a:p>
+            <a:pPr lvl="1"/>
+            <a:r>
+              <a:rPr lang="en-US" dirty="0"/>
+              <a:t>Of the things I have, where each this positioned. </a:t>
+            </a:r>
+          </a:p>
+          <a:p>
+            <a:pPr lvl="1"/>
+            <a:r>
+              <a:rPr lang="en-US" dirty="0"/>
+              <a:t>Tend to be outlier resistant. </a:t>
+            </a:r>
+          </a:p>
+          <a:p>
+            <a:r>
+              <a:rPr lang="en-US" dirty="0"/>
+              <a:t>Each presents a different interpretation of the same data. </a:t>
+            </a:r>
+          </a:p>
+          <a:p>
+            <a:r>
+              <a:rPr lang="en-US" dirty="0"/>
+              <a:t>Depending on what we need, either may be useful – context dependent. </a:t>
+            </a:r>
+          </a:p>
+          <a:p>
+            <a:r>
+              <a:rPr lang="en-US" dirty="0"/>
+              <a:t>When looking at large amounts of data, the interpretation chosen matters. </a:t>
+            </a:r>
+          </a:p>
+          <a:p>
+            <a:pPr lvl="1"/>
+            <a:r>
+              <a:rPr lang="en-US" dirty="0"/>
+              <a:t>“Incomes are up”, but what actually is…</a:t>
+            </a:r>
+          </a:p>
+        </p:txBody>
+      </p:sp>
+      <p:pic>
+        <p:nvPicPr>
+          <p:cNvPr id="4" name="Picture 2" descr="Lies, Damn Lies, And Statistics: The Manipulation Of Public Opinion In  America by Michael A. Wheeler | Goodreads">
+            <a:extLst>
+              <a:ext uri="{FF2B5EF4-FFF2-40B4-BE49-F238E27FC236}">
+                <a16:creationId xmlns:a16="http://schemas.microsoft.com/office/drawing/2014/main" id="{1A285CC7-A518-22E5-B08F-EF80C2E03BE0}"/>
+              </a:ext>
+            </a:extLst>
+          </p:cNvPr>
+          <p:cNvPicPr>
+            <a:picLocks noChangeAspect="1" noChangeArrowheads="1"/>
+          </p:cNvPicPr>
+          <p:nvPr/>
+        </p:nvPicPr>
+        <p:blipFill>
+          <a:blip r:embed="rId2">
+            <a:extLst>
+              <a:ext uri="{28A0092B-C50C-407E-A947-70E740481C1C}">
+                <a14:useLocalDpi xmlns:a14="http://schemas.microsoft.com/office/drawing/2010/main" val="0"/>
+              </a:ext>
+            </a:extLst>
+          </a:blip>
+          <a:srcRect/>
+          <a:stretch>
+            <a:fillRect/>
+          </a:stretch>
+        </p:blipFill>
+        <p:spPr bwMode="auto">
+          <a:xfrm>
+            <a:off x="9629729" y="1584960"/>
+            <a:ext cx="2562271" cy="4328160"/>
+          </a:xfrm>
+          <a:prstGeom prst="rect">
+            <a:avLst/>
+          </a:prstGeom>
+          <a:noFill/>
+          <a:extLst>
+            <a:ext uri="{909E8E84-426E-40DD-AFC4-6F175D3DCCD1}">
+              <a14:hiddenFill xmlns:a14="http://schemas.microsoft.com/office/drawing/2010/main">
+                <a:solidFill>
+                  <a:srgbClr val="FFFFFF"/>
+                </a:solidFill>
+              </a14:hiddenFill>
+            </a:ext>
+          </a:extLst>
+        </p:spPr>
+      </p:pic>
+    </p:spTree>
+    <p:extLst>
+      <p:ext uri="{BB962C8B-B14F-4D97-AF65-F5344CB8AC3E}">
+        <p14:creationId xmlns:p14="http://schemas.microsoft.com/office/powerpoint/2010/main" val="2939466775"/>
+      </p:ext>
+    </p:extLst>
+  </p:cSld>
+  <p:clrMapOvr>
+    <a:masterClrMapping/>
+  </p:clrMapOvr>
+</p:sld>
+</file>
+
+<file path=ppt/slides/slide19.xml><?xml version="1.0" encoding="utf-8"?>
+<p:sld xmlns:a="http://schemas.openxmlformats.org/drawingml/2006/main" xmlns:r="http://schemas.openxmlformats.org/officeDocument/2006/relationships" xmlns:p="http://schemas.openxmlformats.org/presentationml/2006/main">
+  <p:cSld>
+    <p:spTree>
+      <p:nvGrpSpPr>
+        <p:cNvPr id="1" name=""/>
+        <p:cNvGrpSpPr/>
+        <p:nvPr/>
+      </p:nvGrpSpPr>
+      <p:grpSpPr>
+        <a:xfrm>
+          <a:off x="0" y="0"/>
+          <a:ext cx="0" cy="0"/>
+          <a:chOff x="0" y="0"/>
+          <a:chExt cx="0" cy="0"/>
+        </a:xfrm>
+      </p:grpSpPr>
+      <p:sp>
+        <p:nvSpPr>
+          <p:cNvPr id="2" name="Title 1">
+            <a:extLst>
+              <a:ext uri="{FF2B5EF4-FFF2-40B4-BE49-F238E27FC236}">
+                <a16:creationId xmlns:a16="http://schemas.microsoft.com/office/drawing/2014/main" id="{DA85954A-4EF4-2B35-1E54-756F221C24D7}"/>
+              </a:ext>
+            </a:extLst>
+          </p:cNvPr>
+          <p:cNvSpPr>
+            <a:spLocks noGrp="1"/>
+          </p:cNvSpPr>
+          <p:nvPr>
+            <p:ph type="title"/>
+          </p:nvPr>
+        </p:nvSpPr>
+        <p:spPr/>
+        <p:txBody>
+          <a:bodyPr/>
+          <a:lstStyle/>
+          <a:p>
+            <a:r>
+              <a:rPr lang="en-US" dirty="0"/>
+              <a:t>Bonus – Arrays!</a:t>
+            </a:r>
+          </a:p>
+        </p:txBody>
+      </p:sp>
+      <p:sp>
+        <p:nvSpPr>
+          <p:cNvPr id="3" name="Content Placeholder 2">
+            <a:extLst>
+              <a:ext uri="{FF2B5EF4-FFF2-40B4-BE49-F238E27FC236}">
+                <a16:creationId xmlns:a16="http://schemas.microsoft.com/office/drawing/2014/main" id="{EE01506C-407C-0D11-DBFC-199CBDF46F49}"/>
+              </a:ext>
+            </a:extLst>
+          </p:cNvPr>
+          <p:cNvSpPr>
+            <a:spLocks noGrp="1"/>
+          </p:cNvSpPr>
+          <p:nvPr>
+            <p:ph idx="1"/>
+          </p:nvPr>
+        </p:nvSpPr>
+        <p:spPr>
+          <a:xfrm>
+            <a:off x="1451579" y="1853754"/>
+            <a:ext cx="9603275" cy="4199728"/>
+          </a:xfrm>
+        </p:spPr>
+        <p:txBody>
+          <a:bodyPr/>
+          <a:lstStyle/>
+          <a:p>
+            <a:r>
+              <a:rPr lang="en-US" dirty="0"/>
+              <a:t>For this workbook we’ll look at arrays. </a:t>
+            </a:r>
+          </a:p>
+          <a:p>
+            <a:pPr lvl="1"/>
+            <a:r>
+              <a:rPr lang="en-US" dirty="0"/>
+              <a:t>You’ll do this in more detail in the programming class, but these are common. </a:t>
+            </a:r>
+          </a:p>
+          <a:p>
+            <a:r>
+              <a:rPr lang="en-US" dirty="0"/>
+              <a:t>An array is roughly a fixed length/type list – one type, set length. </a:t>
+            </a:r>
+          </a:p>
+          <a:p>
+            <a:pPr lvl="1"/>
+            <a:r>
+              <a:rPr lang="en-US" dirty="0"/>
+              <a:t>We can refer to a position via an index in square bracket – e.g. </a:t>
+            </a:r>
+            <a:r>
+              <a:rPr lang="en-US" dirty="0" err="1"/>
+              <a:t>my_list</a:t>
+            </a:r>
+            <a:r>
+              <a:rPr lang="en-US" dirty="0"/>
+              <a:t>[7]</a:t>
+            </a:r>
+          </a:p>
+          <a:p>
+            <a:pPr lvl="1"/>
+            <a:r>
+              <a:rPr lang="en-US" dirty="0"/>
+              <a:t>No ‘appending’, every item goes to a preexisting spot. </a:t>
+            </a:r>
+          </a:p>
+          <a:p>
+            <a:pPr lvl="1"/>
+            <a:r>
+              <a:rPr lang="en-US" dirty="0"/>
+              <a:t>Pandas specific functions don’t apply - .info(), .mean(), </a:t>
+            </a:r>
+            <a:r>
+              <a:rPr lang="en-US" dirty="0" err="1"/>
+              <a:t>etc</a:t>
+            </a:r>
+            <a:r>
+              <a:rPr lang="en-US" dirty="0"/>
+              <a:t>… are ‘part of’ pandas. </a:t>
+            </a:r>
+          </a:p>
+          <a:p>
+            <a:r>
+              <a:rPr lang="en-US" dirty="0"/>
+              <a:t>Otherwise, they are mostly interchangeable. </a:t>
+            </a:r>
+          </a:p>
+          <a:p>
+            <a:pPr lvl="1"/>
+            <a:r>
+              <a:rPr lang="en-US" dirty="0"/>
+              <a:t>We’ll use arrays here to get some exposure – we commonly </a:t>
+            </a:r>
+            <a:r>
+              <a:rPr lang="en-US"/>
+              <a:t>mix container </a:t>
+            </a:r>
+            <a:r>
+              <a:rPr lang="en-US" dirty="0"/>
+              <a:t>types. </a:t>
+            </a:r>
+          </a:p>
+          <a:p>
+            <a:pPr lvl="1"/>
+            <a:r>
+              <a:rPr lang="en-US" dirty="0"/>
+              <a:t>Many/most functions we use implement ‘duck typing’ and can be used interchangeably. </a:t>
+            </a:r>
+          </a:p>
+          <a:p>
+            <a:pPr lvl="1"/>
+            <a:r>
+              <a:rPr lang="en-US" dirty="0"/>
+              <a:t>You can always convert if confused – make it work, then make it elegant. </a:t>
+            </a:r>
+          </a:p>
+        </p:txBody>
+      </p:sp>
+    </p:spTree>
+    <p:extLst>
+      <p:ext uri="{BB962C8B-B14F-4D97-AF65-F5344CB8AC3E}">
+        <p14:creationId xmlns:p14="http://schemas.microsoft.com/office/powerpoint/2010/main" val="3861978449"/>
+      </p:ext>
+    </p:extLst>
+  </p:cSld>
+  <p:clrMapOvr>
+    <a:masterClrMapping/>
+  </p:clrMapOvr>
+</p:sld>
+</file>
+
 <file path=ppt/slides/slide2.xml><?xml version="1.0" encoding="utf-8"?>
 <p:sld xmlns:a="http://schemas.openxmlformats.org/drawingml/2006/main" xmlns:r="http://schemas.openxmlformats.org/officeDocument/2006/relationships" xmlns:p="http://schemas.openxmlformats.org/presentationml/2006/main">
   <p:cSld>
@@ -3755,8 +5537,8 @@
         </p:nvSpPr>
         <p:spPr>
           <a:xfrm>
-            <a:off x="1451579" y="2015733"/>
-            <a:ext cx="9603275" cy="1049236"/>
+            <a:off x="1451579" y="1853754"/>
+            <a:ext cx="9603275" cy="1211215"/>
           </a:xfrm>
         </p:spPr>
         <p:txBody>
@@ -3847,6 +5629,150 @@
 </p:sld>
 </file>
 
+<file path=ppt/slides/slide20.xml><?xml version="1.0" encoding="utf-8"?>
+<p:sld xmlns:a="http://schemas.openxmlformats.org/drawingml/2006/main" xmlns:r="http://schemas.openxmlformats.org/officeDocument/2006/relationships" xmlns:p="http://schemas.openxmlformats.org/presentationml/2006/main">
+  <p:cSld>
+    <p:spTree>
+      <p:nvGrpSpPr>
+        <p:cNvPr id="1" name=""/>
+        <p:cNvGrpSpPr/>
+        <p:nvPr/>
+      </p:nvGrpSpPr>
+      <p:grpSpPr>
+        <a:xfrm>
+          <a:off x="0" y="0"/>
+          <a:ext cx="0" cy="0"/>
+          <a:chOff x="0" y="0"/>
+          <a:chExt cx="0" cy="0"/>
+        </a:xfrm>
+      </p:grpSpPr>
+      <p:sp>
+        <p:nvSpPr>
+          <p:cNvPr id="2" name="Title 1">
+            <a:extLst>
+              <a:ext uri="{FF2B5EF4-FFF2-40B4-BE49-F238E27FC236}">
+                <a16:creationId xmlns:a16="http://schemas.microsoft.com/office/drawing/2014/main" id="{6014ED9E-5FC3-8890-F309-CD0987CE53FC}"/>
+              </a:ext>
+            </a:extLst>
+          </p:cNvPr>
+          <p:cNvSpPr>
+            <a:spLocks noGrp="1"/>
+          </p:cNvSpPr>
+          <p:nvPr>
+            <p:ph type="title"/>
+          </p:nvPr>
+        </p:nvSpPr>
+        <p:spPr/>
+        <p:txBody>
+          <a:bodyPr/>
+          <a:lstStyle/>
+          <a:p>
+            <a:r>
+              <a:rPr lang="en-US" dirty="0"/>
+              <a:t>What’s an Array?</a:t>
+            </a:r>
+          </a:p>
+        </p:txBody>
+      </p:sp>
+      <p:sp>
+        <p:nvSpPr>
+          <p:cNvPr id="3" name="Content Placeholder 2">
+            <a:extLst>
+              <a:ext uri="{FF2B5EF4-FFF2-40B4-BE49-F238E27FC236}">
+                <a16:creationId xmlns:a16="http://schemas.microsoft.com/office/drawing/2014/main" id="{31227A49-C4AD-919F-6FA0-08ECBC64F05C}"/>
+              </a:ext>
+            </a:extLst>
+          </p:cNvPr>
+          <p:cNvSpPr>
+            <a:spLocks noGrp="1"/>
+          </p:cNvSpPr>
+          <p:nvPr>
+            <p:ph idx="1"/>
+          </p:nvPr>
+        </p:nvSpPr>
+        <p:spPr>
+          <a:xfrm>
+            <a:off x="1451579" y="1853754"/>
+            <a:ext cx="9603275" cy="4199727"/>
+          </a:xfrm>
+        </p:spPr>
+        <p:txBody>
+          <a:bodyPr/>
+          <a:lstStyle/>
+          <a:p>
+            <a:r>
+              <a:rPr lang="en-US" dirty="0"/>
+              <a:t>An array is one of the OG data structures of modern computing. </a:t>
+            </a:r>
+          </a:p>
+          <a:p>
+            <a:r>
+              <a:rPr lang="en-US" dirty="0"/>
+              <a:t>The array represents a physical slice of memory that size. </a:t>
+            </a:r>
+          </a:p>
+          <a:p>
+            <a:pPr lvl="1"/>
+            <a:r>
+              <a:rPr lang="en-US" dirty="0"/>
+              <a:t>This is why the size can’t change; it also makes it fast to access and go through. </a:t>
+            </a:r>
+          </a:p>
+          <a:p>
+            <a:pPr lvl="1"/>
+            <a:r>
+              <a:rPr lang="en-US" dirty="0"/>
+              <a:t>Resizable containers are relatively new – they are an abstraction of the physical memory. </a:t>
+            </a:r>
+          </a:p>
+          <a:p>
+            <a:r>
+              <a:rPr lang="en-US" dirty="0"/>
+              <a:t>Arrays are commonly used now when we need speed, not flexibility. </a:t>
+            </a:r>
+          </a:p>
+          <a:p>
+            <a:pPr lvl="1"/>
+            <a:r>
+              <a:rPr lang="en-US" dirty="0"/>
+              <a:t>If we have a fixed size set of data, doing stuff to it as an array will be faster and mem efficient.</a:t>
+            </a:r>
+          </a:p>
+          <a:p>
+            <a:pPr lvl="1"/>
+            <a:r>
+              <a:rPr lang="en-US" dirty="0"/>
+              <a:t>Algorithms commonly require or convert data to an array before processing. (NN)</a:t>
+            </a:r>
+          </a:p>
+          <a:p>
+            <a:pPr lvl="1"/>
+            <a:r>
+              <a:rPr lang="en-US" dirty="0"/>
+              <a:t>We typically need to convert data to an array, and commonly interact with arrays. </a:t>
+            </a:r>
+          </a:p>
+          <a:p>
+            <a:r>
+              <a:rPr lang="en-US" dirty="0"/>
+              <a:t>Python makes this a minor concern to us – thank someone for that. </a:t>
+            </a:r>
+          </a:p>
+        </p:txBody>
+      </p:sp>
+    </p:spTree>
+    <p:extLst>
+      <p:ext uri="{BB962C8B-B14F-4D97-AF65-F5344CB8AC3E}">
+        <p14:creationId xmlns:p14="http://schemas.microsoft.com/office/powerpoint/2010/main" val="1229770287"/>
+      </p:ext>
+    </p:extLst>
+  </p:cSld>
+  <p:clrMapOvr>
+    <a:masterClrMapping/>
+  </p:clrMapOvr>
+</p:sld>
+</file>
+
 <file path=ppt/slides/slide3.xml><?xml version="1.0" encoding="utf-8"?>
 <p:sld xmlns:a="http://schemas.openxmlformats.org/drawingml/2006/main" xmlns:r="http://schemas.openxmlformats.org/officeDocument/2006/relationships" xmlns:p="http://schemas.openxmlformats.org/presentationml/2006/main">
   <p:cSld>
@@ -3869,6 +5795,178 @@
           <p:cNvPr id="2" name="Title 1">
             <a:extLst>
               <a:ext uri="{FF2B5EF4-FFF2-40B4-BE49-F238E27FC236}">
+                <a16:creationId xmlns:a16="http://schemas.microsoft.com/office/drawing/2014/main" id="{D514DA87-6763-EBBC-60AB-6DE21A939625}"/>
+              </a:ext>
+            </a:extLst>
+          </p:cNvPr>
+          <p:cNvSpPr>
+            <a:spLocks noGrp="1"/>
+          </p:cNvSpPr>
+          <p:nvPr>
+            <p:ph type="title"/>
+          </p:nvPr>
+        </p:nvSpPr>
+        <p:spPr/>
+        <p:txBody>
+          <a:bodyPr/>
+          <a:lstStyle/>
+          <a:p>
+            <a:r>
+              <a:rPr lang="en-US" dirty="0"/>
+              <a:t>Date with Density</a:t>
+            </a:r>
+          </a:p>
+        </p:txBody>
+      </p:sp>
+      <p:sp>
+        <p:nvSpPr>
+          <p:cNvPr id="3" name="Content Placeholder 2">
+            <a:extLst>
+              <a:ext uri="{FF2B5EF4-FFF2-40B4-BE49-F238E27FC236}">
+                <a16:creationId xmlns:a16="http://schemas.microsoft.com/office/drawing/2014/main" id="{25A494DA-F718-CC62-39EB-789F9B660D85}"/>
+              </a:ext>
+            </a:extLst>
+          </p:cNvPr>
+          <p:cNvSpPr>
+            <a:spLocks noGrp="1"/>
+          </p:cNvSpPr>
+          <p:nvPr>
+            <p:ph idx="1"/>
+          </p:nvPr>
+        </p:nvSpPr>
+        <p:spPr>
+          <a:xfrm>
+            <a:off x="1451579" y="1853754"/>
+            <a:ext cx="10204393" cy="2888933"/>
+          </a:xfrm>
+        </p:spPr>
+        <p:txBody>
+          <a:bodyPr>
+            <a:normAutofit/>
+          </a:bodyPr>
+          <a:lstStyle/>
+          <a:p>
+            <a:r>
+              <a:rPr lang="en-US" dirty="0"/>
+              <a:t>With a histogram is to look at density (percentage) instead of raw count. </a:t>
+            </a:r>
+          </a:p>
+          <a:p>
+            <a:pPr lvl="1"/>
+            <a:r>
+              <a:rPr lang="en-US" dirty="0"/>
+              <a:t>Allows for comparisons of different size datasets. </a:t>
+            </a:r>
+          </a:p>
+          <a:p>
+            <a:r>
+              <a:rPr lang="en-US" dirty="0"/>
+              <a:t>The density version of a histogram is a PMF – probability mass function. </a:t>
+            </a:r>
+          </a:p>
+          <a:p>
+            <a:r>
+              <a:rPr lang="en-US" dirty="0"/>
+              <a:t>A smoothed version of the PMF is the PDF – probability density function. </a:t>
+            </a:r>
+          </a:p>
+          <a:p>
+            <a:pPr lvl="1"/>
+            <a:r>
+              <a:rPr lang="en-US" dirty="0"/>
+              <a:t>PDF is in more detail later in text, but it’s the most common thing we use to look at distributions. </a:t>
+            </a:r>
+          </a:p>
+          <a:p>
+            <a:r>
+              <a:rPr lang="en-US" dirty="0"/>
+              <a:t>These things are directly convertible back and forth. </a:t>
+            </a:r>
+          </a:p>
+        </p:txBody>
+      </p:sp>
+      <p:pic>
+        <p:nvPicPr>
+          <p:cNvPr id="5122" name="Picture 2">
+            <a:extLst>
+              <a:ext uri="{FF2B5EF4-FFF2-40B4-BE49-F238E27FC236}">
+                <a16:creationId xmlns:a16="http://schemas.microsoft.com/office/drawing/2014/main" id="{FAF48AD0-AF5B-A3E7-5A3B-48C0ACA76B40}"/>
+              </a:ext>
+            </a:extLst>
+          </p:cNvPr>
+          <p:cNvPicPr>
+            <a:picLocks noChangeAspect="1" noChangeArrowheads="1"/>
+          </p:cNvPicPr>
+          <p:nvPr/>
+        </p:nvPicPr>
+        <p:blipFill rotWithShape="1">
+          <a:blip r:embed="rId2">
+            <a:extLst>
+              <a:ext uri="{28A0092B-C50C-407E-A947-70E740481C1C}">
+                <a14:useLocalDpi xmlns:a14="http://schemas.microsoft.com/office/drawing/2010/main" val="0"/>
+              </a:ext>
+            </a:extLst>
+          </a:blip>
+          <a:srcRect t="31445" b="24444"/>
+          <a:stretch>
+            <a:fillRect/>
+          </a:stretch>
+        </p:blipFill>
+        <p:spPr bwMode="auto">
+          <a:xfrm>
+            <a:off x="2668768" y="4742688"/>
+            <a:ext cx="7168896" cy="2115312"/>
+          </a:xfrm>
+          <a:prstGeom prst="rect">
+            <a:avLst/>
+          </a:prstGeom>
+          <a:noFill/>
+          <a:extLst>
+            <a:ext uri="{909E8E84-426E-40DD-AFC4-6F175D3DCCD1}">
+              <a14:hiddenFill xmlns:a14="http://schemas.microsoft.com/office/drawing/2010/main">
+                <a:solidFill>
+                  <a:srgbClr val="FFFFFF"/>
+                </a:solidFill>
+              </a14:hiddenFill>
+            </a:ext>
+          </a:extLst>
+        </p:spPr>
+      </p:pic>
+    </p:spTree>
+    <p:extLst>
+      <p:ext uri="{BB962C8B-B14F-4D97-AF65-F5344CB8AC3E}">
+        <p14:creationId xmlns:p14="http://schemas.microsoft.com/office/powerpoint/2010/main" val="1094569283"/>
+      </p:ext>
+    </p:extLst>
+  </p:cSld>
+  <p:clrMapOvr>
+    <a:masterClrMapping/>
+  </p:clrMapOvr>
+</p:sld>
+</file>
+
+<file path=ppt/slides/slide4.xml><?xml version="1.0" encoding="utf-8"?>
+<p:sld xmlns:a="http://schemas.openxmlformats.org/drawingml/2006/main" xmlns:r="http://schemas.openxmlformats.org/officeDocument/2006/relationships" xmlns:p="http://schemas.openxmlformats.org/presentationml/2006/main">
+  <p:cSld>
+    <p:spTree>
+      <p:nvGrpSpPr>
+        <p:cNvPr id="1" name=""/>
+        <p:cNvGrpSpPr/>
+        <p:nvPr/>
+      </p:nvGrpSpPr>
+      <p:grpSpPr>
+        <a:xfrm>
+          <a:off x="0" y="0"/>
+          <a:ext cx="0" cy="0"/>
+          <a:chOff x="0" y="0"/>
+          <a:chExt cx="0" cy="0"/>
+        </a:xfrm>
+      </p:grpSpPr>
+      <p:sp>
+        <p:nvSpPr>
+          <p:cNvPr id="2" name="Title 1">
+            <a:extLst>
+              <a:ext uri="{FF2B5EF4-FFF2-40B4-BE49-F238E27FC236}">
                 <a16:creationId xmlns:a16="http://schemas.microsoft.com/office/drawing/2014/main" id="{A111FF23-290D-4120-4D83-6F82EBD04913}"/>
               </a:ext>
             </a:extLst>
@@ -3943,6 +6041,13 @@
             <a:r>
               <a:rPr lang="en-US" dirty="0"/>
               <a:t>Percentiles. </a:t>
+            </a:r>
+          </a:p>
+          <a:p>
+            <a:pPr lvl="1"/>
+            <a:r>
+              <a:rPr lang="en-US" dirty="0"/>
+              <a:t>Can also be good for comparing distributions. </a:t>
             </a:r>
           </a:p>
         </p:txBody>
@@ -3960,7 +6065,183 @@
 </p:sld>
 </file>
 
-<file path=ppt/slides/slide4.xml><?xml version="1.0" encoding="utf-8"?>
+<file path=ppt/slides/slide5.xml><?xml version="1.0" encoding="utf-8"?>
+<p:sld xmlns:a="http://schemas.openxmlformats.org/drawingml/2006/main" xmlns:r="http://schemas.openxmlformats.org/officeDocument/2006/relationships" xmlns:p="http://schemas.openxmlformats.org/presentationml/2006/main">
+  <p:cSld>
+    <p:spTree>
+      <p:nvGrpSpPr>
+        <p:cNvPr id="1" name=""/>
+        <p:cNvGrpSpPr/>
+        <p:nvPr/>
+      </p:nvGrpSpPr>
+      <p:grpSpPr>
+        <a:xfrm>
+          <a:off x="0" y="0"/>
+          <a:ext cx="0" cy="0"/>
+          <a:chOff x="0" y="0"/>
+          <a:chExt cx="0" cy="0"/>
+        </a:xfrm>
+      </p:grpSpPr>
+      <p:sp>
+        <p:nvSpPr>
+          <p:cNvPr id="2" name="Title 1">
+            <a:extLst>
+              <a:ext uri="{FF2B5EF4-FFF2-40B4-BE49-F238E27FC236}">
+                <a16:creationId xmlns:a16="http://schemas.microsoft.com/office/drawing/2014/main" id="{50BD7BC6-ECF5-406D-1D5E-91ADDAE9F691}"/>
+              </a:ext>
+            </a:extLst>
+          </p:cNvPr>
+          <p:cNvSpPr>
+            <a:spLocks noGrp="1"/>
+          </p:cNvSpPr>
+          <p:nvPr>
+            <p:ph type="title"/>
+          </p:nvPr>
+        </p:nvSpPr>
+        <p:spPr/>
+        <p:txBody>
+          <a:bodyPr/>
+          <a:lstStyle/>
+          <a:p>
+            <a:r>
+              <a:rPr lang="en-US" dirty="0"/>
+              <a:t>A CDF – Cumulative Distribution Function</a:t>
+            </a:r>
+          </a:p>
+        </p:txBody>
+      </p:sp>
+      <p:sp>
+        <p:nvSpPr>
+          <p:cNvPr id="3" name="Content Placeholder 2">
+            <a:extLst>
+              <a:ext uri="{FF2B5EF4-FFF2-40B4-BE49-F238E27FC236}">
+                <a16:creationId xmlns:a16="http://schemas.microsoft.com/office/drawing/2014/main" id="{3D82B0A3-9092-FCD2-A9F3-189066EB5150}"/>
+              </a:ext>
+            </a:extLst>
+          </p:cNvPr>
+          <p:cNvSpPr>
+            <a:spLocks noGrp="1"/>
+          </p:cNvSpPr>
+          <p:nvPr>
+            <p:ph idx="1"/>
+          </p:nvPr>
+        </p:nvSpPr>
+        <p:spPr>
+          <a:xfrm>
+            <a:off x="7112000" y="2015732"/>
+            <a:ext cx="4958080" cy="4037749"/>
+          </a:xfrm>
+        </p:spPr>
+        <p:txBody>
+          <a:bodyPr/>
+          <a:lstStyle/>
+          <a:p>
+            <a:r>
+              <a:rPr lang="en-US" dirty="0"/>
+              <a:t>CDFs plot the accumulation of values. </a:t>
+            </a:r>
+          </a:p>
+          <a:p>
+            <a:r>
+              <a:rPr lang="en-US" dirty="0"/>
+              <a:t>The x value is the value examined. </a:t>
+            </a:r>
+          </a:p>
+          <a:p>
+            <a:r>
+              <a:rPr lang="en-US" dirty="0"/>
+              <a:t>The y value at any point is ‘% less than’. </a:t>
+            </a:r>
+          </a:p>
+          <a:p>
+            <a:pPr lvl="1"/>
+            <a:r>
+              <a:rPr lang="en-US" dirty="0"/>
+              <a:t>A.k.a. percentile. </a:t>
+            </a:r>
+          </a:p>
+          <a:p>
+            <a:r>
+              <a:rPr lang="en-US" dirty="0"/>
+              <a:t>Median is f(.5). </a:t>
+            </a:r>
+          </a:p>
+          <a:p>
+            <a:r>
+              <a:rPr lang="en-US" dirty="0"/>
+              <a:t>CDFs can be both empirical and analytical. </a:t>
+            </a:r>
+          </a:p>
+          <a:p>
+            <a:pPr lvl="1"/>
+            <a:r>
+              <a:rPr lang="en-US" dirty="0"/>
+              <a:t>CMF sometimes used. </a:t>
+            </a:r>
+          </a:p>
+        </p:txBody>
+      </p:sp>
+      <p:pic>
+        <p:nvPicPr>
+          <p:cNvPr id="2050" name="Picture 2" descr="cdfplot - Empirical cumulative distribution function (cdf) plot - MATLAB">
+            <a:extLst>
+              <a:ext uri="{FF2B5EF4-FFF2-40B4-BE49-F238E27FC236}">
+                <a16:creationId xmlns:a16="http://schemas.microsoft.com/office/drawing/2014/main" id="{7C2485FE-74DC-196C-E4A4-27D6945E6BCF}"/>
+              </a:ext>
+            </a:extLst>
+          </p:cNvPr>
+          <p:cNvPicPr>
+            <a:picLocks noChangeAspect="1" noChangeArrowheads="1"/>
+          </p:cNvPicPr>
+          <p:nvPr/>
+        </p:nvPicPr>
+        <p:blipFill>
+          <a:blip r:embed="rId2">
+            <a:extLst>
+              <a:ext uri="{28A0092B-C50C-407E-A947-70E740481C1C}">
+                <a14:useLocalDpi xmlns:a14="http://schemas.microsoft.com/office/drawing/2010/main" val="0"/>
+              </a:ext>
+            </a:extLst>
+          </a:blip>
+          <a:srcRect/>
+          <a:stretch>
+            <a:fillRect/>
+          </a:stretch>
+        </p:blipFill>
+        <p:spPr bwMode="auto">
+          <a:xfrm>
+            <a:off x="0" y="2015732"/>
+            <a:ext cx="7112000" cy="4279900"/>
+          </a:xfrm>
+          <a:prstGeom prst="rect">
+            <a:avLst/>
+          </a:prstGeom>
+          <a:noFill/>
+          <a:extLst>
+            <a:ext uri="{909E8E84-426E-40DD-AFC4-6F175D3DCCD1}">
+              <a14:hiddenFill xmlns:a14="http://schemas.microsoft.com/office/drawing/2010/main">
+                <a:solidFill>
+                  <a:srgbClr val="FFFFFF"/>
+                </a:solidFill>
+              </a14:hiddenFill>
+            </a:ext>
+          </a:extLst>
+        </p:spPr>
+      </p:pic>
+    </p:spTree>
+    <p:extLst>
+      <p:ext uri="{BB962C8B-B14F-4D97-AF65-F5344CB8AC3E}">
+        <p14:creationId xmlns:p14="http://schemas.microsoft.com/office/powerpoint/2010/main" val="470202464"/>
+      </p:ext>
+    </p:extLst>
+  </p:cSld>
+  <p:clrMapOvr>
+    <a:masterClrMapping/>
+  </p:clrMapOvr>
+</p:sld>
+</file>
+
+<file path=ppt/slides/slide6.xml><?xml version="1.0" encoding="utf-8"?>
 <p:sld xmlns:a="http://schemas.openxmlformats.org/drawingml/2006/main" xmlns:r="http://schemas.openxmlformats.org/officeDocument/2006/relationships" xmlns:p="http://schemas.openxmlformats.org/presentationml/2006/main">
   <p:cSld>
     <p:spTree>
@@ -4087,8 +6368,8 @@
 </p:sld>
 </file>
 
-<file path=ppt/slides/slide5.xml><?xml version="1.0" encoding="utf-8"?>
-<p:sld xmlns:a="http://schemas.openxmlformats.org/drawingml/2006/main" xmlns:r="http://schemas.openxmlformats.org/officeDocument/2006/relationships" xmlns:p="http://schemas.openxmlformats.org/presentationml/2006/main">
+<file path=ppt/slides/slide7.xml><?xml version="1.0" encoding="utf-8"?>
+<p:sld xmlns:a="http://schemas.openxmlformats.org/drawingml/2006/main" xmlns:r="http://schemas.openxmlformats.org/officeDocument/2006/relationships" xmlns:p="http://schemas.openxmlformats.org/presentationml/2006/main" show="0">
   <p:cSld>
     <p:spTree>
       <p:nvGrpSpPr>
@@ -4245,7 +6526,173 @@
 </p:sld>
 </file>
 
-<file path=ppt/slides/slide6.xml><?xml version="1.0" encoding="utf-8"?>
+<file path=ppt/slides/slide8.xml><?xml version="1.0" encoding="utf-8"?>
+<p:sld xmlns:a="http://schemas.openxmlformats.org/drawingml/2006/main" xmlns:r="http://schemas.openxmlformats.org/officeDocument/2006/relationships" xmlns:p="http://schemas.openxmlformats.org/presentationml/2006/main">
+  <p:cSld>
+    <p:spTree>
+      <p:nvGrpSpPr>
+        <p:cNvPr id="1" name="">
+          <a:extLst>
+            <a:ext uri="{FF2B5EF4-FFF2-40B4-BE49-F238E27FC236}">
+              <a16:creationId xmlns:a16="http://schemas.microsoft.com/office/drawing/2014/main" id="{6A729348-C009-7005-EB6D-34574031B7B1}"/>
+            </a:ext>
+          </a:extLst>
+        </p:cNvPr>
+        <p:cNvGrpSpPr/>
+        <p:nvPr/>
+      </p:nvGrpSpPr>
+      <p:grpSpPr>
+        <a:xfrm>
+          <a:off x="0" y="0"/>
+          <a:ext cx="0" cy="0"/>
+          <a:chOff x="0" y="0"/>
+          <a:chExt cx="0" cy="0"/>
+        </a:xfrm>
+      </p:grpSpPr>
+      <p:sp>
+        <p:nvSpPr>
+          <p:cNvPr id="2" name="Title 1">
+            <a:extLst>
+              <a:ext uri="{FF2B5EF4-FFF2-40B4-BE49-F238E27FC236}">
+                <a16:creationId xmlns:a16="http://schemas.microsoft.com/office/drawing/2014/main" id="{6D3C2705-A7ED-2B13-AA5B-212D2D8B7F12}"/>
+              </a:ext>
+            </a:extLst>
+          </p:cNvPr>
+          <p:cNvSpPr>
+            <a:spLocks noGrp="1"/>
+          </p:cNvSpPr>
+          <p:nvPr>
+            <p:ph type="title"/>
+          </p:nvPr>
+        </p:nvSpPr>
+        <p:spPr/>
+        <p:txBody>
+          <a:bodyPr/>
+          <a:lstStyle/>
+          <a:p>
+            <a:r>
+              <a:rPr lang="en-US" dirty="0"/>
+              <a:t>Math me, Bro!</a:t>
+            </a:r>
+          </a:p>
+        </p:txBody>
+      </p:sp>
+      <p:sp>
+        <p:nvSpPr>
+          <p:cNvPr id="3" name="Content Placeholder 2">
+            <a:extLst>
+              <a:ext uri="{FF2B5EF4-FFF2-40B4-BE49-F238E27FC236}">
+                <a16:creationId xmlns:a16="http://schemas.microsoft.com/office/drawing/2014/main" id="{25950F38-DF6E-BDB3-ADC0-10C0650DE623}"/>
+              </a:ext>
+            </a:extLst>
+          </p:cNvPr>
+          <p:cNvSpPr>
+            <a:spLocks noGrp="1"/>
+          </p:cNvSpPr>
+          <p:nvPr>
+            <p:ph idx="1"/>
+          </p:nvPr>
+        </p:nvSpPr>
+        <p:spPr>
+          <a:xfrm>
+            <a:off x="97536" y="1853754"/>
+            <a:ext cx="5009451" cy="4199727"/>
+          </a:xfrm>
+        </p:spPr>
+        <p:txBody>
+          <a:bodyPr>
+            <a:normAutofit/>
+          </a:bodyPr>
+          <a:lstStyle/>
+          <a:p>
+            <a:r>
+              <a:rPr lang="en-US" dirty="0"/>
+              <a:t>If you’ve done some calculus, the relationships here should show. </a:t>
+            </a:r>
+          </a:p>
+          <a:p>
+            <a:pPr lvl="1"/>
+            <a:r>
+              <a:rPr lang="en-US" dirty="0"/>
+              <a:t>The cumulative chart shows the total of the PDF ‘up to this point’ – the integral. </a:t>
+            </a:r>
+          </a:p>
+          <a:p>
+            <a:pPr lvl="1"/>
+            <a:r>
+              <a:rPr lang="en-US" dirty="0"/>
+              <a:t>The PDF shows the slope, or rate of increase in total, at this point – the derivative. </a:t>
+            </a:r>
+          </a:p>
+          <a:p>
+            <a:r>
+              <a:rPr lang="en-US" dirty="0"/>
+              <a:t>This means there’s a calculus calculation that translates between the two. </a:t>
+            </a:r>
+          </a:p>
+        </p:txBody>
+      </p:sp>
+      <p:pic>
+        <p:nvPicPr>
+          <p:cNvPr id="4098" name="Picture 2" descr="Introducing probability distributions – Statistical Methods for the  Physical Sciences">
+            <a:extLst>
+              <a:ext uri="{FF2B5EF4-FFF2-40B4-BE49-F238E27FC236}">
+                <a16:creationId xmlns:a16="http://schemas.microsoft.com/office/drawing/2014/main" id="{FDF3ED48-D81F-654D-982A-19285DBA72B0}"/>
+              </a:ext>
+            </a:extLst>
+          </p:cNvPr>
+          <p:cNvPicPr>
+            <a:picLocks noChangeAspect="1" noChangeArrowheads="1"/>
+          </p:cNvPicPr>
+          <p:nvPr/>
+        </p:nvPicPr>
+        <p:blipFill>
+          <a:blip r:embed="rId2">
+            <a:extLst>
+              <a:ext uri="{28A0092B-C50C-407E-A947-70E740481C1C}">
+                <a14:useLocalDpi xmlns:a14="http://schemas.microsoft.com/office/drawing/2010/main" val="0"/>
+              </a:ext>
+            </a:extLst>
+          </a:blip>
+          <a:srcRect/>
+          <a:stretch>
+            <a:fillRect/>
+          </a:stretch>
+        </p:blipFill>
+        <p:spPr bwMode="auto">
+          <a:xfrm>
+            <a:off x="5106987" y="0"/>
+            <a:ext cx="7085013" cy="6858000"/>
+          </a:xfrm>
+          <a:prstGeom prst="rect">
+            <a:avLst/>
+          </a:prstGeom>
+          <a:noFill/>
+          <a:extLst>
+            <a:ext uri="{909E8E84-426E-40DD-AFC4-6F175D3DCCD1}">
+              <a14:hiddenFill xmlns:a14="http://schemas.microsoft.com/office/drawing/2010/main">
+                <a:solidFill>
+                  <a:srgbClr val="FFFFFF"/>
+                </a:solidFill>
+              </a14:hiddenFill>
+            </a:ext>
+          </a:extLst>
+        </p:spPr>
+      </p:pic>
+    </p:spTree>
+    <p:extLst>
+      <p:ext uri="{BB962C8B-B14F-4D97-AF65-F5344CB8AC3E}">
+        <p14:creationId xmlns:p14="http://schemas.microsoft.com/office/powerpoint/2010/main" val="2737138580"/>
+      </p:ext>
+    </p:extLst>
+  </p:cSld>
+  <p:clrMapOvr>
+    <a:masterClrMapping/>
+  </p:clrMapOvr>
+</p:sld>
+</file>
+
+<file path=ppt/slides/slide9.xml><?xml version="1.0" encoding="utf-8"?>
 <p:sld xmlns:a="http://schemas.openxmlformats.org/drawingml/2006/main" xmlns:r="http://schemas.openxmlformats.org/officeDocument/2006/relationships" xmlns:p="http://schemas.openxmlformats.org/presentationml/2006/main">
   <p:cSld>
     <p:spTree>
@@ -4267,7 +6714,7 @@
           <p:cNvPr id="2" name="Title 1">
             <a:extLst>
               <a:ext uri="{FF2B5EF4-FFF2-40B4-BE49-F238E27FC236}">
-                <a16:creationId xmlns:a16="http://schemas.microsoft.com/office/drawing/2014/main" id="{DA85954A-4EF4-2B35-1E54-756F221C24D7}"/>
+                <a16:creationId xmlns:a16="http://schemas.microsoft.com/office/drawing/2014/main" id="{FB9C2D35-8112-9111-2774-5118C75A673A}"/>
               </a:ext>
             </a:extLst>
           </p:cNvPr>
@@ -4285,7 +6732,7 @@
           <a:p>
             <a:r>
               <a:rPr lang="en-US" dirty="0"/>
-              <a:t>Bonus – Arrays!</a:t>
+              <a:t>Chart Relationships</a:t>
             </a:r>
           </a:p>
         </p:txBody>
@@ -4295,7 +6742,7 @@
           <p:cNvPr id="3" name="Content Placeholder 2">
             <a:extLst>
               <a:ext uri="{FF2B5EF4-FFF2-40B4-BE49-F238E27FC236}">
-                <a16:creationId xmlns:a16="http://schemas.microsoft.com/office/drawing/2014/main" id="{EE01506C-407C-0D11-DBFC-199CBDF46F49}"/>
+                <a16:creationId xmlns:a16="http://schemas.microsoft.com/office/drawing/2014/main" id="{065E4417-6D00-45E2-2B28-0CEDCCE0BF45}"/>
               </a:ext>
             </a:extLst>
           </p:cNvPr>
@@ -4308,254 +6755,108 @@
         </p:nvSpPr>
         <p:spPr>
           <a:xfrm>
-            <a:off x="1451579" y="1853754"/>
-            <a:ext cx="9603275" cy="4199728"/>
-          </a:xfrm>
-        </p:spPr>
-        <p:txBody>
-          <a:bodyPr/>
-          <a:lstStyle/>
-          <a:p>
-            <a:r>
-              <a:rPr lang="en-US" dirty="0"/>
-              <a:t>For this workbook we’ll look at arrays. </a:t>
+            <a:off x="114554" y="1853754"/>
+            <a:ext cx="3640583" cy="4294798"/>
+          </a:xfrm>
+        </p:spPr>
+        <p:txBody>
+          <a:bodyPr/>
+          <a:lstStyle/>
+          <a:p>
+            <a:r>
+              <a:rPr lang="en-US" dirty="0"/>
+              <a:t>All of the charts we use for distributions are related. </a:t>
+            </a:r>
+          </a:p>
+          <a:p>
+            <a:r>
+              <a:rPr lang="en-US" dirty="0"/>
+              <a:t>Counts:</a:t>
             </a:r>
           </a:p>
           <a:p>
             <a:pPr lvl="1"/>
             <a:r>
               <a:rPr lang="en-US" dirty="0"/>
-              <a:t>You’ll do this in more detail in the programming class, but these are common. </a:t>
-            </a:r>
-          </a:p>
-          <a:p>
-            <a:r>
-              <a:rPr lang="en-US" dirty="0"/>
-              <a:t>An array is roughly a fixed length/type list – one type, set length. </a:t>
+              <a:t>Histogram, PMF, CDF/CMF. </a:t>
+            </a:r>
+          </a:p>
+          <a:p>
+            <a:r>
+              <a:rPr lang="en-US" dirty="0"/>
+              <a:t>Curves:</a:t>
             </a:r>
           </a:p>
           <a:p>
             <a:pPr lvl="1"/>
             <a:r>
               <a:rPr lang="en-US" dirty="0"/>
-              <a:t>We can refer to a position via an index in square bracket – e.g. </a:t>
-            </a:r>
-            <a:r>
-              <a:rPr lang="en-US" dirty="0" err="1"/>
-              <a:t>my_list</a:t>
-            </a:r>
-            <a:r>
-              <a:rPr lang="en-US" dirty="0"/>
-              <a:t>[7]</a:t>
+              <a:t>PDF, CDF.</a:t>
+            </a:r>
+          </a:p>
+          <a:p>
+            <a:r>
+              <a:rPr lang="en-US" dirty="0"/>
+              <a:t>Empirical shows real counts, analytical show pattern. </a:t>
             </a:r>
           </a:p>
           <a:p>
             <a:pPr lvl="1"/>
-            <a:r>
-              <a:rPr lang="en-US" dirty="0"/>
-              <a:t>No ‘appending’, every item goes to a preexisting spot. </a:t>
-            </a:r>
-          </a:p>
-          <a:p>
-            <a:pPr lvl="1"/>
-            <a:r>
-              <a:rPr lang="en-US" dirty="0"/>
-              <a:t>Pandas specific functions don’t apply - .info(), .mean(), </a:t>
-            </a:r>
-            <a:r>
-              <a:rPr lang="en-US" dirty="0" err="1"/>
-              <a:t>etc</a:t>
-            </a:r>
-            <a:r>
-              <a:rPr lang="en-US" dirty="0"/>
-              <a:t>… are ‘part of’ pandas. </a:t>
-            </a:r>
-          </a:p>
-          <a:p>
-            <a:r>
-              <a:rPr lang="en-US" dirty="0"/>
-              <a:t>Otherwise, they are mostly interchangeable. </a:t>
-            </a:r>
-          </a:p>
-          <a:p>
-            <a:pPr lvl="1"/>
-            <a:r>
-              <a:rPr lang="en-US" dirty="0"/>
-              <a:t>We’ll use arrays here to get some exposure – we commonly </a:t>
-            </a:r>
-            <a:r>
-              <a:rPr lang="en-US"/>
-              <a:t>mix container </a:t>
-            </a:r>
-            <a:r>
-              <a:rPr lang="en-US" dirty="0"/>
-              <a:t>types. </a:t>
-            </a:r>
-          </a:p>
-          <a:p>
-            <a:pPr lvl="1"/>
-            <a:r>
-              <a:rPr lang="en-US" dirty="0"/>
-              <a:t>Many/most functions we use implement ‘duck typing’ and can be used interchangeably. </a:t>
-            </a:r>
-          </a:p>
-          <a:p>
-            <a:pPr lvl="1"/>
-            <a:r>
-              <a:rPr lang="en-US" dirty="0"/>
-              <a:t>You can always convert if confused – make it work, then make it elegant. </a:t>
-            </a:r>
-          </a:p>
-        </p:txBody>
-      </p:sp>
+            <a:endParaRPr lang="en-US" dirty="0"/>
+          </a:p>
+        </p:txBody>
+      </p:sp>
+      <p:pic>
+        <p:nvPicPr>
+          <p:cNvPr id="1026" name="Picture 2" descr="Probability density functions">
+            <a:extLst>
+              <a:ext uri="{FF2B5EF4-FFF2-40B4-BE49-F238E27FC236}">
+                <a16:creationId xmlns:a16="http://schemas.microsoft.com/office/drawing/2014/main" id="{6140CFB3-0343-F53B-3DCD-C450173F8D3C}"/>
+              </a:ext>
+            </a:extLst>
+          </p:cNvPr>
+          <p:cNvPicPr>
+            <a:picLocks noChangeAspect="1" noChangeArrowheads="1"/>
+          </p:cNvPicPr>
+          <p:nvPr/>
+        </p:nvPicPr>
+        <p:blipFill>
+          <a:blip r:embed="rId2">
+            <a:extLst>
+              <a:ext uri="{28A0092B-C50C-407E-A947-70E740481C1C}">
+                <a14:useLocalDpi xmlns:a14="http://schemas.microsoft.com/office/drawing/2010/main" val="0"/>
+              </a:ext>
+            </a:extLst>
+          </a:blip>
+          <a:srcRect/>
+          <a:stretch>
+            <a:fillRect/>
+          </a:stretch>
+        </p:blipFill>
+        <p:spPr bwMode="auto">
+          <a:xfrm>
+            <a:off x="3425382" y="2110993"/>
+            <a:ext cx="8652064" cy="3942487"/>
+          </a:xfrm>
+          <a:prstGeom prst="rect">
+            <a:avLst/>
+          </a:prstGeom>
+          <a:noFill/>
+          <a:extLst>
+            <a:ext uri="{909E8E84-426E-40DD-AFC4-6F175D3DCCD1}">
+              <a14:hiddenFill xmlns:a14="http://schemas.microsoft.com/office/drawing/2010/main">
+                <a:solidFill>
+                  <a:srgbClr val="FFFFFF"/>
+                </a:solidFill>
+              </a14:hiddenFill>
+            </a:ext>
+          </a:extLst>
+        </p:spPr>
+      </p:pic>
     </p:spTree>
     <p:extLst>
       <p:ext uri="{BB962C8B-B14F-4D97-AF65-F5344CB8AC3E}">
-        <p14:creationId xmlns:p14="http://schemas.microsoft.com/office/powerpoint/2010/main" val="3861978449"/>
-      </p:ext>
-    </p:extLst>
-  </p:cSld>
-  <p:clrMapOvr>
-    <a:masterClrMapping/>
-  </p:clrMapOvr>
-</p:sld>
-</file>
-
-<file path=ppt/slides/slide7.xml><?xml version="1.0" encoding="utf-8"?>
-<p:sld xmlns:a="http://schemas.openxmlformats.org/drawingml/2006/main" xmlns:r="http://schemas.openxmlformats.org/officeDocument/2006/relationships" xmlns:p="http://schemas.openxmlformats.org/presentationml/2006/main">
-  <p:cSld>
-    <p:spTree>
-      <p:nvGrpSpPr>
-        <p:cNvPr id="1" name=""/>
-        <p:cNvGrpSpPr/>
-        <p:nvPr/>
-      </p:nvGrpSpPr>
-      <p:grpSpPr>
-        <a:xfrm>
-          <a:off x="0" y="0"/>
-          <a:ext cx="0" cy="0"/>
-          <a:chOff x="0" y="0"/>
-          <a:chExt cx="0" cy="0"/>
-        </a:xfrm>
-      </p:grpSpPr>
-      <p:sp>
-        <p:nvSpPr>
-          <p:cNvPr id="2" name="Title 1">
-            <a:extLst>
-              <a:ext uri="{FF2B5EF4-FFF2-40B4-BE49-F238E27FC236}">
-                <a16:creationId xmlns:a16="http://schemas.microsoft.com/office/drawing/2014/main" id="{6014ED9E-5FC3-8890-F309-CD0987CE53FC}"/>
-              </a:ext>
-            </a:extLst>
-          </p:cNvPr>
-          <p:cNvSpPr>
-            <a:spLocks noGrp="1"/>
-          </p:cNvSpPr>
-          <p:nvPr>
-            <p:ph type="title"/>
-          </p:nvPr>
-        </p:nvSpPr>
-        <p:spPr/>
-        <p:txBody>
-          <a:bodyPr/>
-          <a:lstStyle/>
-          <a:p>
-            <a:r>
-              <a:rPr lang="en-US" dirty="0"/>
-              <a:t>What’s an Array?</a:t>
-            </a:r>
-          </a:p>
-        </p:txBody>
-      </p:sp>
-      <p:sp>
-        <p:nvSpPr>
-          <p:cNvPr id="3" name="Content Placeholder 2">
-            <a:extLst>
-              <a:ext uri="{FF2B5EF4-FFF2-40B4-BE49-F238E27FC236}">
-                <a16:creationId xmlns:a16="http://schemas.microsoft.com/office/drawing/2014/main" id="{31227A49-C4AD-919F-6FA0-08ECBC64F05C}"/>
-              </a:ext>
-            </a:extLst>
-          </p:cNvPr>
-          <p:cNvSpPr>
-            <a:spLocks noGrp="1"/>
-          </p:cNvSpPr>
-          <p:nvPr>
-            <p:ph idx="1"/>
-          </p:nvPr>
-        </p:nvSpPr>
-        <p:spPr>
-          <a:xfrm>
-            <a:off x="1451579" y="1853754"/>
-            <a:ext cx="9603275" cy="4199727"/>
-          </a:xfrm>
-        </p:spPr>
-        <p:txBody>
-          <a:bodyPr/>
-          <a:lstStyle/>
-          <a:p>
-            <a:r>
-              <a:rPr lang="en-US" dirty="0"/>
-              <a:t>An array is one of the OG data structures of modern computing. </a:t>
-            </a:r>
-          </a:p>
-          <a:p>
-            <a:r>
-              <a:rPr lang="en-US" dirty="0"/>
-              <a:t>The array represents a physical slice of memory that size. </a:t>
-            </a:r>
-          </a:p>
-          <a:p>
-            <a:pPr lvl="1"/>
-            <a:r>
-              <a:rPr lang="en-US" dirty="0"/>
-              <a:t>This is why the size can’t change; it also makes it fast to access and go through. </a:t>
-            </a:r>
-          </a:p>
-          <a:p>
-            <a:pPr lvl="1"/>
-            <a:r>
-              <a:rPr lang="en-US" dirty="0"/>
-              <a:t>Resizable containers are relatively new – they are an abstraction of the physical memory. </a:t>
-            </a:r>
-          </a:p>
-          <a:p>
-            <a:r>
-              <a:rPr lang="en-US" dirty="0"/>
-              <a:t>Arrays are commonly used now when we need speed, not flexibility. </a:t>
-            </a:r>
-          </a:p>
-          <a:p>
-            <a:pPr lvl="1"/>
-            <a:r>
-              <a:rPr lang="en-US" dirty="0"/>
-              <a:t>If we have a fixed size set of data, doing stuff to it as an array will be faster and mem efficient.</a:t>
-            </a:r>
-          </a:p>
-          <a:p>
-            <a:pPr lvl="1"/>
-            <a:r>
-              <a:rPr lang="en-US" dirty="0"/>
-              <a:t>Algorithms commonly require or convert data to an array before processing. (NN)</a:t>
-            </a:r>
-          </a:p>
-          <a:p>
-            <a:pPr lvl="1"/>
-            <a:r>
-              <a:rPr lang="en-US" dirty="0"/>
-              <a:t>We typically need to convert data to an array, and commonly interact with arrays. </a:t>
-            </a:r>
-          </a:p>
-          <a:p>
-            <a:r>
-              <a:rPr lang="en-US" dirty="0"/>
-              <a:t>Python makes this a minor concern to us – thank someone for that. </a:t>
-            </a:r>
-          </a:p>
-        </p:txBody>
-      </p:sp>
-    </p:spTree>
-    <p:extLst>
-      <p:ext uri="{BB962C8B-B14F-4D97-AF65-F5344CB8AC3E}">
-        <p14:creationId xmlns:p14="http://schemas.microsoft.com/office/powerpoint/2010/main" val="1229770287"/>
+        <p14:creationId xmlns:p14="http://schemas.microsoft.com/office/powerpoint/2010/main" val="793603491"/>
       </p:ext>
     </p:extLst>
   </p:cSld>

--- a/reference_material/slides/004_Cumulative_Distributions.pptx
+++ b/reference_material/slides/004_Cumulative_Distributions.pptx
@@ -4514,15 +4514,7 @@
             </a:r>
             <a:r>
               <a:rPr lang="en-US" dirty="0"/>
-              <a:t> percentile” is </a:t>
-            </a:r>
-            <a:r>
-              <a:rPr lang="en-US"/>
-              <a:t>more obvious </a:t>
-            </a:r>
-            <a:r>
-              <a:rPr lang="en-US" dirty="0"/>
-              <a:t>as “my percentile rank is 92” </a:t>
+              <a:t> percentile” is more obvious as “my percentile rank is 92” </a:t>
             </a:r>
           </a:p>
         </p:txBody>
@@ -4825,13 +4817,27 @@
           <a:p>
             <a:r>
               <a:rPr lang="en-US" dirty="0"/>
-              <a:t>Can also help with automated outlier filter. </a:t>
-            </a:r>
-          </a:p>
-          <a:p>
-            <a:r>
-              <a:rPr lang="en-US" dirty="0"/>
-              <a:t>What if the data is not normal?</a:t>
+              <a:t>Can also help with automated outlier ident./filter. </a:t>
+            </a:r>
+          </a:p>
+          <a:p>
+            <a:pPr lvl="1"/>
+            <a:r>
+              <a:rPr lang="en-US" dirty="0"/>
+              <a:t>N multiple of IQR as a cutoff. </a:t>
+            </a:r>
+          </a:p>
+          <a:p>
+            <a:pPr lvl="1"/>
+            <a:r>
+              <a:rPr lang="en-US" dirty="0"/>
+              <a:t>Smart filtering based on the actual data. </a:t>
+            </a:r>
+          </a:p>
+          <a:p>
+            <a:r>
+              <a:rPr lang="en-US" dirty="0"/>
+              <a:t>What if the data is not normal…</a:t>
             </a:r>
           </a:p>
         </p:txBody>

--- a/reference_material/slides/004_Cumulative_Distributions.pptx
+++ b/reference_material/slides/004_Cumulative_Distributions.pptx
@@ -5,26 +5,28 @@
     <p:sldMasterId id="2147483660" r:id="rId1"/>
   </p:sldMasterIdLst>
   <p:sldIdLst>
-    <p:sldId id="256" r:id="rId2"/>
-    <p:sldId id="257" r:id="rId3"/>
-    <p:sldId id="270" r:id="rId4"/>
-    <p:sldId id="258" r:id="rId5"/>
-    <p:sldId id="265" r:id="rId6"/>
-    <p:sldId id="259" r:id="rId7"/>
+    <p:sldId id="277" r:id="rId2"/>
+    <p:sldId id="256" r:id="rId3"/>
+    <p:sldId id="257" r:id="rId4"/>
+    <p:sldId id="270" r:id="rId5"/>
+    <p:sldId id="258" r:id="rId6"/>
+    <p:sldId id="265" r:id="rId7"/>
     <p:sldId id="260" r:id="rId8"/>
     <p:sldId id="269" r:id="rId9"/>
     <p:sldId id="263" r:id="rId10"/>
     <p:sldId id="273" r:id="rId11"/>
-    <p:sldId id="274" r:id="rId12"/>
-    <p:sldId id="264" r:id="rId13"/>
-    <p:sldId id="271" r:id="rId14"/>
-    <p:sldId id="276" r:id="rId15"/>
-    <p:sldId id="266" r:id="rId16"/>
-    <p:sldId id="267" r:id="rId17"/>
-    <p:sldId id="275" r:id="rId18"/>
-    <p:sldId id="272" r:id="rId19"/>
-    <p:sldId id="261" r:id="rId20"/>
-    <p:sldId id="262" r:id="rId21"/>
+    <p:sldId id="259" r:id="rId12"/>
+    <p:sldId id="274" r:id="rId13"/>
+    <p:sldId id="264" r:id="rId14"/>
+    <p:sldId id="271" r:id="rId15"/>
+    <p:sldId id="276" r:id="rId16"/>
+    <p:sldId id="266" r:id="rId17"/>
+    <p:sldId id="267" r:id="rId18"/>
+    <p:sldId id="275" r:id="rId19"/>
+    <p:sldId id="278" r:id="rId20"/>
+    <p:sldId id="272" r:id="rId21"/>
+    <p:sldId id="261" r:id="rId22"/>
+    <p:sldId id="262" r:id="rId23"/>
   </p:sldIdLst>
   <p:sldSz cx="12192000" cy="6858000"/>
   <p:notesSz cx="6858000" cy="9144000"/>
@@ -3649,7 +3651,7 @@
           <p:cNvPr id="2" name="Title 1">
             <a:extLst>
               <a:ext uri="{FF2B5EF4-FFF2-40B4-BE49-F238E27FC236}">
-                <a16:creationId xmlns:a16="http://schemas.microsoft.com/office/drawing/2014/main" id="{4F08C3E1-1EDA-27BB-062D-4BFD559FC8F3}"/>
+                <a16:creationId xmlns:a16="http://schemas.microsoft.com/office/drawing/2014/main" id="{0BA791B2-513A-99FB-9639-8ED203A74DF7}"/>
               </a:ext>
             </a:extLst>
           </p:cNvPr>
@@ -3657,7 +3659,7 @@
             <a:spLocks noGrp="1"/>
           </p:cNvSpPr>
           <p:nvPr>
-            <p:ph type="ctrTitle"/>
+            <p:ph type="title"/>
           </p:nvPr>
         </p:nvSpPr>
         <p:spPr/>
@@ -3667,17 +3669,17 @@
           <a:p>
             <a:r>
               <a:rPr lang="en-US" dirty="0"/>
-              <a:t>Cumulative Distributions</a:t>
-            </a:r>
-          </a:p>
-        </p:txBody>
-      </p:sp>
-      <p:sp>
-        <p:nvSpPr>
-          <p:cNvPr id="3" name="Subtitle 2">
+              <a:t>Housekeeping</a:t>
+            </a:r>
+          </a:p>
+        </p:txBody>
+      </p:sp>
+      <p:sp>
+        <p:nvSpPr>
+          <p:cNvPr id="3" name="Content Placeholder 2">
             <a:extLst>
               <a:ext uri="{FF2B5EF4-FFF2-40B4-BE49-F238E27FC236}">
-                <a16:creationId xmlns:a16="http://schemas.microsoft.com/office/drawing/2014/main" id="{3764B1B1-BBBA-5A07-E294-718FFA7E2C72}"/>
+                <a16:creationId xmlns:a16="http://schemas.microsoft.com/office/drawing/2014/main" id="{D3B08D08-2BF4-DEF2-93F9-CD0298A67881}"/>
               </a:ext>
             </a:extLst>
           </p:cNvPr>
@@ -3685,22 +3687,108 @@
             <a:spLocks noGrp="1"/>
           </p:cNvSpPr>
           <p:nvPr>
-            <p:ph type="subTitle" idx="1"/>
-          </p:nvPr>
-        </p:nvSpPr>
-        <p:spPr/>
-        <p:txBody>
-          <a:bodyPr/>
-          <a:lstStyle/>
-          <a:p>
-            <a:endParaRPr lang="en-US"/>
+            <p:ph idx="1"/>
+          </p:nvPr>
+        </p:nvSpPr>
+        <p:spPr>
+          <a:xfrm>
+            <a:off x="1451579" y="1927273"/>
+            <a:ext cx="9603275" cy="4126207"/>
+          </a:xfrm>
+        </p:spPr>
+        <p:txBody>
+          <a:bodyPr>
+            <a:normAutofit lnSpcReduction="10000"/>
+          </a:bodyPr>
+          <a:lstStyle/>
+          <a:p>
+            <a:r>
+              <a:rPr lang="en-US" dirty="0"/>
+              <a:t>Today:</a:t>
+            </a:r>
+          </a:p>
+          <a:p>
+            <a:pPr lvl="1"/>
+            <a:r>
+              <a:rPr lang="en-US" dirty="0"/>
+              <a:t>Cumulative distributions and </a:t>
+            </a:r>
+            <a:r>
+              <a:rPr lang="en-US" dirty="0" err="1"/>
+              <a:t>cdf</a:t>
+            </a:r>
+            <a:r>
+              <a:rPr lang="en-US" dirty="0"/>
+              <a:t> plots. (Chapter 4)</a:t>
+            </a:r>
+          </a:p>
+          <a:p>
+            <a:pPr lvl="1"/>
+            <a:r>
+              <a:rPr lang="en-US" dirty="0"/>
+              <a:t>Actually looking at arrays – sr. citizen moment from last time. </a:t>
+            </a:r>
+          </a:p>
+          <a:p>
+            <a:r>
+              <a:rPr lang="en-US" dirty="0"/>
+              <a:t>Next:</a:t>
+            </a:r>
+          </a:p>
+          <a:p>
+            <a:pPr lvl="1"/>
+            <a:r>
+              <a:rPr lang="en-US" dirty="0"/>
+              <a:t>We’ll look at EDA – exploring data with stuff we’ve covered - a bit. (Workbook 005)</a:t>
+            </a:r>
+          </a:p>
+          <a:p>
+            <a:pPr lvl="1"/>
+            <a:r>
+              <a:rPr lang="en-US" dirty="0"/>
+              <a:t>Quiz! Yay! (Handfull of MC on theory, a few ‘calculate this’ that are either MC/numeric). </a:t>
+            </a:r>
+          </a:p>
+          <a:p>
+            <a:pPr lvl="1"/>
+            <a:r>
+              <a:rPr lang="en-US" dirty="0"/>
+              <a:t>Workbook 006 is a self check on single variable stats. </a:t>
+            </a:r>
+          </a:p>
+          <a:p>
+            <a:r>
+              <a:rPr lang="en-US" dirty="0"/>
+              <a:t>After – we’ll work on analytical distributions and estimation. </a:t>
+            </a:r>
+          </a:p>
+          <a:p>
+            <a:pPr lvl="1"/>
+            <a:r>
+              <a:rPr lang="en-US" dirty="0"/>
+              <a:t>If any part (code or concept) is shaky, try to address it (ask, read, practice) now-</a:t>
+            </a:r>
+            <a:r>
+              <a:rPr lang="en-US" dirty="0" err="1"/>
+              <a:t>ish</a:t>
+            </a:r>
+            <a:r>
+              <a:rPr lang="en-US" dirty="0"/>
+              <a:t>. </a:t>
+            </a:r>
+          </a:p>
+          <a:p>
+            <a:r>
+              <a:rPr lang="en-US" dirty="0"/>
+              <a:t>Note: there’s a textbook repository link, you can clone that if you want as well*. </a:t>
+            </a:r>
           </a:p>
         </p:txBody>
       </p:sp>
     </p:spTree>
     <p:extLst>
       <p:ext uri="{BB962C8B-B14F-4D97-AF65-F5344CB8AC3E}">
-        <p14:creationId xmlns:p14="http://schemas.microsoft.com/office/powerpoint/2010/main" val="99064026"/>
+        <p14:creationId xmlns:p14="http://schemas.microsoft.com/office/powerpoint/2010/main" val="2543082021"/>
       </p:ext>
     </p:extLst>
   </p:cSld>
@@ -3903,7 +3991,7 @@
           <p:cNvPr id="2" name="Title 1">
             <a:extLst>
               <a:ext uri="{FF2B5EF4-FFF2-40B4-BE49-F238E27FC236}">
-                <a16:creationId xmlns:a16="http://schemas.microsoft.com/office/drawing/2014/main" id="{9313B445-1E7A-A481-47E0-B73834B201FA}"/>
+                <a16:creationId xmlns:a16="http://schemas.microsoft.com/office/drawing/2014/main" id="{74E82CF4-1CE0-898A-7B45-1599EF1D44DF}"/>
               </a:ext>
             </a:extLst>
           </p:cNvPr>
@@ -3919,7 +4007,7 @@
           <a:bodyPr/>
           <a:lstStyle/>
           <a:p>
-            <a:endParaRPr lang="en-US" dirty="0"/>
+            <a:endParaRPr lang="en-US"/>
           </a:p>
         </p:txBody>
       </p:sp>
@@ -3928,7 +4016,7 @@
           <p:cNvPr id="3" name="Content Placeholder 2">
             <a:extLst>
               <a:ext uri="{FF2B5EF4-FFF2-40B4-BE49-F238E27FC236}">
-                <a16:creationId xmlns:a16="http://schemas.microsoft.com/office/drawing/2014/main" id="{BF85E3AC-0919-77EA-F635-6E2584E84B0E}"/>
+                <a16:creationId xmlns:a16="http://schemas.microsoft.com/office/drawing/2014/main" id="{3A966079-C31A-B27E-CC6E-F530BE644998}"/>
               </a:ext>
             </a:extLst>
           </p:cNvPr>
@@ -3948,10 +4036,57 @@
           </a:p>
         </p:txBody>
       </p:sp>
+      <p:pic>
+        <p:nvPicPr>
+          <p:cNvPr id="2050" name="Picture 2" descr="Confluence Mobile - ECMWF Confluence Wiki">
+            <a:extLst>
+              <a:ext uri="{FF2B5EF4-FFF2-40B4-BE49-F238E27FC236}">
+                <a16:creationId xmlns:a16="http://schemas.microsoft.com/office/drawing/2014/main" id="{66A7F45B-29F6-35C5-02D7-8C6A46E40BFD}"/>
+              </a:ext>
+            </a:extLst>
+          </p:cNvPr>
+          <p:cNvPicPr>
+            <a:picLocks noChangeAspect="1" noChangeArrowheads="1"/>
+          </p:cNvPicPr>
+          <p:nvPr/>
+        </p:nvPicPr>
+        <p:blipFill>
+          <a:blip r:embed="rId2">
+            <a:extLst>
+              <a:ext uri="{28A0092B-C50C-407E-A947-70E740481C1C}">
+                <a14:useLocalDpi xmlns:a14="http://schemas.microsoft.com/office/drawing/2010/main" val="0"/>
+              </a:ext>
+            </a:extLst>
+          </a:blip>
+          <a:srcRect/>
+          <a:stretch>
+            <a:fillRect/>
+          </a:stretch>
+        </p:blipFill>
+        <p:spPr bwMode="auto">
+          <a:xfrm>
+            <a:off x="127000" y="0"/>
+            <a:ext cx="11938000" cy="6858000"/>
+          </a:xfrm>
+          <a:prstGeom prst="rect">
+            <a:avLst/>
+          </a:prstGeom>
+          <a:noFill/>
+          <a:extLst>
+            <a:ext uri="{909E8E84-426E-40DD-AFC4-6F175D3DCCD1}">
+              <a14:hiddenFill xmlns:a14="http://schemas.microsoft.com/office/drawing/2010/main">
+                <a:solidFill>
+                  <a:srgbClr val="FFFFFF"/>
+                </a:solidFill>
+              </a14:hiddenFill>
+            </a:ext>
+          </a:extLst>
+        </p:spPr>
+      </p:pic>
     </p:spTree>
     <p:extLst>
       <p:ext uri="{BB962C8B-B14F-4D97-AF65-F5344CB8AC3E}">
-        <p14:creationId xmlns:p14="http://schemas.microsoft.com/office/powerpoint/2010/main" val="2003425470"/>
+        <p14:creationId xmlns:p14="http://schemas.microsoft.com/office/powerpoint/2010/main" val="4138328058"/>
       </p:ext>
     </p:extLst>
   </p:cSld>
@@ -3962,7 +4097,7 @@
 </file>
 
 <file path=ppt/slides/slide12.xml><?xml version="1.0" encoding="utf-8"?>
-<p:sld xmlns:a="http://schemas.openxmlformats.org/drawingml/2006/main" xmlns:r="http://schemas.openxmlformats.org/officeDocument/2006/relationships" xmlns:p="http://schemas.openxmlformats.org/presentationml/2006/main">
+<p:sld xmlns:a="http://schemas.openxmlformats.org/drawingml/2006/main" xmlns:r="http://schemas.openxmlformats.org/officeDocument/2006/relationships" xmlns:p="http://schemas.openxmlformats.org/presentationml/2006/main" show="0">
   <p:cSld>
     <p:spTree>
       <p:nvGrpSpPr>
@@ -3983,7 +4118,7 @@
           <p:cNvPr id="2" name="Title 1">
             <a:extLst>
               <a:ext uri="{FF2B5EF4-FFF2-40B4-BE49-F238E27FC236}">
-                <a16:creationId xmlns:a16="http://schemas.microsoft.com/office/drawing/2014/main" id="{A99580EA-EF79-C275-3D9C-BFBC68C0D54A}"/>
+                <a16:creationId xmlns:a16="http://schemas.microsoft.com/office/drawing/2014/main" id="{9313B445-1E7A-A481-47E0-B73834B201FA}"/>
               </a:ext>
             </a:extLst>
           </p:cNvPr>
@@ -4001,7 +4136,7 @@
           <a:p>
             <a:r>
               <a:rPr lang="en-US" dirty="0"/>
-              <a:t>Percentiles</a:t>
+              <a:t>Normal and Cumulative</a:t>
             </a:r>
           </a:p>
         </p:txBody>
@@ -4011,7 +4146,7 @@
           <p:cNvPr id="3" name="Content Placeholder 2">
             <a:extLst>
               <a:ext uri="{FF2B5EF4-FFF2-40B4-BE49-F238E27FC236}">
-                <a16:creationId xmlns:a16="http://schemas.microsoft.com/office/drawing/2014/main" id="{1B1B1DCC-7D96-9C32-7C7D-AA150C6585B4}"/>
+                <a16:creationId xmlns:a16="http://schemas.microsoft.com/office/drawing/2014/main" id="{BF85E3AC-0919-77EA-F635-6E2584E84B0E}"/>
               </a:ext>
             </a:extLst>
           </p:cNvPr>
@@ -4022,61 +4157,24 @@
             <p:ph idx="1"/>
           </p:nvPr>
         </p:nvSpPr>
-        <p:spPr>
-          <a:xfrm>
-            <a:off x="7095744" y="1853754"/>
-            <a:ext cx="4864608" cy="4199727"/>
-          </a:xfrm>
-        </p:spPr>
-        <p:txBody>
-          <a:bodyPr/>
-          <a:lstStyle/>
-          <a:p>
-            <a:r>
-              <a:rPr lang="en-US" dirty="0"/>
-              <a:t>The percentile is the proportion of items that are lower than a given item.</a:t>
-            </a:r>
-          </a:p>
-          <a:p>
-            <a:r>
-              <a:rPr lang="en-US" dirty="0"/>
-              <a:t>A CDF looking at data cumulatively makes percentiles clear. </a:t>
-            </a:r>
-          </a:p>
-          <a:p>
-            <a:pPr lvl="1"/>
-            <a:r>
-              <a:rPr lang="en-US" dirty="0"/>
-              <a:t>Y value is the percentile. </a:t>
-            </a:r>
-          </a:p>
-          <a:p>
-            <a:r>
-              <a:rPr lang="en-US" dirty="0"/>
-              <a:t>Used in comparison and benchmarking. </a:t>
-            </a:r>
-          </a:p>
-          <a:p>
-            <a:pPr lvl="1"/>
-            <a:r>
-              <a:rPr lang="en-US" dirty="0"/>
-              <a:t>Test scores, salary, economic outcomes…</a:t>
-            </a:r>
-          </a:p>
-          <a:p>
-            <a:r>
-              <a:rPr lang="en-US" dirty="0"/>
-              <a:t>It doesn’t matter what the value is, only how it compares to others. </a:t>
+        <p:spPr/>
+        <p:txBody>
+          <a:bodyPr/>
+          <a:lstStyle/>
+          <a:p>
+            <a:r>
+              <a:rPr lang="en-US" dirty="0"/>
+              <a:t>Most frequently, we’ll deal with a normal distribution. </a:t>
             </a:r>
           </a:p>
         </p:txBody>
       </p:sp>
       <p:pic>
         <p:nvPicPr>
-          <p:cNvPr id="7170" name="Picture 2" descr="How to Understand Score Percentiles">
+          <p:cNvPr id="4" name="Picture 4" descr="Question about the expression of the CDF for a standard normal distribution  - Cross Validated">
             <a:extLst>
               <a:ext uri="{FF2B5EF4-FFF2-40B4-BE49-F238E27FC236}">
-                <a16:creationId xmlns:a16="http://schemas.microsoft.com/office/drawing/2014/main" id="{0BA0F1E1-81E0-4F4A-29E6-6EBE1AB99023}"/>
+                <a16:creationId xmlns:a16="http://schemas.microsoft.com/office/drawing/2014/main" id="{BD684EB3-A964-9D93-71BC-554EF2654B3A}"/>
               </a:ext>
             </a:extLst>
           </p:cNvPr>
@@ -4085,7 +4183,7 @@
           </p:cNvPicPr>
           <p:nvPr/>
         </p:nvPicPr>
-        <p:blipFill rotWithShape="1">
+        <p:blipFill>
           <a:blip r:embed="rId2">
             <a:extLst>
               <a:ext uri="{28A0092B-C50C-407E-A947-70E740481C1C}">
@@ -4093,15 +4191,15 @@
               </a:ext>
             </a:extLst>
           </a:blip>
-          <a:srcRect l="9348" t="5867" r="9348" b="7911"/>
+          <a:srcRect/>
           <a:stretch>
             <a:fillRect/>
           </a:stretch>
         </p:blipFill>
         <p:spPr bwMode="auto">
           <a:xfrm>
-            <a:off x="0" y="1841330"/>
-            <a:ext cx="7095744" cy="5016670"/>
+            <a:off x="8366170" y="1576042"/>
+            <a:ext cx="2749651" cy="2328203"/>
           </a:xfrm>
           <a:prstGeom prst="rect">
             <a:avLst/>
@@ -4118,10 +4216,57 @@
           </a:extLst>
         </p:spPr>
       </p:pic>
+      <p:pic>
+        <p:nvPicPr>
+          <p:cNvPr id="14338" name="Picture 2" descr="Normal Distribution | Gaussian | Normal random variables | PDF">
+            <a:extLst>
+              <a:ext uri="{FF2B5EF4-FFF2-40B4-BE49-F238E27FC236}">
+                <a16:creationId xmlns:a16="http://schemas.microsoft.com/office/drawing/2014/main" id="{AE115949-E0CD-A581-3977-3325C8635901}"/>
+              </a:ext>
+            </a:extLst>
+          </p:cNvPr>
+          <p:cNvPicPr>
+            <a:picLocks noChangeAspect="1" noChangeArrowheads="1"/>
+          </p:cNvPicPr>
+          <p:nvPr/>
+        </p:nvPicPr>
+        <p:blipFill>
+          <a:blip r:embed="rId3">
+            <a:extLst>
+              <a:ext uri="{28A0092B-C50C-407E-A947-70E740481C1C}">
+                <a14:useLocalDpi xmlns:a14="http://schemas.microsoft.com/office/drawing/2010/main" val="0"/>
+              </a:ext>
+            </a:extLst>
+          </a:blip>
+          <a:srcRect/>
+          <a:stretch>
+            <a:fillRect/>
+          </a:stretch>
+        </p:blipFill>
+        <p:spPr bwMode="auto">
+          <a:xfrm>
+            <a:off x="6911633" y="4066223"/>
+            <a:ext cx="5219700" cy="1562100"/>
+          </a:xfrm>
+          <a:prstGeom prst="rect">
+            <a:avLst/>
+          </a:prstGeom>
+          <a:noFill/>
+          <a:extLst>
+            <a:ext uri="{909E8E84-426E-40DD-AFC4-6F175D3DCCD1}">
+              <a14:hiddenFill xmlns:a14="http://schemas.microsoft.com/office/drawing/2010/main">
+                <a:solidFill>
+                  <a:srgbClr val="FFFFFF"/>
+                </a:solidFill>
+              </a14:hiddenFill>
+            </a:ext>
+          </a:extLst>
+        </p:spPr>
+      </p:pic>
     </p:spTree>
     <p:extLst>
       <p:ext uri="{BB962C8B-B14F-4D97-AF65-F5344CB8AC3E}">
-        <p14:creationId xmlns:p14="http://schemas.microsoft.com/office/powerpoint/2010/main" val="2172686502"/>
+        <p14:creationId xmlns:p14="http://schemas.microsoft.com/office/powerpoint/2010/main" val="2003425470"/>
       </p:ext>
     </p:extLst>
   </p:cSld>
@@ -4153,7 +4298,7 @@
           <p:cNvPr id="2" name="Title 1">
             <a:extLst>
               <a:ext uri="{FF2B5EF4-FFF2-40B4-BE49-F238E27FC236}">
-                <a16:creationId xmlns:a16="http://schemas.microsoft.com/office/drawing/2014/main" id="{DE4CEEC2-C029-8001-7F1E-26CF51B6775E}"/>
+                <a16:creationId xmlns:a16="http://schemas.microsoft.com/office/drawing/2014/main" id="{A99580EA-EF79-C275-3D9C-BFBC68C0D54A}"/>
               </a:ext>
             </a:extLst>
           </p:cNvPr>
@@ -4171,7 +4316,7 @@
           <a:p>
             <a:r>
               <a:rPr lang="en-US" dirty="0"/>
-              <a:t>Nerdy Percentile Usage</a:t>
+              <a:t>Percentiles</a:t>
             </a:r>
           </a:p>
         </p:txBody>
@@ -4181,7 +4326,7 @@
           <p:cNvPr id="3" name="Content Placeholder 2">
             <a:extLst>
               <a:ext uri="{FF2B5EF4-FFF2-40B4-BE49-F238E27FC236}">
-                <a16:creationId xmlns:a16="http://schemas.microsoft.com/office/drawing/2014/main" id="{C1D36AF0-68C2-B0A3-70F1-E8DF720281D2}"/>
+                <a16:creationId xmlns:a16="http://schemas.microsoft.com/office/drawing/2014/main" id="{1B1B1DCC-7D96-9C32-7C7D-AA150C6585B4}"/>
               </a:ext>
             </a:extLst>
           </p:cNvPr>
@@ -4194,90 +4339,59 @@
         </p:nvSpPr>
         <p:spPr>
           <a:xfrm>
-            <a:off x="658369" y="1853754"/>
-            <a:ext cx="6371780" cy="4199727"/>
-          </a:xfrm>
-        </p:spPr>
-        <p:txBody>
-          <a:bodyPr/>
-          <a:lstStyle/>
-          <a:p>
-            <a:r>
-              <a:rPr lang="en-US" dirty="0"/>
-              <a:t>This example comes from response times for an online service’s API. </a:t>
-            </a:r>
-          </a:p>
-          <a:p>
-            <a:r>
-              <a:rPr lang="en-US" dirty="0"/>
-              <a:t>When occasional issues occur, those raise the mean, but not 90</a:t>
-            </a:r>
-            <a:r>
-              <a:rPr lang="en-US" baseline="30000" dirty="0"/>
-              <a:t>th</a:t>
-            </a:r>
-            <a:r>
-              <a:rPr lang="en-US" dirty="0"/>
-              <a:t> percentile.</a:t>
+            <a:off x="7095744" y="1853754"/>
+            <a:ext cx="4864608" cy="4199727"/>
+          </a:xfrm>
+        </p:spPr>
+        <p:txBody>
+          <a:bodyPr/>
+          <a:lstStyle/>
+          <a:p>
+            <a:r>
+              <a:rPr lang="en-US" dirty="0"/>
+              <a:t>The percentile is the proportion of items that are lower than a given item.</a:t>
+            </a:r>
+          </a:p>
+          <a:p>
+            <a:r>
+              <a:rPr lang="en-US" dirty="0"/>
+              <a:t>A CDF looking at data cumulatively makes percentiles clear. </a:t>
             </a:r>
           </a:p>
           <a:p>
             <a:pPr lvl="1"/>
             <a:r>
               <a:rPr lang="en-US" dirty="0"/>
-              <a:t>i.e. a few people have very long waits. </a:t>
+              <a:t>Y value is the percentile. </a:t>
+            </a:r>
+          </a:p>
+          <a:p>
+            <a:r>
+              <a:rPr lang="en-US" dirty="0"/>
+              <a:t>Used in comparison and benchmarking. </a:t>
             </a:r>
           </a:p>
           <a:p>
             <a:pPr lvl="1"/>
             <a:r>
               <a:rPr lang="en-US" dirty="0"/>
-              <a:t>Mean rises due to value, but it isn’t that many people. </a:t>
-            </a:r>
-          </a:p>
-          <a:p>
-            <a:r>
-              <a:rPr lang="en-US" dirty="0"/>
-              <a:t>When </a:t>
-            </a:r>
-            <a:r>
-              <a:rPr lang="en-US" b="1" i="1" dirty="0"/>
-              <a:t>real</a:t>
-            </a:r>
-            <a:r>
-              <a:rPr lang="en-US" dirty="0"/>
-              <a:t> bad issues occur, the percentile raises. </a:t>
-            </a:r>
-          </a:p>
-          <a:p>
-            <a:pPr lvl="1"/>
-            <a:r>
-              <a:rPr lang="en-US" dirty="0"/>
-              <a:t>A larger number of people have long waits. </a:t>
-            </a:r>
-          </a:p>
-          <a:p>
-            <a:pPr lvl="1"/>
-            <a:r>
-              <a:rPr lang="en-US" dirty="0"/>
-              <a:t>Even if the mean doesn’t move much, prob is noticed. </a:t>
-            </a:r>
-          </a:p>
-          <a:p>
-            <a:pPr lvl="1"/>
-            <a:r>
-              <a:rPr lang="en-US" dirty="0"/>
-              <a:t>Larger number of items, less extreme difference. </a:t>
+              <a:t>Test scores, salary, economic outcomes…</a:t>
+            </a:r>
+          </a:p>
+          <a:p>
+            <a:r>
+              <a:rPr lang="en-US" dirty="0"/>
+              <a:t>It doesn’t matter what the value is, only how it compares to others. </a:t>
             </a:r>
           </a:p>
         </p:txBody>
       </p:sp>
       <p:pic>
         <p:nvPicPr>
-          <p:cNvPr id="8194" name="Picture 2" descr="image">
+          <p:cNvPr id="7170" name="Picture 2" descr="How to Understand Score Percentiles">
             <a:extLst>
               <a:ext uri="{FF2B5EF4-FFF2-40B4-BE49-F238E27FC236}">
-                <a16:creationId xmlns:a16="http://schemas.microsoft.com/office/drawing/2014/main" id="{4FE5B8FB-8A4C-1104-9A11-8A1D7219A8EB}"/>
+                <a16:creationId xmlns:a16="http://schemas.microsoft.com/office/drawing/2014/main" id="{0BA0F1E1-81E0-4F4A-29E6-6EBE1AB99023}"/>
               </a:ext>
             </a:extLst>
           </p:cNvPr>
@@ -4286,7 +4400,7 @@
           </p:cNvPicPr>
           <p:nvPr/>
         </p:nvPicPr>
-        <p:blipFill>
+        <p:blipFill rotWithShape="1">
           <a:blip r:embed="rId2">
             <a:extLst>
               <a:ext uri="{28A0092B-C50C-407E-A947-70E740481C1C}">
@@ -4294,15 +4408,15 @@
               </a:ext>
             </a:extLst>
           </a:blip>
-          <a:srcRect/>
+          <a:srcRect l="9348" t="5867" r="9348" b="7911"/>
           <a:stretch>
             <a:fillRect/>
           </a:stretch>
         </p:blipFill>
         <p:spPr bwMode="auto">
           <a:xfrm>
-            <a:off x="7030148" y="1210392"/>
-            <a:ext cx="5161852" cy="2363832"/>
+            <a:off x="0" y="1841330"/>
+            <a:ext cx="7095744" cy="5016670"/>
           </a:xfrm>
           <a:prstGeom prst="rect">
             <a:avLst/>
@@ -4319,57 +4433,10 @@
           </a:extLst>
         </p:spPr>
       </p:pic>
-      <p:pic>
-        <p:nvPicPr>
-          <p:cNvPr id="8196" name="Picture 4" descr="image">
-            <a:extLst>
-              <a:ext uri="{FF2B5EF4-FFF2-40B4-BE49-F238E27FC236}">
-                <a16:creationId xmlns:a16="http://schemas.microsoft.com/office/drawing/2014/main" id="{3CD28DE7-08AA-99B0-44F8-8EC41C67A944}"/>
-              </a:ext>
-            </a:extLst>
-          </p:cNvPr>
-          <p:cNvPicPr>
-            <a:picLocks noChangeAspect="1" noChangeArrowheads="1"/>
-          </p:cNvPicPr>
-          <p:nvPr/>
-        </p:nvPicPr>
-        <p:blipFill>
-          <a:blip r:embed="rId3">
-            <a:extLst>
-              <a:ext uri="{28A0092B-C50C-407E-A947-70E740481C1C}">
-                <a14:useLocalDpi xmlns:a14="http://schemas.microsoft.com/office/drawing/2010/main" val="0"/>
-              </a:ext>
-            </a:extLst>
-          </a:blip>
-          <a:srcRect/>
-          <a:stretch>
-            <a:fillRect/>
-          </a:stretch>
-        </p:blipFill>
-        <p:spPr bwMode="auto">
-          <a:xfrm>
-            <a:off x="7030148" y="3574223"/>
-            <a:ext cx="5161852" cy="3181056"/>
-          </a:xfrm>
-          <a:prstGeom prst="rect">
-            <a:avLst/>
-          </a:prstGeom>
-          <a:noFill/>
-          <a:extLst>
-            <a:ext uri="{909E8E84-426E-40DD-AFC4-6F175D3DCCD1}">
-              <a14:hiddenFill xmlns:a14="http://schemas.microsoft.com/office/drawing/2010/main">
-                <a:solidFill>
-                  <a:srgbClr val="FFFFFF"/>
-                </a:solidFill>
-              </a14:hiddenFill>
-            </a:ext>
-          </a:extLst>
-        </p:spPr>
-      </p:pic>
     </p:spTree>
     <p:extLst>
       <p:ext uri="{BB962C8B-B14F-4D97-AF65-F5344CB8AC3E}">
-        <p14:creationId xmlns:p14="http://schemas.microsoft.com/office/powerpoint/2010/main" val="222197462"/>
+        <p14:creationId xmlns:p14="http://schemas.microsoft.com/office/powerpoint/2010/main" val="2172686502"/>
       </p:ext>
     </p:extLst>
   </p:cSld>
@@ -4401,7 +4468,7 @@
           <p:cNvPr id="2" name="Title 1">
             <a:extLst>
               <a:ext uri="{FF2B5EF4-FFF2-40B4-BE49-F238E27FC236}">
-                <a16:creationId xmlns:a16="http://schemas.microsoft.com/office/drawing/2014/main" id="{A9BA326E-ADBA-E6F9-77FB-257D1A4663AA}"/>
+                <a16:creationId xmlns:a16="http://schemas.microsoft.com/office/drawing/2014/main" id="{DE4CEEC2-C029-8001-7F1E-26CF51B6775E}"/>
               </a:ext>
             </a:extLst>
           </p:cNvPr>
@@ -4419,7 +4486,7 @@
           <a:p>
             <a:r>
               <a:rPr lang="en-US" dirty="0"/>
-              <a:t>Percentile Lingo</a:t>
+              <a:t>Nerdy Percentile Usage</a:t>
             </a:r>
           </a:p>
         </p:txBody>
@@ -4429,7 +4496,7 @@
           <p:cNvPr id="3" name="Content Placeholder 2">
             <a:extLst>
               <a:ext uri="{FF2B5EF4-FFF2-40B4-BE49-F238E27FC236}">
-                <a16:creationId xmlns:a16="http://schemas.microsoft.com/office/drawing/2014/main" id="{435AB2B7-3142-0443-EFEC-39DA0AF0F481}"/>
+                <a16:creationId xmlns:a16="http://schemas.microsoft.com/office/drawing/2014/main" id="{C1D36AF0-68C2-B0A3-70F1-E8DF720281D2}"/>
               </a:ext>
             </a:extLst>
           </p:cNvPr>
@@ -4442,87 +4509,182 @@
         </p:nvSpPr>
         <p:spPr>
           <a:xfrm>
-            <a:off x="1451579" y="1920240"/>
-            <a:ext cx="9603275" cy="4133241"/>
-          </a:xfrm>
-        </p:spPr>
-        <p:txBody>
-          <a:bodyPr/>
-          <a:lstStyle/>
-          <a:p>
-            <a:r>
-              <a:rPr lang="en-US" dirty="0"/>
-              <a:t>The term percentile can be a bit confusing as it is kind of used in different ways. </a:t>
-            </a:r>
-          </a:p>
-          <a:p>
-            <a:r>
-              <a:rPr lang="en-US" dirty="0"/>
-              <a:t>Percentile rank:</a:t>
+            <a:off x="658369" y="1853754"/>
+            <a:ext cx="6371780" cy="4199727"/>
+          </a:xfrm>
+        </p:spPr>
+        <p:txBody>
+          <a:bodyPr/>
+          <a:lstStyle/>
+          <a:p>
+            <a:r>
+              <a:rPr lang="en-US" dirty="0"/>
+              <a:t>This example comes from response times for an online service’s API. </a:t>
+            </a:r>
+          </a:p>
+          <a:p>
+            <a:r>
+              <a:rPr lang="en-US" dirty="0"/>
+              <a:t>When occasional issues occur, those raise the mean, but not 90</a:t>
+            </a:r>
+            <a:r>
+              <a:rPr lang="en-US" baseline="30000" dirty="0"/>
+              <a:t>th</a:t>
+            </a:r>
+            <a:r>
+              <a:rPr lang="en-US" dirty="0"/>
+              <a:t> percentile.</a:t>
             </a:r>
           </a:p>
           <a:p>
             <a:pPr lvl="1"/>
             <a:r>
               <a:rPr lang="en-US" dirty="0"/>
-              <a:t>Given this actual value, what percentage are lower. (Look up Y). </a:t>
+              <a:t>i.e. a few people have very long waits. </a:t>
             </a:r>
           </a:p>
           <a:p>
             <a:pPr lvl="1"/>
             <a:r>
               <a:rPr lang="en-US" dirty="0"/>
-              <a:t>E.g. I got 87% on the exam and my percentile rank is 92% (better than 92% of others). </a:t>
-            </a:r>
-          </a:p>
-          <a:p>
-            <a:r>
-              <a:rPr lang="en-US" dirty="0"/>
-              <a:t>Percentile:</a:t>
+              <a:t>Mean rises due to value, but it isn’t that many people. </a:t>
+            </a:r>
+          </a:p>
+          <a:p>
+            <a:r>
+              <a:rPr lang="en-US" dirty="0"/>
+              <a:t>When </a:t>
+            </a:r>
+            <a:r>
+              <a:rPr lang="en-US" b="1" i="1" dirty="0"/>
+              <a:t>real</a:t>
+            </a:r>
+            <a:r>
+              <a:rPr lang="en-US" dirty="0"/>
+              <a:t> bad issues occur, the percentile raises. </a:t>
             </a:r>
           </a:p>
           <a:p>
             <a:pPr lvl="1"/>
             <a:r>
               <a:rPr lang="en-US" dirty="0"/>
-              <a:t>Given this percentile rank, what is the value at that point. (Look up X). </a:t>
+              <a:t>A larger number of people have long waits. </a:t>
             </a:r>
           </a:p>
           <a:p>
             <a:pPr lvl="1"/>
             <a:r>
               <a:rPr lang="en-US" dirty="0"/>
-              <a:t>E.g. the 92</a:t>
-            </a:r>
-            <a:r>
-              <a:rPr lang="en-US" baseline="30000" dirty="0"/>
-              <a:t>nd</a:t>
-            </a:r>
-            <a:r>
-              <a:rPr lang="en-US" dirty="0"/>
-              <a:t> percentile is at 87% score on the exam. (The value above 92% of others). </a:t>
-            </a:r>
-          </a:p>
-          <a:p>
-            <a:r>
-              <a:rPr lang="en-US" dirty="0"/>
-              <a:t>”I’m in the 92</a:t>
-            </a:r>
-            <a:r>
-              <a:rPr lang="en-US" baseline="30000" dirty="0"/>
-              <a:t>nd</a:t>
-            </a:r>
-            <a:r>
-              <a:rPr lang="en-US" dirty="0"/>
-              <a:t> percentile” is more obvious as “my percentile rank is 92” </a:t>
-            </a:r>
-          </a:p>
-        </p:txBody>
-      </p:sp>
+              <a:t>Even if the mean doesn’t move much, prob is noticed. </a:t>
+            </a:r>
+          </a:p>
+          <a:p>
+            <a:pPr lvl="1"/>
+            <a:r>
+              <a:rPr lang="en-US" dirty="0"/>
+              <a:t>Larger number of items, less extreme difference. </a:t>
+            </a:r>
+          </a:p>
+        </p:txBody>
+      </p:sp>
+      <p:pic>
+        <p:nvPicPr>
+          <p:cNvPr id="8194" name="Picture 2" descr="image">
+            <a:extLst>
+              <a:ext uri="{FF2B5EF4-FFF2-40B4-BE49-F238E27FC236}">
+                <a16:creationId xmlns:a16="http://schemas.microsoft.com/office/drawing/2014/main" id="{4FE5B8FB-8A4C-1104-9A11-8A1D7219A8EB}"/>
+              </a:ext>
+            </a:extLst>
+          </p:cNvPr>
+          <p:cNvPicPr>
+            <a:picLocks noChangeAspect="1" noChangeArrowheads="1"/>
+          </p:cNvPicPr>
+          <p:nvPr/>
+        </p:nvPicPr>
+        <p:blipFill>
+          <a:blip r:embed="rId2">
+            <a:extLst>
+              <a:ext uri="{28A0092B-C50C-407E-A947-70E740481C1C}">
+                <a14:useLocalDpi xmlns:a14="http://schemas.microsoft.com/office/drawing/2010/main" val="0"/>
+              </a:ext>
+            </a:extLst>
+          </a:blip>
+          <a:srcRect/>
+          <a:stretch>
+            <a:fillRect/>
+          </a:stretch>
+        </p:blipFill>
+        <p:spPr bwMode="auto">
+          <a:xfrm>
+            <a:off x="7030148" y="1210392"/>
+            <a:ext cx="5161852" cy="2363832"/>
+          </a:xfrm>
+          <a:prstGeom prst="rect">
+            <a:avLst/>
+          </a:prstGeom>
+          <a:noFill/>
+          <a:extLst>
+            <a:ext uri="{909E8E84-426E-40DD-AFC4-6F175D3DCCD1}">
+              <a14:hiddenFill xmlns:a14="http://schemas.microsoft.com/office/drawing/2010/main">
+                <a:solidFill>
+                  <a:srgbClr val="FFFFFF"/>
+                </a:solidFill>
+              </a14:hiddenFill>
+            </a:ext>
+          </a:extLst>
+        </p:spPr>
+      </p:pic>
+      <p:pic>
+        <p:nvPicPr>
+          <p:cNvPr id="8196" name="Picture 4" descr="image">
+            <a:extLst>
+              <a:ext uri="{FF2B5EF4-FFF2-40B4-BE49-F238E27FC236}">
+                <a16:creationId xmlns:a16="http://schemas.microsoft.com/office/drawing/2014/main" id="{3CD28DE7-08AA-99B0-44F8-8EC41C67A944}"/>
+              </a:ext>
+            </a:extLst>
+          </p:cNvPr>
+          <p:cNvPicPr>
+            <a:picLocks noChangeAspect="1" noChangeArrowheads="1"/>
+          </p:cNvPicPr>
+          <p:nvPr/>
+        </p:nvPicPr>
+        <p:blipFill>
+          <a:blip r:embed="rId3">
+            <a:extLst>
+              <a:ext uri="{28A0092B-C50C-407E-A947-70E740481C1C}">
+                <a14:useLocalDpi xmlns:a14="http://schemas.microsoft.com/office/drawing/2010/main" val="0"/>
+              </a:ext>
+            </a:extLst>
+          </a:blip>
+          <a:srcRect/>
+          <a:stretch>
+            <a:fillRect/>
+          </a:stretch>
+        </p:blipFill>
+        <p:spPr bwMode="auto">
+          <a:xfrm>
+            <a:off x="7030148" y="3574223"/>
+            <a:ext cx="5161852" cy="3181056"/>
+          </a:xfrm>
+          <a:prstGeom prst="rect">
+            <a:avLst/>
+          </a:prstGeom>
+          <a:noFill/>
+          <a:extLst>
+            <a:ext uri="{909E8E84-426E-40DD-AFC4-6F175D3DCCD1}">
+              <a14:hiddenFill xmlns:a14="http://schemas.microsoft.com/office/drawing/2010/main">
+                <a:solidFill>
+                  <a:srgbClr val="FFFFFF"/>
+                </a:solidFill>
+              </a14:hiddenFill>
+            </a:ext>
+          </a:extLst>
+        </p:spPr>
+      </p:pic>
     </p:spTree>
     <p:extLst>
       <p:ext uri="{BB962C8B-B14F-4D97-AF65-F5344CB8AC3E}">
-        <p14:creationId xmlns:p14="http://schemas.microsoft.com/office/powerpoint/2010/main" val="3057796269"/>
+        <p14:creationId xmlns:p14="http://schemas.microsoft.com/office/powerpoint/2010/main" val="222197462"/>
       </p:ext>
     </p:extLst>
   </p:cSld>
@@ -4554,7 +4716,7 @@
           <p:cNvPr id="2" name="Title 1">
             <a:extLst>
               <a:ext uri="{FF2B5EF4-FFF2-40B4-BE49-F238E27FC236}">
-                <a16:creationId xmlns:a16="http://schemas.microsoft.com/office/drawing/2014/main" id="{44EB69EB-2234-DCA8-F313-457359BEE57D}"/>
+                <a16:creationId xmlns:a16="http://schemas.microsoft.com/office/drawing/2014/main" id="{A9BA326E-ADBA-E6F9-77FB-257D1A4663AA}"/>
               </a:ext>
             </a:extLst>
           </p:cNvPr>
@@ -4572,7 +4734,7 @@
           <a:p>
             <a:r>
               <a:rPr lang="en-US" dirty="0"/>
-              <a:t>Median</a:t>
+              <a:t>Percentile Lingo</a:t>
             </a:r>
           </a:p>
         </p:txBody>
@@ -4582,7 +4744,7 @@
           <p:cNvPr id="3" name="Content Placeholder 2">
             <a:extLst>
               <a:ext uri="{FF2B5EF4-FFF2-40B4-BE49-F238E27FC236}">
-                <a16:creationId xmlns:a16="http://schemas.microsoft.com/office/drawing/2014/main" id="{BE1EE9BF-022B-B5BC-DDEF-B866C6353735}"/>
+                <a16:creationId xmlns:a16="http://schemas.microsoft.com/office/drawing/2014/main" id="{435AB2B7-3142-0443-EFEC-39DA0AF0F481}"/>
               </a:ext>
             </a:extLst>
           </p:cNvPr>
@@ -4595,107 +4757,87 @@
         </p:nvSpPr>
         <p:spPr>
           <a:xfrm>
-            <a:off x="7534656" y="1944414"/>
-            <a:ext cx="4657344" cy="4109067"/>
-          </a:xfrm>
-        </p:spPr>
-        <p:txBody>
-          <a:bodyPr>
-            <a:normAutofit/>
-          </a:bodyPr>
-          <a:lstStyle/>
-          <a:p>
-            <a:r>
-              <a:rPr lang="en-US" dirty="0"/>
-              <a:t>The median is one special percentile – the value in the middle. </a:t>
-            </a:r>
-          </a:p>
-          <a:p>
-            <a:r>
-              <a:rPr lang="en-US" dirty="0"/>
-              <a:t>Often represents the center of data better than mean. </a:t>
+            <a:off x="1451579" y="1920240"/>
+            <a:ext cx="9603275" cy="4133241"/>
+          </a:xfrm>
+        </p:spPr>
+        <p:txBody>
+          <a:bodyPr/>
+          <a:lstStyle/>
+          <a:p>
+            <a:r>
+              <a:rPr lang="en-US" dirty="0"/>
+              <a:t>The term percentile can be a bit confusing as it is kind of used in different ways. </a:t>
+            </a:r>
+          </a:p>
+          <a:p>
+            <a:r>
+              <a:rPr lang="en-US" dirty="0"/>
+              <a:t>Percentile rank:</a:t>
             </a:r>
           </a:p>
           <a:p>
             <a:pPr lvl="1"/>
             <a:r>
               <a:rPr lang="en-US" dirty="0"/>
-              <a:t>Especially in cases of odd distribution patterns – outliers, skew, </a:t>
-            </a:r>
-            <a:r>
-              <a:rPr lang="en-US" dirty="0" err="1"/>
-              <a:t>etc</a:t>
-            </a:r>
-            <a:r>
-              <a:rPr lang="en-US" dirty="0"/>
-              <a:t>…</a:t>
-            </a:r>
-          </a:p>
-          <a:p>
-            <a:r>
-              <a:rPr lang="en-US" dirty="0"/>
-              <a:t>In analysis we may sometimes take the median in place of mean. </a:t>
-            </a:r>
-          </a:p>
-          <a:p>
-            <a:r>
-              <a:rPr lang="en-US" dirty="0"/>
-              <a:t>In normal data, mean and median (and mode) are the same. </a:t>
-            </a:r>
-          </a:p>
-        </p:txBody>
-      </p:sp>
-      <p:pic>
-        <p:nvPicPr>
-          <p:cNvPr id="9218" name="Picture 2" descr="Measures of Central Value: Mean, Median, Mode &amp; Others : Plantlet">
-            <a:extLst>
-              <a:ext uri="{FF2B5EF4-FFF2-40B4-BE49-F238E27FC236}">
-                <a16:creationId xmlns:a16="http://schemas.microsoft.com/office/drawing/2014/main" id="{D994CA42-487B-38CE-3A5A-D851ADA49C0A}"/>
-              </a:ext>
-            </a:extLst>
-          </p:cNvPr>
-          <p:cNvPicPr>
-            <a:picLocks noChangeAspect="1" noChangeArrowheads="1"/>
-          </p:cNvPicPr>
-          <p:nvPr/>
-        </p:nvPicPr>
-        <p:blipFill rotWithShape="1">
-          <a:blip r:embed="rId2">
-            <a:extLst>
-              <a:ext uri="{28A0092B-C50C-407E-A947-70E740481C1C}">
-                <a14:useLocalDpi xmlns:a14="http://schemas.microsoft.com/office/drawing/2010/main" val="0"/>
-              </a:ext>
-            </a:extLst>
-          </a:blip>
-          <a:srcRect l="2602" t="15478" r="4406"/>
-          <a:stretch>
-            <a:fillRect/>
-          </a:stretch>
-        </p:blipFill>
-        <p:spPr bwMode="auto">
-          <a:xfrm>
-            <a:off x="0" y="1716278"/>
-            <a:ext cx="7534656" cy="5141722"/>
-          </a:xfrm>
-          <a:prstGeom prst="rect">
-            <a:avLst/>
-          </a:prstGeom>
-          <a:noFill/>
-          <a:extLst>
-            <a:ext uri="{909E8E84-426E-40DD-AFC4-6F175D3DCCD1}">
-              <a14:hiddenFill xmlns:a14="http://schemas.microsoft.com/office/drawing/2010/main">
-                <a:solidFill>
-                  <a:srgbClr val="FFFFFF"/>
-                </a:solidFill>
-              </a14:hiddenFill>
-            </a:ext>
-          </a:extLst>
-        </p:spPr>
-      </p:pic>
+              <a:t>Given this actual value, what percentage are lower. (Look up Y). </a:t>
+            </a:r>
+          </a:p>
+          <a:p>
+            <a:pPr lvl="1"/>
+            <a:r>
+              <a:rPr lang="en-US" dirty="0"/>
+              <a:t>E.g. I got 87% on the exam and my percentile rank is 92% (better than 92% of others). </a:t>
+            </a:r>
+          </a:p>
+          <a:p>
+            <a:r>
+              <a:rPr lang="en-US" dirty="0"/>
+              <a:t>Percentile:</a:t>
+            </a:r>
+          </a:p>
+          <a:p>
+            <a:pPr lvl="1"/>
+            <a:r>
+              <a:rPr lang="en-US" dirty="0"/>
+              <a:t>Given this percentile rank, what is the value at that point. (Look up X). </a:t>
+            </a:r>
+          </a:p>
+          <a:p>
+            <a:pPr lvl="1"/>
+            <a:r>
+              <a:rPr lang="en-US" dirty="0"/>
+              <a:t>E.g. the 92</a:t>
+            </a:r>
+            <a:r>
+              <a:rPr lang="en-US" baseline="30000" dirty="0"/>
+              <a:t>nd</a:t>
+            </a:r>
+            <a:r>
+              <a:rPr lang="en-US" dirty="0"/>
+              <a:t> percentile is at 87% score on the exam. (The value above 92% of others). </a:t>
+            </a:r>
+          </a:p>
+          <a:p>
+            <a:r>
+              <a:rPr lang="en-US" dirty="0"/>
+              <a:t>”I’m in the 92</a:t>
+            </a:r>
+            <a:r>
+              <a:rPr lang="en-US" baseline="30000" dirty="0"/>
+              <a:t>nd</a:t>
+            </a:r>
+            <a:r>
+              <a:rPr lang="en-US" dirty="0"/>
+              <a:t> percentile” is more obvious as “my percentile rank is 92” </a:t>
+            </a:r>
+          </a:p>
+        </p:txBody>
+      </p:sp>
     </p:spTree>
     <p:extLst>
       <p:ext uri="{BB962C8B-B14F-4D97-AF65-F5344CB8AC3E}">
-        <p14:creationId xmlns:p14="http://schemas.microsoft.com/office/powerpoint/2010/main" val="3464893197"/>
+        <p14:creationId xmlns:p14="http://schemas.microsoft.com/office/powerpoint/2010/main" val="3057796269"/>
       </p:ext>
     </p:extLst>
   </p:cSld>
@@ -4727,7 +4869,7 @@
           <p:cNvPr id="2" name="Title 1">
             <a:extLst>
               <a:ext uri="{FF2B5EF4-FFF2-40B4-BE49-F238E27FC236}">
-                <a16:creationId xmlns:a16="http://schemas.microsoft.com/office/drawing/2014/main" id="{75214B11-A938-CA4F-6A6F-ABF276E31D6C}"/>
+                <a16:creationId xmlns:a16="http://schemas.microsoft.com/office/drawing/2014/main" id="{44EB69EB-2234-DCA8-F313-457359BEE57D}"/>
               </a:ext>
             </a:extLst>
           </p:cNvPr>
@@ -4738,43 +4880,38 @@
             <p:ph type="title"/>
           </p:nvPr>
         </p:nvSpPr>
+        <p:spPr/>
+        <p:txBody>
+          <a:bodyPr/>
+          <a:lstStyle/>
+          <a:p>
+            <a:r>
+              <a:rPr lang="en-US" dirty="0"/>
+              <a:t>Median</a:t>
+            </a:r>
+          </a:p>
+        </p:txBody>
+      </p:sp>
+      <p:sp>
+        <p:nvSpPr>
+          <p:cNvPr id="3" name="Content Placeholder 2">
+            <a:extLst>
+              <a:ext uri="{FF2B5EF4-FFF2-40B4-BE49-F238E27FC236}">
+                <a16:creationId xmlns:a16="http://schemas.microsoft.com/office/drawing/2014/main" id="{BE1EE9BF-022B-B5BC-DDEF-B866C6353735}"/>
+              </a:ext>
+            </a:extLst>
+          </p:cNvPr>
+          <p:cNvSpPr>
+            <a:spLocks noGrp="1"/>
+          </p:cNvSpPr>
+          <p:nvPr>
+            <p:ph idx="1"/>
+          </p:nvPr>
+        </p:nvSpPr>
         <p:spPr>
           <a:xfrm>
-            <a:off x="1901945" y="804519"/>
-            <a:ext cx="9152909" cy="1049235"/>
-          </a:xfrm>
-        </p:spPr>
-        <p:txBody>
-          <a:bodyPr/>
-          <a:lstStyle/>
-          <a:p>
-            <a:r>
-              <a:rPr lang="en-US" dirty="0"/>
-              <a:t>IQR and Ranges</a:t>
-            </a:r>
-          </a:p>
-        </p:txBody>
-      </p:sp>
-      <p:sp>
-        <p:nvSpPr>
-          <p:cNvPr id="3" name="Content Placeholder 2">
-            <a:extLst>
-              <a:ext uri="{FF2B5EF4-FFF2-40B4-BE49-F238E27FC236}">
-                <a16:creationId xmlns:a16="http://schemas.microsoft.com/office/drawing/2014/main" id="{A44BF75D-4904-A93E-C59F-E34E576E3946}"/>
-              </a:ext>
-            </a:extLst>
-          </p:cNvPr>
-          <p:cNvSpPr>
-            <a:spLocks noGrp="1"/>
-          </p:cNvSpPr>
-          <p:nvPr>
-            <p:ph idx="1"/>
-          </p:nvPr>
-        </p:nvSpPr>
-        <p:spPr>
-          <a:xfrm>
-            <a:off x="752623" y="1853754"/>
-            <a:ext cx="6306546" cy="4199727"/>
+            <a:off x="7534656" y="1944414"/>
+            <a:ext cx="4657344" cy="4109067"/>
           </a:xfrm>
         </p:spPr>
         <p:txBody>
@@ -4785,69 +4922,50 @@
           <a:p>
             <a:r>
               <a:rPr lang="en-US" dirty="0"/>
-              <a:t>Can also use percentile for IQR – interquartile range. </a:t>
-            </a:r>
-          </a:p>
-          <a:p>
-            <a:r>
-              <a:rPr lang="en-US" dirty="0"/>
-              <a:t>Common in stats to get an idea of “the typical value”. </a:t>
+              <a:t>The median is one special percentile – the value in the middle. </a:t>
+            </a:r>
+          </a:p>
+          <a:p>
+            <a:r>
+              <a:rPr lang="en-US" dirty="0"/>
+              <a:t>Often represents the center of data better than mean. </a:t>
             </a:r>
           </a:p>
           <a:p>
             <a:pPr lvl="1"/>
             <a:r>
               <a:rPr lang="en-US" dirty="0"/>
-              <a:t>E.g. the IQR of income kind of mirrors the ”middle class”. </a:t>
-            </a:r>
-          </a:p>
-          <a:p>
-            <a:r>
-              <a:rPr lang="en-US" dirty="0"/>
-              <a:t>There’s other ranges, but the idea is the same.</a:t>
-            </a:r>
-          </a:p>
-          <a:p>
-            <a:pPr lvl="1"/>
-            <a:r>
-              <a:rPr lang="en-US" dirty="0"/>
-              <a:t>E.g. middle 3 of 5 quintiles. </a:t>
-            </a:r>
-          </a:p>
-          <a:p>
-            <a:r>
-              <a:rPr lang="en-US" dirty="0"/>
-              <a:t>Can also help with automated outlier ident./filter. </a:t>
-            </a:r>
-          </a:p>
-          <a:p>
-            <a:pPr lvl="1"/>
-            <a:r>
-              <a:rPr lang="en-US" dirty="0"/>
-              <a:t>N multiple of IQR as a cutoff. </a:t>
-            </a:r>
-          </a:p>
-          <a:p>
-            <a:pPr lvl="1"/>
-            <a:r>
-              <a:rPr lang="en-US" dirty="0"/>
-              <a:t>Smart filtering based on the actual data. </a:t>
-            </a:r>
-          </a:p>
-          <a:p>
-            <a:r>
-              <a:rPr lang="en-US" dirty="0"/>
-              <a:t>What if the data is not normal…</a:t>
+              <a:t>Especially in cases of odd distribution patterns – outliers, skew, </a:t>
+            </a:r>
+            <a:r>
+              <a:rPr lang="en-US" dirty="0" err="1"/>
+              <a:t>etc</a:t>
+            </a:r>
+            <a:r>
+              <a:rPr lang="en-US" dirty="0"/>
+              <a:t>…</a:t>
+            </a:r>
+          </a:p>
+          <a:p>
+            <a:r>
+              <a:rPr lang="en-US" dirty="0"/>
+              <a:t>In analysis we may sometimes take the median in place of mean. </a:t>
+            </a:r>
+          </a:p>
+          <a:p>
+            <a:r>
+              <a:rPr lang="en-US" dirty="0"/>
+              <a:t>In normal data, mean and median (and mode) are the same. </a:t>
             </a:r>
           </a:p>
         </p:txBody>
       </p:sp>
       <p:pic>
         <p:nvPicPr>
-          <p:cNvPr id="6148" name="Picture 4" descr="المدى الربيعي - ويكيبيديا">
+          <p:cNvPr id="9218" name="Picture 2" descr="Measures of Central Value: Mean, Median, Mode &amp; Others : Plantlet">
             <a:extLst>
               <a:ext uri="{FF2B5EF4-FFF2-40B4-BE49-F238E27FC236}">
-                <a16:creationId xmlns:a16="http://schemas.microsoft.com/office/drawing/2014/main" id="{F354696C-261F-CAE7-9D3C-BCAD0D2D2F96}"/>
+                <a16:creationId xmlns:a16="http://schemas.microsoft.com/office/drawing/2014/main" id="{D994CA42-487B-38CE-3A5A-D851ADA49C0A}"/>
               </a:ext>
             </a:extLst>
           </p:cNvPr>
@@ -4864,15 +4982,15 @@
               </a:ext>
             </a:extLst>
           </a:blip>
-          <a:srcRect b="30259"/>
+          <a:srcRect l="2602" t="15478" r="4406"/>
           <a:stretch>
             <a:fillRect/>
           </a:stretch>
         </p:blipFill>
         <p:spPr bwMode="auto">
           <a:xfrm>
-            <a:off x="6963863" y="1966321"/>
-            <a:ext cx="5228137" cy="3974592"/>
+            <a:off x="0" y="1716278"/>
+            <a:ext cx="7534656" cy="5141722"/>
           </a:xfrm>
           <a:prstGeom prst="rect">
             <a:avLst/>
@@ -4892,7 +5010,7 @@
     </p:spTree>
     <p:extLst>
       <p:ext uri="{BB962C8B-B14F-4D97-AF65-F5344CB8AC3E}">
-        <p14:creationId xmlns:p14="http://schemas.microsoft.com/office/powerpoint/2010/main" val="807640186"/>
+        <p14:creationId xmlns:p14="http://schemas.microsoft.com/office/powerpoint/2010/main" val="3464893197"/>
       </p:ext>
     </p:extLst>
   </p:cSld>
@@ -4924,7 +5042,7 @@
           <p:cNvPr id="2" name="Title 1">
             <a:extLst>
               <a:ext uri="{FF2B5EF4-FFF2-40B4-BE49-F238E27FC236}">
-                <a16:creationId xmlns:a16="http://schemas.microsoft.com/office/drawing/2014/main" id="{33393461-225F-19F1-A44C-0AC08ADAE633}"/>
+                <a16:creationId xmlns:a16="http://schemas.microsoft.com/office/drawing/2014/main" id="{75214B11-A938-CA4F-6A6F-ABF276E31D6C}"/>
               </a:ext>
             </a:extLst>
           </p:cNvPr>
@@ -4935,14 +5053,19 @@
             <p:ph type="title"/>
           </p:nvPr>
         </p:nvSpPr>
-        <p:spPr/>
-        <p:txBody>
-          <a:bodyPr/>
-          <a:lstStyle/>
-          <a:p>
-            <a:r>
-              <a:rPr lang="en-US" dirty="0"/>
-              <a:t>Side Note - Parametric</a:t>
+        <p:spPr>
+          <a:xfrm>
+            <a:off x="1901945" y="804519"/>
+            <a:ext cx="9152909" cy="1049235"/>
+          </a:xfrm>
+        </p:spPr>
+        <p:txBody>
+          <a:bodyPr/>
+          <a:lstStyle/>
+          <a:p>
+            <a:r>
+              <a:rPr lang="en-US" dirty="0"/>
+              <a:t>IQR and Ranges</a:t>
             </a:r>
           </a:p>
         </p:txBody>
@@ -4952,7 +5075,7 @@
           <p:cNvPr id="3" name="Content Placeholder 2">
             <a:extLst>
               <a:ext uri="{FF2B5EF4-FFF2-40B4-BE49-F238E27FC236}">
-                <a16:creationId xmlns:a16="http://schemas.microsoft.com/office/drawing/2014/main" id="{F966D8BC-5315-1AE5-0CA2-16F3BE5FCD07}"/>
+                <a16:creationId xmlns:a16="http://schemas.microsoft.com/office/drawing/2014/main" id="{A44BF75D-4904-A93E-C59F-E34E576E3946}"/>
               </a:ext>
             </a:extLst>
           </p:cNvPr>
@@ -4965,8 +5088,8 @@
         </p:nvSpPr>
         <p:spPr>
           <a:xfrm>
-            <a:off x="4174375" y="1853754"/>
-            <a:ext cx="8017625" cy="4199727"/>
+            <a:off x="752623" y="1853754"/>
+            <a:ext cx="6306546" cy="4199727"/>
           </a:xfrm>
         </p:spPr>
         <p:txBody>
@@ -4977,81 +5100,69 @@
           <a:p>
             <a:r>
               <a:rPr lang="en-US" dirty="0"/>
-              <a:t>In stats we often use the term parametric, often with tests – z, t, </a:t>
-            </a:r>
-            <a:r>
-              <a:rPr lang="en-US" dirty="0" err="1"/>
-              <a:t>etc</a:t>
-            </a:r>
-            <a:r>
-              <a:rPr lang="en-US" dirty="0"/>
-              <a:t>…</a:t>
-            </a:r>
-          </a:p>
-          <a:p>
-            <a:r>
-              <a:rPr lang="en-US" dirty="0"/>
-              <a:t>Means that there are some assumptions about the population data. </a:t>
+              <a:t>Can also use percentile for IQR – interquartile range. </a:t>
+            </a:r>
+          </a:p>
+          <a:p>
+            <a:r>
+              <a:rPr lang="en-US" dirty="0"/>
+              <a:t>Common in stats to get an idea of “the typical value”. </a:t>
             </a:r>
           </a:p>
           <a:p>
             <a:pPr lvl="1"/>
             <a:r>
               <a:rPr lang="en-US" dirty="0"/>
-              <a:t>In most cases that means we use things that assume data is normal. </a:t>
+              <a:t>E.g. the IQR of income kind of mirrors the ”middle class”. </a:t>
+            </a:r>
+          </a:p>
+          <a:p>
+            <a:r>
+              <a:rPr lang="en-US" dirty="0"/>
+              <a:t>There’s other ranges, but the idea is the same.</a:t>
             </a:r>
           </a:p>
           <a:p>
             <a:pPr lvl="1"/>
             <a:r>
               <a:rPr lang="en-US" dirty="0"/>
-              <a:t>E.g. normality gives us the distribution of values by standard deviation. </a:t>
-            </a:r>
-          </a:p>
-          <a:p>
-            <a:r>
-              <a:rPr lang="en-US" dirty="0"/>
-              <a:t>Hypothesis testing, effect size, </a:t>
-            </a:r>
-            <a:r>
-              <a:rPr lang="en-US" dirty="0" err="1"/>
-              <a:t>etc</a:t>
-            </a:r>
-            <a:r>
-              <a:rPr lang="en-US" dirty="0"/>
-              <a:t>… are all parametric. </a:t>
-            </a:r>
-          </a:p>
-          <a:p>
-            <a:r>
-              <a:rPr lang="en-US" dirty="0"/>
-              <a:t>The assumptions allow for more powerful/insightful methods than non-parametric. </a:t>
+              <a:t>E.g. middle 3 of 5 quintiles. </a:t>
+            </a:r>
+          </a:p>
+          <a:p>
+            <a:r>
+              <a:rPr lang="en-US" dirty="0"/>
+              <a:t>Can also help with automated outlier ident./filter. </a:t>
             </a:r>
           </a:p>
           <a:p>
             <a:pPr lvl="1"/>
             <a:r>
               <a:rPr lang="en-US" dirty="0"/>
-              <a:t>We can base rules off of those assumptions. </a:t>
-            </a:r>
-          </a:p>
-          <a:p>
-            <a:r>
-              <a:rPr lang="en-US" dirty="0"/>
-              <a:t>Will still work with ‘bad’ data, but results get less reliable. </a:t>
-            </a:r>
-          </a:p>
-          <a:p>
-            <a:endParaRPr lang="en-US" dirty="0"/>
+              <a:t>N multiple of IQR as a cutoff. </a:t>
+            </a:r>
+          </a:p>
+          <a:p>
+            <a:pPr lvl="1"/>
+            <a:r>
+              <a:rPr lang="en-US" dirty="0"/>
+              <a:t>Smart filtering based on the actual data. </a:t>
+            </a:r>
+          </a:p>
+          <a:p>
+            <a:r>
+              <a:rPr lang="en-US" dirty="0"/>
+              <a:t>What if the data is not normal…</a:t>
+            </a:r>
           </a:p>
         </p:txBody>
       </p:sp>
       <p:pic>
         <p:nvPicPr>
-          <p:cNvPr id="12290" name="Picture 2" descr="Parametric vs Non-Parametric Test: Choosing the Right Test">
+          <p:cNvPr id="6148" name="Picture 4" descr="المدى الربيعي - ويكيبيديا">
             <a:extLst>
               <a:ext uri="{FF2B5EF4-FFF2-40B4-BE49-F238E27FC236}">
-                <a16:creationId xmlns:a16="http://schemas.microsoft.com/office/drawing/2014/main" id="{AD951AB2-2E6D-A2BA-AB33-9F5CCB50BADB}"/>
+                <a16:creationId xmlns:a16="http://schemas.microsoft.com/office/drawing/2014/main" id="{F354696C-261F-CAE7-9D3C-BCAD0D2D2F96}"/>
               </a:ext>
             </a:extLst>
           </p:cNvPr>
@@ -5068,15 +5179,15 @@
               </a:ext>
             </a:extLst>
           </a:blip>
-          <a:srcRect l="6877" r="5396"/>
+          <a:srcRect b="30259"/>
           <a:stretch>
             <a:fillRect/>
           </a:stretch>
         </p:blipFill>
         <p:spPr bwMode="auto">
           <a:xfrm>
-            <a:off x="0" y="2367485"/>
-            <a:ext cx="4174375" cy="3172265"/>
+            <a:off x="6963863" y="1966321"/>
+            <a:ext cx="5228137" cy="3974592"/>
           </a:xfrm>
           <a:prstGeom prst="rect">
             <a:avLst/>
@@ -5096,7 +5207,7 @@
     </p:spTree>
     <p:extLst>
       <p:ext uri="{BB962C8B-B14F-4D97-AF65-F5344CB8AC3E}">
-        <p14:creationId xmlns:p14="http://schemas.microsoft.com/office/powerpoint/2010/main" val="705780230"/>
+        <p14:creationId xmlns:p14="http://schemas.microsoft.com/office/powerpoint/2010/main" val="807640186"/>
       </p:ext>
     </p:extLst>
   </p:cSld>
@@ -5128,7 +5239,7 @@
           <p:cNvPr id="2" name="Title 1">
             <a:extLst>
               <a:ext uri="{FF2B5EF4-FFF2-40B4-BE49-F238E27FC236}">
-                <a16:creationId xmlns:a16="http://schemas.microsoft.com/office/drawing/2014/main" id="{38BA1964-43FF-4CAB-1F8D-A75F56C39C9E}"/>
+                <a16:creationId xmlns:a16="http://schemas.microsoft.com/office/drawing/2014/main" id="{33393461-225F-19F1-A44C-0AC08ADAE633}"/>
               </a:ext>
             </a:extLst>
           </p:cNvPr>
@@ -5146,7 +5257,7 @@
           <a:p>
             <a:r>
               <a:rPr lang="en-US" dirty="0"/>
-              <a:t>Conclusion</a:t>
+              <a:t>Side Note - Parametric</a:t>
             </a:r>
           </a:p>
         </p:txBody>
@@ -5156,7 +5267,7 @@
           <p:cNvPr id="3" name="Content Placeholder 2">
             <a:extLst>
               <a:ext uri="{FF2B5EF4-FFF2-40B4-BE49-F238E27FC236}">
-                <a16:creationId xmlns:a16="http://schemas.microsoft.com/office/drawing/2014/main" id="{0199CB01-C116-CADB-3BBD-42289FD78B21}"/>
+                <a16:creationId xmlns:a16="http://schemas.microsoft.com/office/drawing/2014/main" id="{F966D8BC-5315-1AE5-0CA2-16F3BE5FCD07}"/>
               </a:ext>
             </a:extLst>
           </p:cNvPr>
@@ -5169,87 +5280,93 @@
         </p:nvSpPr>
         <p:spPr>
           <a:xfrm>
-            <a:off x="1451580" y="1853754"/>
-            <a:ext cx="8178150" cy="4199727"/>
-          </a:xfrm>
-        </p:spPr>
-        <p:txBody>
-          <a:bodyPr/>
-          <a:lstStyle/>
-          <a:p>
-            <a:r>
-              <a:rPr lang="en-US" dirty="0"/>
-              <a:t>Histograms, </a:t>
+            <a:off x="4174375" y="1853754"/>
+            <a:ext cx="8017625" cy="4199727"/>
+          </a:xfrm>
+        </p:spPr>
+        <p:txBody>
+          <a:bodyPr>
+            <a:normAutofit/>
+          </a:bodyPr>
+          <a:lstStyle/>
+          <a:p>
+            <a:r>
+              <a:rPr lang="en-US" dirty="0"/>
+              <a:t>In stats we often use the term parametric, often with tests – z, t, </a:t>
             </a:r>
             <a:r>
               <a:rPr lang="en-US" dirty="0" err="1"/>
-              <a:t>pmf</a:t>
-            </a:r>
-            <a:r>
-              <a:rPr lang="en-US" dirty="0"/>
-              <a:t>, pdf, mean, all look at raw data values row by row. </a:t>
+              <a:t>etc</a:t>
+            </a:r>
+            <a:r>
+              <a:rPr lang="en-US" dirty="0"/>
+              <a:t>…</a:t>
+            </a:r>
+          </a:p>
+          <a:p>
+            <a:r>
+              <a:rPr lang="en-US" dirty="0"/>
+              <a:t>Means that there are some assumptions about the population data. </a:t>
             </a:r>
           </a:p>
           <a:p>
             <a:pPr lvl="1"/>
             <a:r>
               <a:rPr lang="en-US" dirty="0"/>
-              <a:t>How many things do I have/expect at each value. </a:t>
-            </a:r>
-          </a:p>
-          <a:p>
-            <a:r>
-              <a:rPr lang="en-US" dirty="0"/>
-              <a:t>CDF, percentiles, and median look at ordering/rank within a group. </a:t>
+              <a:t>In most cases that means we use things that assume data is normal. </a:t>
             </a:r>
           </a:p>
           <a:p>
             <a:pPr lvl="1"/>
             <a:r>
               <a:rPr lang="en-US" dirty="0"/>
-              <a:t>Of the things I have, where each this positioned. </a:t>
+              <a:t>E.g. normality gives us the distribution of values by standard deviation. </a:t>
+            </a:r>
+          </a:p>
+          <a:p>
+            <a:r>
+              <a:rPr lang="en-US" dirty="0"/>
+              <a:t>Hypothesis testing, effect size, </a:t>
+            </a:r>
+            <a:r>
+              <a:rPr lang="en-US" dirty="0" err="1"/>
+              <a:t>etc</a:t>
+            </a:r>
+            <a:r>
+              <a:rPr lang="en-US" dirty="0"/>
+              <a:t>… are all parametric. </a:t>
+            </a:r>
+          </a:p>
+          <a:p>
+            <a:r>
+              <a:rPr lang="en-US" dirty="0"/>
+              <a:t>The assumptions allow for more powerful/insightful methods than non-parametric. </a:t>
             </a:r>
           </a:p>
           <a:p>
             <a:pPr lvl="1"/>
             <a:r>
               <a:rPr lang="en-US" dirty="0"/>
-              <a:t>Tend to be outlier resistant. </a:t>
-            </a:r>
-          </a:p>
-          <a:p>
-            <a:r>
-              <a:rPr lang="en-US" dirty="0"/>
-              <a:t>Each presents a different interpretation of the same data. </a:t>
-            </a:r>
-          </a:p>
-          <a:p>
-            <a:r>
-              <a:rPr lang="en-US" dirty="0"/>
-              <a:t>Depending on what we need, either may be useful – context dependent. </a:t>
-            </a:r>
-          </a:p>
-          <a:p>
-            <a:r>
-              <a:rPr lang="en-US" dirty="0"/>
-              <a:t>When looking at large amounts of data, the interpretation chosen matters. </a:t>
-            </a:r>
-          </a:p>
-          <a:p>
-            <a:pPr lvl="1"/>
-            <a:r>
-              <a:rPr lang="en-US" dirty="0"/>
-              <a:t>“Incomes are up”, but what actually is…</a:t>
-            </a:r>
+              <a:t>We can base rules off of those assumptions. </a:t>
+            </a:r>
+          </a:p>
+          <a:p>
+            <a:r>
+              <a:rPr lang="en-US" dirty="0"/>
+              <a:t>Will still work with ‘bad’ data, but results get less reliable. </a:t>
+            </a:r>
+          </a:p>
+          <a:p>
+            <a:endParaRPr lang="en-US" dirty="0"/>
           </a:p>
         </p:txBody>
       </p:sp>
       <p:pic>
         <p:nvPicPr>
-          <p:cNvPr id="4" name="Picture 2" descr="Lies, Damn Lies, And Statistics: The Manipulation Of Public Opinion In  America by Michael A. Wheeler | Goodreads">
+          <p:cNvPr id="12290" name="Picture 2" descr="Parametric vs Non-Parametric Test: Choosing the Right Test">
             <a:extLst>
               <a:ext uri="{FF2B5EF4-FFF2-40B4-BE49-F238E27FC236}">
-                <a16:creationId xmlns:a16="http://schemas.microsoft.com/office/drawing/2014/main" id="{1A285CC7-A518-22E5-B08F-EF80C2E03BE0}"/>
+                <a16:creationId xmlns:a16="http://schemas.microsoft.com/office/drawing/2014/main" id="{AD951AB2-2E6D-A2BA-AB33-9F5CCB50BADB}"/>
               </a:ext>
             </a:extLst>
           </p:cNvPr>
@@ -5258,7 +5375,7 @@
           </p:cNvPicPr>
           <p:nvPr/>
         </p:nvPicPr>
-        <p:blipFill>
+        <p:blipFill rotWithShape="1">
           <a:blip r:embed="rId2">
             <a:extLst>
               <a:ext uri="{28A0092B-C50C-407E-A947-70E740481C1C}">
@@ -5266,15 +5383,15 @@
               </a:ext>
             </a:extLst>
           </a:blip>
-          <a:srcRect/>
+          <a:srcRect l="6877" r="5396"/>
           <a:stretch>
             <a:fillRect/>
           </a:stretch>
         </p:blipFill>
         <p:spPr bwMode="auto">
           <a:xfrm>
-            <a:off x="9629729" y="1584960"/>
-            <a:ext cx="2562271" cy="4328160"/>
+            <a:off x="0" y="2367485"/>
+            <a:ext cx="4174375" cy="3172265"/>
           </a:xfrm>
           <a:prstGeom prst="rect">
             <a:avLst/>
@@ -5294,7 +5411,7 @@
     </p:spTree>
     <p:extLst>
       <p:ext uri="{BB962C8B-B14F-4D97-AF65-F5344CB8AC3E}">
-        <p14:creationId xmlns:p14="http://schemas.microsoft.com/office/powerpoint/2010/main" val="2939466775"/>
+        <p14:creationId xmlns:p14="http://schemas.microsoft.com/office/powerpoint/2010/main" val="705780230"/>
       </p:ext>
     </p:extLst>
   </p:cSld>
@@ -5326,7 +5443,7 @@
           <p:cNvPr id="2" name="Title 1">
             <a:extLst>
               <a:ext uri="{FF2B5EF4-FFF2-40B4-BE49-F238E27FC236}">
-                <a16:creationId xmlns:a16="http://schemas.microsoft.com/office/drawing/2014/main" id="{DA85954A-4EF4-2B35-1E54-756F221C24D7}"/>
+                <a16:creationId xmlns:a16="http://schemas.microsoft.com/office/drawing/2014/main" id="{53F26E1C-5C38-447C-2FCB-6F7F860DEFA4}"/>
               </a:ext>
             </a:extLst>
           </p:cNvPr>
@@ -5343,8 +5460,12 @@
           <a:lstStyle/>
           <a:p>
             <a:r>
-              <a:rPr lang="en-US" dirty="0"/>
-              <a:t>Bonus – Arrays!</a:t>
+              <a:rPr lang="en-US"/>
+              <a:t>For later - Distributions </a:t>
+            </a:r>
+            <a:r>
+              <a:rPr lang="en-US" dirty="0"/>
+              <a:t>and Probability</a:t>
             </a:r>
           </a:p>
         </p:txBody>
@@ -5354,7 +5475,7 @@
           <p:cNvPr id="3" name="Content Placeholder 2">
             <a:extLst>
               <a:ext uri="{FF2B5EF4-FFF2-40B4-BE49-F238E27FC236}">
-                <a16:creationId xmlns:a16="http://schemas.microsoft.com/office/drawing/2014/main" id="{EE01506C-407C-0D11-DBFC-199CBDF46F49}"/>
+                <a16:creationId xmlns:a16="http://schemas.microsoft.com/office/drawing/2014/main" id="{4FD2D027-4BE1-86BE-8E10-9C320F447C5C}"/>
               </a:ext>
             </a:extLst>
           </p:cNvPr>
@@ -5365,104 +5486,41 @@
             <p:ph idx="1"/>
           </p:nvPr>
         </p:nvSpPr>
-        <p:spPr>
-          <a:xfrm>
-            <a:off x="1451579" y="1853754"/>
-            <a:ext cx="9603275" cy="4199728"/>
-          </a:xfrm>
-        </p:spPr>
-        <p:txBody>
-          <a:bodyPr/>
-          <a:lstStyle/>
-          <a:p>
-            <a:r>
-              <a:rPr lang="en-US" dirty="0"/>
-              <a:t>For this workbook we’ll look at arrays. </a:t>
+        <p:spPr/>
+        <p:txBody>
+          <a:bodyPr/>
+          <a:lstStyle/>
+          <a:p>
+            <a:r>
+              <a:rPr lang="en-US" dirty="0"/>
+              <a:t>When we count data we can create an empirical distribution. </a:t>
+            </a:r>
+          </a:p>
+          <a:p>
+            <a:r>
+              <a:rPr lang="en-US" dirty="0"/>
+              <a:t>Once we have a distribution, we can also think of its relationship with random data. </a:t>
             </a:r>
           </a:p>
           <a:p>
             <a:pPr lvl="1"/>
             <a:r>
               <a:rPr lang="en-US" dirty="0"/>
-              <a:t>You’ll do this in more detail in the programming class, but these are common. </a:t>
-            </a:r>
-          </a:p>
-          <a:p>
-            <a:r>
-              <a:rPr lang="en-US" dirty="0"/>
-              <a:t>An array is roughly a fixed length/type list – one type, set length. </a:t>
-            </a:r>
-          </a:p>
-          <a:p>
-            <a:pPr lvl="1"/>
-            <a:r>
-              <a:rPr lang="en-US" dirty="0"/>
-              <a:t>We can refer to a position via an index in square bracket – e.g. </a:t>
-            </a:r>
-            <a:r>
-              <a:rPr lang="en-US" dirty="0" err="1"/>
-              <a:t>my_list</a:t>
-            </a:r>
-            <a:r>
-              <a:rPr lang="en-US" dirty="0"/>
-              <a:t>[7]</a:t>
-            </a:r>
-          </a:p>
-          <a:p>
-            <a:pPr lvl="1"/>
-            <a:r>
-              <a:rPr lang="en-US" dirty="0"/>
-              <a:t>No ‘appending’, every item goes to a preexisting spot. </a:t>
-            </a:r>
-          </a:p>
-          <a:p>
-            <a:pPr lvl="1"/>
-            <a:r>
-              <a:rPr lang="en-US" dirty="0"/>
-              <a:t>Pandas specific functions don’t apply - .info(), .mean(), </a:t>
-            </a:r>
-            <a:r>
-              <a:rPr lang="en-US" dirty="0" err="1"/>
-              <a:t>etc</a:t>
-            </a:r>
-            <a:r>
-              <a:rPr lang="en-US" dirty="0"/>
-              <a:t>… are ‘part of’ pandas. </a:t>
-            </a:r>
-          </a:p>
-          <a:p>
-            <a:r>
-              <a:rPr lang="en-US" dirty="0"/>
-              <a:t>Otherwise, they are mostly interchangeable. </a:t>
-            </a:r>
-          </a:p>
-          <a:p>
-            <a:pPr lvl="1"/>
-            <a:r>
-              <a:rPr lang="en-US" dirty="0"/>
-              <a:t>We’ll use arrays here to get some exposure – we commonly </a:t>
-            </a:r>
-            <a:r>
-              <a:rPr lang="en-US"/>
-              <a:t>mix container </a:t>
-            </a:r>
-            <a:r>
-              <a:rPr lang="en-US" dirty="0"/>
-              <a:t>types. </a:t>
-            </a:r>
-          </a:p>
-          <a:p>
-            <a:pPr lvl="1"/>
-            <a:r>
-              <a:rPr lang="en-US" dirty="0"/>
-              <a:t>Many/most functions we use implement ‘duck typing’ and can be used interchangeably. </a:t>
-            </a:r>
-          </a:p>
-          <a:p>
-            <a:pPr lvl="1"/>
-            <a:r>
-              <a:rPr lang="en-US" dirty="0"/>
-              <a:t>You can always convert if confused – make it work, then make it elegant. </a:t>
+              <a:t>If we generate a random value </a:t>
+            </a:r>
+            <a:r>
+              <a:rPr lang="en-US" i="1" dirty="0"/>
+              <a:t>following</a:t>
+            </a:r>
+            <a:r>
+              <a:rPr lang="en-US" dirty="0"/>
+              <a:t> a distribution pattern, what do we get? </a:t>
+            </a:r>
+          </a:p>
+          <a:p>
+            <a:r>
+              <a:rPr lang="en-US" dirty="0"/>
+              <a:t>Capture data, establish distribution, use to project/simulate/predict…</a:t>
             </a:r>
           </a:p>
         </p:txBody>
@@ -5470,7 +5528,7 @@
     </p:spTree>
     <p:extLst>
       <p:ext uri="{BB962C8B-B14F-4D97-AF65-F5344CB8AC3E}">
-        <p14:creationId xmlns:p14="http://schemas.microsoft.com/office/powerpoint/2010/main" val="3861978449"/>
+        <p14:creationId xmlns:p14="http://schemas.microsoft.com/office/powerpoint/2010/main" val="1018644622"/>
       </p:ext>
     </p:extLst>
   </p:cSld>
@@ -5502,7 +5560,7 @@
           <p:cNvPr id="2" name="Title 1">
             <a:extLst>
               <a:ext uri="{FF2B5EF4-FFF2-40B4-BE49-F238E27FC236}">
-                <a16:creationId xmlns:a16="http://schemas.microsoft.com/office/drawing/2014/main" id="{885A0B89-2C12-2DDE-4861-1D9C254F216B}"/>
+                <a16:creationId xmlns:a16="http://schemas.microsoft.com/office/drawing/2014/main" id="{4F08C3E1-1EDA-27BB-062D-4BFD559FC8F3}"/>
               </a:ext>
             </a:extLst>
           </p:cNvPr>
@@ -5510,7 +5568,7 @@
             <a:spLocks noGrp="1"/>
           </p:cNvSpPr>
           <p:nvPr>
-            <p:ph type="title"/>
+            <p:ph type="ctrTitle"/>
           </p:nvPr>
         </p:nvSpPr>
         <p:spPr/>
@@ -5520,17 +5578,17 @@
           <a:p>
             <a:r>
               <a:rPr lang="en-US" dirty="0"/>
-              <a:t>Distribution Charting</a:t>
-            </a:r>
-          </a:p>
-        </p:txBody>
-      </p:sp>
-      <p:sp>
-        <p:nvSpPr>
-          <p:cNvPr id="3" name="Content Placeholder 2">
+              <a:t>Cumulative Distributions</a:t>
+            </a:r>
+          </a:p>
+        </p:txBody>
+      </p:sp>
+      <p:sp>
+        <p:nvSpPr>
+          <p:cNvPr id="3" name="Subtitle 2">
             <a:extLst>
               <a:ext uri="{FF2B5EF4-FFF2-40B4-BE49-F238E27FC236}">
-                <a16:creationId xmlns:a16="http://schemas.microsoft.com/office/drawing/2014/main" id="{876BA8D8-43A1-8291-FAEF-5C14A1F28D08}"/>
+                <a16:creationId xmlns:a16="http://schemas.microsoft.com/office/drawing/2014/main" id="{3764B1B1-BBBA-5A07-E294-718FFA7E2C72}"/>
               </a:ext>
             </a:extLst>
           </p:cNvPr>
@@ -5538,94 +5596,22 @@
             <a:spLocks noGrp="1"/>
           </p:cNvSpPr>
           <p:nvPr>
-            <p:ph idx="1"/>
-          </p:nvPr>
-        </p:nvSpPr>
-        <p:spPr>
-          <a:xfrm>
-            <a:off x="1451579" y="1853754"/>
-            <a:ext cx="9603275" cy="1211215"/>
-          </a:xfrm>
-        </p:spPr>
-        <p:txBody>
-          <a:bodyPr/>
-          <a:lstStyle/>
-          <a:p>
-            <a:r>
-              <a:rPr lang="en-US" dirty="0"/>
-              <a:t>We normally plot distributions using a histogram or some histogram-</a:t>
-            </a:r>
-            <a:r>
-              <a:rPr lang="en-US" dirty="0" err="1"/>
-              <a:t>esqe</a:t>
-            </a:r>
-            <a:r>
-              <a:rPr lang="en-US" dirty="0"/>
-              <a:t> plot. </a:t>
-            </a:r>
-          </a:p>
-          <a:p>
-            <a:r>
-              <a:rPr lang="en-US" dirty="0"/>
-              <a:t>This shows how many results occur ‘here’.</a:t>
-            </a:r>
-          </a:p>
-          <a:p>
-            <a:endParaRPr lang="en-US" dirty="0"/>
-          </a:p>
-        </p:txBody>
-      </p:sp>
-      <p:pic>
-        <p:nvPicPr>
-          <p:cNvPr id="1026" name="Picture 2" descr="plot - Plotting Probability Density / Mass Function of Dataset in R - Stack  Overflow">
-            <a:extLst>
-              <a:ext uri="{FF2B5EF4-FFF2-40B4-BE49-F238E27FC236}">
-                <a16:creationId xmlns:a16="http://schemas.microsoft.com/office/drawing/2014/main" id="{BDAA8516-73A9-A9A2-04F1-D518B3751CF1}"/>
-              </a:ext>
-            </a:extLst>
-          </p:cNvPr>
-          <p:cNvPicPr>
-            <a:picLocks noChangeAspect="1" noChangeArrowheads="1"/>
-          </p:cNvPicPr>
-          <p:nvPr/>
-        </p:nvPicPr>
-        <p:blipFill>
-          <a:blip r:embed="rId2">
-            <a:extLst>
-              <a:ext uri="{28A0092B-C50C-407E-A947-70E740481C1C}">
-                <a14:useLocalDpi xmlns:a14="http://schemas.microsoft.com/office/drawing/2010/main" val="0"/>
-              </a:ext>
-            </a:extLst>
-          </a:blip>
-          <a:srcRect/>
-          <a:stretch>
-            <a:fillRect/>
-          </a:stretch>
-        </p:blipFill>
-        <p:spPr bwMode="auto">
-          <a:xfrm>
-            <a:off x="2796102" y="3064969"/>
-            <a:ext cx="6599796" cy="3750143"/>
-          </a:xfrm>
-          <a:prstGeom prst="rect">
-            <a:avLst/>
-          </a:prstGeom>
-          <a:noFill/>
-          <a:extLst>
-            <a:ext uri="{909E8E84-426E-40DD-AFC4-6F175D3DCCD1}">
-              <a14:hiddenFill xmlns:a14="http://schemas.microsoft.com/office/drawing/2010/main">
-                <a:solidFill>
-                  <a:srgbClr val="FFFFFF"/>
-                </a:solidFill>
-              </a14:hiddenFill>
-            </a:ext>
-          </a:extLst>
-        </p:spPr>
-      </p:pic>
+            <p:ph type="subTitle" idx="1"/>
+          </p:nvPr>
+        </p:nvSpPr>
+        <p:spPr/>
+        <p:txBody>
+          <a:bodyPr/>
+          <a:lstStyle/>
+          <a:p>
+            <a:endParaRPr lang="en-US"/>
+          </a:p>
+        </p:txBody>
+      </p:sp>
     </p:spTree>
     <p:extLst>
       <p:ext uri="{BB962C8B-B14F-4D97-AF65-F5344CB8AC3E}">
-        <p14:creationId xmlns:p14="http://schemas.microsoft.com/office/powerpoint/2010/main" val="3162348640"/>
+        <p14:creationId xmlns:p14="http://schemas.microsoft.com/office/powerpoint/2010/main" val="99064026"/>
       </p:ext>
     </p:extLst>
   </p:cSld>
@@ -5657,6 +5643,380 @@
           <p:cNvPr id="2" name="Title 1">
             <a:extLst>
               <a:ext uri="{FF2B5EF4-FFF2-40B4-BE49-F238E27FC236}">
+                <a16:creationId xmlns:a16="http://schemas.microsoft.com/office/drawing/2014/main" id="{38BA1964-43FF-4CAB-1F8D-A75F56C39C9E}"/>
+              </a:ext>
+            </a:extLst>
+          </p:cNvPr>
+          <p:cNvSpPr>
+            <a:spLocks noGrp="1"/>
+          </p:cNvSpPr>
+          <p:nvPr>
+            <p:ph type="title"/>
+          </p:nvPr>
+        </p:nvSpPr>
+        <p:spPr/>
+        <p:txBody>
+          <a:bodyPr/>
+          <a:lstStyle/>
+          <a:p>
+            <a:r>
+              <a:rPr lang="en-US" dirty="0"/>
+              <a:t>Conclusion</a:t>
+            </a:r>
+          </a:p>
+        </p:txBody>
+      </p:sp>
+      <p:sp>
+        <p:nvSpPr>
+          <p:cNvPr id="3" name="Content Placeholder 2">
+            <a:extLst>
+              <a:ext uri="{FF2B5EF4-FFF2-40B4-BE49-F238E27FC236}">
+                <a16:creationId xmlns:a16="http://schemas.microsoft.com/office/drawing/2014/main" id="{0199CB01-C116-CADB-3BBD-42289FD78B21}"/>
+              </a:ext>
+            </a:extLst>
+          </p:cNvPr>
+          <p:cNvSpPr>
+            <a:spLocks noGrp="1"/>
+          </p:cNvSpPr>
+          <p:nvPr>
+            <p:ph idx="1"/>
+          </p:nvPr>
+        </p:nvSpPr>
+        <p:spPr>
+          <a:xfrm>
+            <a:off x="1451580" y="1853754"/>
+            <a:ext cx="8178150" cy="4199727"/>
+          </a:xfrm>
+        </p:spPr>
+        <p:txBody>
+          <a:bodyPr/>
+          <a:lstStyle/>
+          <a:p>
+            <a:r>
+              <a:rPr lang="en-US" dirty="0"/>
+              <a:t>Histograms, </a:t>
+            </a:r>
+            <a:r>
+              <a:rPr lang="en-US" dirty="0" err="1"/>
+              <a:t>pmf</a:t>
+            </a:r>
+            <a:r>
+              <a:rPr lang="en-US" dirty="0"/>
+              <a:t>, pdf, mean, all look at raw data values row by row. </a:t>
+            </a:r>
+          </a:p>
+          <a:p>
+            <a:pPr lvl="1"/>
+            <a:r>
+              <a:rPr lang="en-US" dirty="0"/>
+              <a:t>How many things do I have/expect at each value. </a:t>
+            </a:r>
+          </a:p>
+          <a:p>
+            <a:r>
+              <a:rPr lang="en-US" dirty="0"/>
+              <a:t>CDF, percentiles, and median look at ordering/rank within a group. </a:t>
+            </a:r>
+          </a:p>
+          <a:p>
+            <a:pPr lvl="1"/>
+            <a:r>
+              <a:rPr lang="en-US" dirty="0"/>
+              <a:t>Of the things I have, where each this positioned. </a:t>
+            </a:r>
+          </a:p>
+          <a:p>
+            <a:pPr lvl="1"/>
+            <a:r>
+              <a:rPr lang="en-US" dirty="0"/>
+              <a:t>Tend to be outlier resistant. </a:t>
+            </a:r>
+          </a:p>
+          <a:p>
+            <a:r>
+              <a:rPr lang="en-US" dirty="0"/>
+              <a:t>Each presents a different interpretation of the same data. </a:t>
+            </a:r>
+          </a:p>
+          <a:p>
+            <a:r>
+              <a:rPr lang="en-US" dirty="0"/>
+              <a:t>Depending on what we need, either may be useful – context dependent. </a:t>
+            </a:r>
+          </a:p>
+          <a:p>
+            <a:r>
+              <a:rPr lang="en-US" dirty="0"/>
+              <a:t>When looking at large amounts of data, the interpretation chosen matters. </a:t>
+            </a:r>
+          </a:p>
+          <a:p>
+            <a:pPr lvl="1"/>
+            <a:r>
+              <a:rPr lang="en-US" dirty="0"/>
+              <a:t>“Incomes are up”, but what actually is…</a:t>
+            </a:r>
+          </a:p>
+        </p:txBody>
+      </p:sp>
+      <p:pic>
+        <p:nvPicPr>
+          <p:cNvPr id="4" name="Picture 2" descr="Lies, Damn Lies, And Statistics: The Manipulation Of Public Opinion In  America by Michael A. Wheeler | Goodreads">
+            <a:extLst>
+              <a:ext uri="{FF2B5EF4-FFF2-40B4-BE49-F238E27FC236}">
+                <a16:creationId xmlns:a16="http://schemas.microsoft.com/office/drawing/2014/main" id="{1A285CC7-A518-22E5-B08F-EF80C2E03BE0}"/>
+              </a:ext>
+            </a:extLst>
+          </p:cNvPr>
+          <p:cNvPicPr>
+            <a:picLocks noChangeAspect="1" noChangeArrowheads="1"/>
+          </p:cNvPicPr>
+          <p:nvPr/>
+        </p:nvPicPr>
+        <p:blipFill>
+          <a:blip r:embed="rId2">
+            <a:extLst>
+              <a:ext uri="{28A0092B-C50C-407E-A947-70E740481C1C}">
+                <a14:useLocalDpi xmlns:a14="http://schemas.microsoft.com/office/drawing/2010/main" val="0"/>
+              </a:ext>
+            </a:extLst>
+          </a:blip>
+          <a:srcRect/>
+          <a:stretch>
+            <a:fillRect/>
+          </a:stretch>
+        </p:blipFill>
+        <p:spPr bwMode="auto">
+          <a:xfrm>
+            <a:off x="9629729" y="1584960"/>
+            <a:ext cx="2562271" cy="4328160"/>
+          </a:xfrm>
+          <a:prstGeom prst="rect">
+            <a:avLst/>
+          </a:prstGeom>
+          <a:noFill/>
+          <a:extLst>
+            <a:ext uri="{909E8E84-426E-40DD-AFC4-6F175D3DCCD1}">
+              <a14:hiddenFill xmlns:a14="http://schemas.microsoft.com/office/drawing/2010/main">
+                <a:solidFill>
+                  <a:srgbClr val="FFFFFF"/>
+                </a:solidFill>
+              </a14:hiddenFill>
+            </a:ext>
+          </a:extLst>
+        </p:spPr>
+      </p:pic>
+    </p:spTree>
+    <p:extLst>
+      <p:ext uri="{BB962C8B-B14F-4D97-AF65-F5344CB8AC3E}">
+        <p14:creationId xmlns:p14="http://schemas.microsoft.com/office/powerpoint/2010/main" val="2939466775"/>
+      </p:ext>
+    </p:extLst>
+  </p:cSld>
+  <p:clrMapOvr>
+    <a:masterClrMapping/>
+  </p:clrMapOvr>
+</p:sld>
+</file>
+
+<file path=ppt/slides/slide21.xml><?xml version="1.0" encoding="utf-8"?>
+<p:sld xmlns:a="http://schemas.openxmlformats.org/drawingml/2006/main" xmlns:r="http://schemas.openxmlformats.org/officeDocument/2006/relationships" xmlns:p="http://schemas.openxmlformats.org/presentationml/2006/main">
+  <p:cSld>
+    <p:spTree>
+      <p:nvGrpSpPr>
+        <p:cNvPr id="1" name=""/>
+        <p:cNvGrpSpPr/>
+        <p:nvPr/>
+      </p:nvGrpSpPr>
+      <p:grpSpPr>
+        <a:xfrm>
+          <a:off x="0" y="0"/>
+          <a:ext cx="0" cy="0"/>
+          <a:chOff x="0" y="0"/>
+          <a:chExt cx="0" cy="0"/>
+        </a:xfrm>
+      </p:grpSpPr>
+      <p:sp>
+        <p:nvSpPr>
+          <p:cNvPr id="2" name="Title 1">
+            <a:extLst>
+              <a:ext uri="{FF2B5EF4-FFF2-40B4-BE49-F238E27FC236}">
+                <a16:creationId xmlns:a16="http://schemas.microsoft.com/office/drawing/2014/main" id="{DA85954A-4EF4-2B35-1E54-756F221C24D7}"/>
+              </a:ext>
+            </a:extLst>
+          </p:cNvPr>
+          <p:cNvSpPr>
+            <a:spLocks noGrp="1"/>
+          </p:cNvSpPr>
+          <p:nvPr>
+            <p:ph type="title"/>
+          </p:nvPr>
+        </p:nvSpPr>
+        <p:spPr/>
+        <p:txBody>
+          <a:bodyPr/>
+          <a:lstStyle/>
+          <a:p>
+            <a:r>
+              <a:rPr lang="en-US" dirty="0"/>
+              <a:t>Bonus – Arrays!</a:t>
+            </a:r>
+          </a:p>
+        </p:txBody>
+      </p:sp>
+      <p:sp>
+        <p:nvSpPr>
+          <p:cNvPr id="3" name="Content Placeholder 2">
+            <a:extLst>
+              <a:ext uri="{FF2B5EF4-FFF2-40B4-BE49-F238E27FC236}">
+                <a16:creationId xmlns:a16="http://schemas.microsoft.com/office/drawing/2014/main" id="{EE01506C-407C-0D11-DBFC-199CBDF46F49}"/>
+              </a:ext>
+            </a:extLst>
+          </p:cNvPr>
+          <p:cNvSpPr>
+            <a:spLocks noGrp="1"/>
+          </p:cNvSpPr>
+          <p:nvPr>
+            <p:ph idx="1"/>
+          </p:nvPr>
+        </p:nvSpPr>
+        <p:spPr>
+          <a:xfrm>
+            <a:off x="1451579" y="1853754"/>
+            <a:ext cx="9603275" cy="4199728"/>
+          </a:xfrm>
+        </p:spPr>
+        <p:txBody>
+          <a:bodyPr/>
+          <a:lstStyle/>
+          <a:p>
+            <a:r>
+              <a:rPr lang="en-US" dirty="0"/>
+              <a:t>For this workbook we’ll look at arrays. </a:t>
+            </a:r>
+          </a:p>
+          <a:p>
+            <a:pPr lvl="1"/>
+            <a:r>
+              <a:rPr lang="en-US" dirty="0"/>
+              <a:t>You’ll do this in more detail in the programming class, but these are common. </a:t>
+            </a:r>
+          </a:p>
+          <a:p>
+            <a:r>
+              <a:rPr lang="en-US" dirty="0"/>
+              <a:t>An array is roughly a fixed length/type list – one type, set length. </a:t>
+            </a:r>
+          </a:p>
+          <a:p>
+            <a:pPr lvl="1"/>
+            <a:r>
+              <a:rPr lang="en-US" dirty="0"/>
+              <a:t>We can refer to a position via an index in square bracket – e.g. </a:t>
+            </a:r>
+            <a:r>
+              <a:rPr lang="en-US" dirty="0" err="1"/>
+              <a:t>my_list</a:t>
+            </a:r>
+            <a:r>
+              <a:rPr lang="en-US" dirty="0"/>
+              <a:t>[7]</a:t>
+            </a:r>
+          </a:p>
+          <a:p>
+            <a:pPr lvl="1"/>
+            <a:r>
+              <a:rPr lang="en-US" dirty="0"/>
+              <a:t>No ‘appending’, every item goes to a preexisting spot. </a:t>
+            </a:r>
+          </a:p>
+          <a:p>
+            <a:pPr lvl="1"/>
+            <a:r>
+              <a:rPr lang="en-US" dirty="0"/>
+              <a:t>Pandas specific functions don’t apply - .info(), .mean(), </a:t>
+            </a:r>
+            <a:r>
+              <a:rPr lang="en-US" dirty="0" err="1"/>
+              <a:t>etc</a:t>
+            </a:r>
+            <a:r>
+              <a:rPr lang="en-US" dirty="0"/>
+              <a:t>… are ‘part of’ pandas. </a:t>
+            </a:r>
+          </a:p>
+          <a:p>
+            <a:r>
+              <a:rPr lang="en-US" dirty="0"/>
+              <a:t>Otherwise, they are mostly interchangeable. </a:t>
+            </a:r>
+          </a:p>
+          <a:p>
+            <a:pPr lvl="1"/>
+            <a:r>
+              <a:rPr lang="en-US" dirty="0"/>
+              <a:t>We’ll use arrays here to get some exposure – we commonly </a:t>
+            </a:r>
+            <a:r>
+              <a:rPr lang="en-US"/>
+              <a:t>mix container </a:t>
+            </a:r>
+            <a:r>
+              <a:rPr lang="en-US" dirty="0"/>
+              <a:t>types. </a:t>
+            </a:r>
+          </a:p>
+          <a:p>
+            <a:pPr lvl="1"/>
+            <a:r>
+              <a:rPr lang="en-US" dirty="0"/>
+              <a:t>Many/most functions we use implement ‘duck typing’ and can be used interchangeably. </a:t>
+            </a:r>
+          </a:p>
+          <a:p>
+            <a:pPr lvl="1"/>
+            <a:r>
+              <a:rPr lang="en-US" dirty="0"/>
+              <a:t>You can always convert if confused – make it work, then make it elegant. </a:t>
+            </a:r>
+          </a:p>
+        </p:txBody>
+      </p:sp>
+    </p:spTree>
+    <p:extLst>
+      <p:ext uri="{BB962C8B-B14F-4D97-AF65-F5344CB8AC3E}">
+        <p14:creationId xmlns:p14="http://schemas.microsoft.com/office/powerpoint/2010/main" val="3861978449"/>
+      </p:ext>
+    </p:extLst>
+  </p:cSld>
+  <p:clrMapOvr>
+    <a:masterClrMapping/>
+  </p:clrMapOvr>
+</p:sld>
+</file>
+
+<file path=ppt/slides/slide22.xml><?xml version="1.0" encoding="utf-8"?>
+<p:sld xmlns:a="http://schemas.openxmlformats.org/drawingml/2006/main" xmlns:r="http://schemas.openxmlformats.org/officeDocument/2006/relationships" xmlns:p="http://schemas.openxmlformats.org/presentationml/2006/main">
+  <p:cSld>
+    <p:spTree>
+      <p:nvGrpSpPr>
+        <p:cNvPr id="1" name=""/>
+        <p:cNvGrpSpPr/>
+        <p:nvPr/>
+      </p:nvGrpSpPr>
+      <p:grpSpPr>
+        <a:xfrm>
+          <a:off x="0" y="0"/>
+          <a:ext cx="0" cy="0"/>
+          <a:chOff x="0" y="0"/>
+          <a:chExt cx="0" cy="0"/>
+        </a:xfrm>
+      </p:grpSpPr>
+      <p:sp>
+        <p:nvSpPr>
+          <p:cNvPr id="2" name="Title 1">
+            <a:extLst>
+              <a:ext uri="{FF2B5EF4-FFF2-40B4-BE49-F238E27FC236}">
                 <a16:creationId xmlns:a16="http://schemas.microsoft.com/office/drawing/2014/main" id="{6014ED9E-5FC3-8890-F309-CD0987CE53FC}"/>
               </a:ext>
             </a:extLst>
@@ -5703,7 +6063,9 @@
           </a:xfrm>
         </p:spPr>
         <p:txBody>
-          <a:bodyPr/>
+          <a:bodyPr>
+            <a:normAutofit fontScale="92500" lnSpcReduction="10000"/>
+          </a:bodyPr>
           <a:lstStyle/>
           <a:p>
             <a:r>
@@ -5764,8 +6126,77 @@
               <a:t>Python makes this a minor concern to us – thank someone for that. </a:t>
             </a:r>
           </a:p>
-        </p:txBody>
-      </p:sp>
+          <a:p>
+            <a:pPr lvl="1"/>
+            <a:r>
+              <a:rPr lang="en-US" dirty="0"/>
+              <a:t>Main concern is the constraints – arrays have more rules and less flexibility than most. </a:t>
+            </a:r>
+          </a:p>
+          <a:p>
+            <a:pPr lvl="1"/>
+            <a:r>
+              <a:rPr lang="en-US" dirty="0"/>
+              <a:t>In most places we can pass array data interchangeably with list, series, </a:t>
+            </a:r>
+            <a:r>
+              <a:rPr lang="en-US" dirty="0" err="1"/>
+              <a:t>etc</a:t>
+            </a:r>
+            <a:r>
+              <a:rPr lang="en-US" dirty="0"/>
+              <a:t>…</a:t>
+            </a:r>
+          </a:p>
+        </p:txBody>
+      </p:sp>
+      <p:pic>
+        <p:nvPicPr>
+          <p:cNvPr id="15362" name="Picture 2" descr="Python Arrays vs Lists: What is the Difference?">
+            <a:extLst>
+              <a:ext uri="{FF2B5EF4-FFF2-40B4-BE49-F238E27FC236}">
+                <a16:creationId xmlns:a16="http://schemas.microsoft.com/office/drawing/2014/main" id="{187638D3-AC46-1A47-28B7-1C331BFFC0F7}"/>
+              </a:ext>
+            </a:extLst>
+          </p:cNvPr>
+          <p:cNvPicPr>
+            <a:picLocks noChangeAspect="1" noChangeArrowheads="1"/>
+          </p:cNvPicPr>
+          <p:nvPr/>
+        </p:nvPicPr>
+        <p:blipFill rotWithShape="1">
+          <a:blip r:embed="rId2">
+            <a:extLst>
+              <a:ext uri="{28A0092B-C50C-407E-A947-70E740481C1C}">
+                <a14:useLocalDpi xmlns:a14="http://schemas.microsoft.com/office/drawing/2010/main" val="0"/>
+              </a:ext>
+            </a:extLst>
+          </a:blip>
+          <a:srcRect l="10948" t="26256" r="10051" b="28410"/>
+          <a:stretch>
+            <a:fillRect/>
+          </a:stretch>
+        </p:blipFill>
+        <p:spPr bwMode="auto">
+          <a:xfrm>
+            <a:off x="7842738" y="0"/>
+            <a:ext cx="4349262" cy="1871835"/>
+          </a:xfrm>
+          <a:prstGeom prst="rect">
+            <a:avLst/>
+          </a:prstGeom>
+          <a:noFill/>
+          <a:extLst>
+            <a:ext uri="{909E8E84-426E-40DD-AFC4-6F175D3DCCD1}">
+              <a14:hiddenFill xmlns:a14="http://schemas.microsoft.com/office/drawing/2010/main">
+                <a:solidFill>
+                  <a:srgbClr val="FFFFFF"/>
+                </a:solidFill>
+              </a14:hiddenFill>
+            </a:ext>
+          </a:extLst>
+        </p:spPr>
+      </p:pic>
     </p:spTree>
     <p:extLst>
       <p:ext uri="{BB962C8B-B14F-4D97-AF65-F5344CB8AC3E}">
@@ -5801,7 +6232,7 @@
           <p:cNvPr id="2" name="Title 1">
             <a:extLst>
               <a:ext uri="{FF2B5EF4-FFF2-40B4-BE49-F238E27FC236}">
-                <a16:creationId xmlns:a16="http://schemas.microsoft.com/office/drawing/2014/main" id="{D514DA87-6763-EBBC-60AB-6DE21A939625}"/>
+                <a16:creationId xmlns:a16="http://schemas.microsoft.com/office/drawing/2014/main" id="{885A0B89-2C12-2DDE-4861-1D9C254F216B}"/>
               </a:ext>
             </a:extLst>
           </p:cNvPr>
@@ -5819,7 +6250,7 @@
           <a:p>
             <a:r>
               <a:rPr lang="en-US" dirty="0"/>
-              <a:t>Date with Density</a:t>
+              <a:t>Distribution Charting</a:t>
             </a:r>
           </a:p>
         </p:txBody>
@@ -5829,7 +6260,7 @@
           <p:cNvPr id="3" name="Content Placeholder 2">
             <a:extLst>
               <a:ext uri="{FF2B5EF4-FFF2-40B4-BE49-F238E27FC236}">
-                <a16:creationId xmlns:a16="http://schemas.microsoft.com/office/drawing/2014/main" id="{25A494DA-F718-CC62-39EB-789F9B660D85}"/>
+                <a16:creationId xmlns:a16="http://schemas.microsoft.com/office/drawing/2014/main" id="{876BA8D8-43A1-8291-FAEF-5C14A1F28D08}"/>
               </a:ext>
             </a:extLst>
           </p:cNvPr>
@@ -5843,60 +6274,43 @@
         <p:spPr>
           <a:xfrm>
             <a:off x="1451579" y="1853754"/>
-            <a:ext cx="10204393" cy="2888933"/>
-          </a:xfrm>
-        </p:spPr>
-        <p:txBody>
-          <a:bodyPr>
-            <a:normAutofit/>
-          </a:bodyPr>
-          <a:lstStyle/>
-          <a:p>
-            <a:r>
-              <a:rPr lang="en-US" dirty="0"/>
-              <a:t>With a histogram is to look at density (percentage) instead of raw count. </a:t>
-            </a:r>
-          </a:p>
-          <a:p>
-            <a:pPr lvl="1"/>
-            <a:r>
-              <a:rPr lang="en-US" dirty="0"/>
-              <a:t>Allows for comparisons of different size datasets. </a:t>
-            </a:r>
-          </a:p>
-          <a:p>
-            <a:r>
-              <a:rPr lang="en-US" dirty="0"/>
-              <a:t>The density version of a histogram is a PMF – probability mass function. </a:t>
-            </a:r>
-          </a:p>
-          <a:p>
-            <a:r>
-              <a:rPr lang="en-US" dirty="0"/>
-              <a:t>A smoothed version of the PMF is the PDF – probability density function. </a:t>
-            </a:r>
-          </a:p>
-          <a:p>
-            <a:pPr lvl="1"/>
-            <a:r>
-              <a:rPr lang="en-US" dirty="0"/>
-              <a:t>PDF is in more detail later in text, but it’s the most common thing we use to look at distributions. </a:t>
-            </a:r>
-          </a:p>
-          <a:p>
-            <a:r>
-              <a:rPr lang="en-US" dirty="0"/>
-              <a:t>These things are directly convertible back and forth. </a:t>
-            </a:r>
+            <a:ext cx="9603275" cy="1211215"/>
+          </a:xfrm>
+        </p:spPr>
+        <p:txBody>
+          <a:bodyPr/>
+          <a:lstStyle/>
+          <a:p>
+            <a:r>
+              <a:rPr lang="en-US" dirty="0"/>
+              <a:t>We normally plot distributions using a histogram or some histogram-</a:t>
+            </a:r>
+            <a:r>
+              <a:rPr lang="en-US" dirty="0" err="1"/>
+              <a:t>esqe</a:t>
+            </a:r>
+            <a:r>
+              <a:rPr lang="en-US" dirty="0"/>
+              <a:t> plot. </a:t>
+            </a:r>
+          </a:p>
+          <a:p>
+            <a:r>
+              <a:rPr lang="en-US" dirty="0"/>
+              <a:t>This shows how many results occur ‘here’.</a:t>
+            </a:r>
+          </a:p>
+          <a:p>
+            <a:endParaRPr lang="en-US" dirty="0"/>
           </a:p>
         </p:txBody>
       </p:sp>
       <p:pic>
         <p:nvPicPr>
-          <p:cNvPr id="5122" name="Picture 2">
+          <p:cNvPr id="1026" name="Picture 2" descr="plot - Plotting Probability Density / Mass Function of Dataset in R - Stack  Overflow">
             <a:extLst>
               <a:ext uri="{FF2B5EF4-FFF2-40B4-BE49-F238E27FC236}">
-                <a16:creationId xmlns:a16="http://schemas.microsoft.com/office/drawing/2014/main" id="{FAF48AD0-AF5B-A3E7-5A3B-48C0ACA76B40}"/>
+                <a16:creationId xmlns:a16="http://schemas.microsoft.com/office/drawing/2014/main" id="{BDAA8516-73A9-A9A2-04F1-D518B3751CF1}"/>
               </a:ext>
             </a:extLst>
           </p:cNvPr>
@@ -5905,7 +6319,7 @@
           </p:cNvPicPr>
           <p:nvPr/>
         </p:nvPicPr>
-        <p:blipFill rotWithShape="1">
+        <p:blipFill>
           <a:blip r:embed="rId2">
             <a:extLst>
               <a:ext uri="{28A0092B-C50C-407E-A947-70E740481C1C}">
@@ -5913,15 +6327,15 @@
               </a:ext>
             </a:extLst>
           </a:blip>
-          <a:srcRect t="31445" b="24444"/>
+          <a:srcRect/>
           <a:stretch>
             <a:fillRect/>
           </a:stretch>
         </p:blipFill>
         <p:spPr bwMode="auto">
           <a:xfrm>
-            <a:off x="2668768" y="4742688"/>
-            <a:ext cx="7168896" cy="2115312"/>
+            <a:off x="2796102" y="3064969"/>
+            <a:ext cx="6599796" cy="3750143"/>
           </a:xfrm>
           <a:prstGeom prst="rect">
             <a:avLst/>
@@ -5941,7 +6355,7 @@
     </p:spTree>
     <p:extLst>
       <p:ext uri="{BB962C8B-B14F-4D97-AF65-F5344CB8AC3E}">
-        <p14:creationId xmlns:p14="http://schemas.microsoft.com/office/powerpoint/2010/main" val="1094569283"/>
+        <p14:creationId xmlns:p14="http://schemas.microsoft.com/office/powerpoint/2010/main" val="3162348640"/>
       </p:ext>
     </p:extLst>
   </p:cSld>
@@ -5973,7 +6387,7 @@
           <p:cNvPr id="2" name="Title 1">
             <a:extLst>
               <a:ext uri="{FF2B5EF4-FFF2-40B4-BE49-F238E27FC236}">
-                <a16:creationId xmlns:a16="http://schemas.microsoft.com/office/drawing/2014/main" id="{A111FF23-290D-4120-4D83-6F82EBD04913}"/>
+                <a16:creationId xmlns:a16="http://schemas.microsoft.com/office/drawing/2014/main" id="{D514DA87-6763-EBBC-60AB-6DE21A939625}"/>
               </a:ext>
             </a:extLst>
           </p:cNvPr>
@@ -5991,7 +6405,7 @@
           <a:p>
             <a:r>
               <a:rPr lang="en-US" dirty="0"/>
-              <a:t>Cumulative Plots</a:t>
+              <a:t>Date with Density</a:t>
             </a:r>
           </a:p>
         </p:txBody>
@@ -6001,7 +6415,7 @@
           <p:cNvPr id="3" name="Content Placeholder 2">
             <a:extLst>
               <a:ext uri="{FF2B5EF4-FFF2-40B4-BE49-F238E27FC236}">
-                <a16:creationId xmlns:a16="http://schemas.microsoft.com/office/drawing/2014/main" id="{6667E457-0A17-7738-CE47-717A978924BC}"/>
+                <a16:creationId xmlns:a16="http://schemas.microsoft.com/office/drawing/2014/main" id="{25A494DA-F718-CC62-39EB-789F9B660D85}"/>
               </a:ext>
             </a:extLst>
           </p:cNvPr>
@@ -6012,56 +6426,108 @@
             <p:ph idx="1"/>
           </p:nvPr>
         </p:nvSpPr>
-        <p:spPr/>
-        <p:txBody>
-          <a:bodyPr/>
-          <a:lstStyle/>
-          <a:p>
-            <a:r>
-              <a:rPr lang="en-US" dirty="0"/>
-              <a:t>We can also look at distributions cumulatively. </a:t>
+        <p:spPr>
+          <a:xfrm>
+            <a:off x="1451579" y="1853754"/>
+            <a:ext cx="10204393" cy="2888933"/>
+          </a:xfrm>
+        </p:spPr>
+        <p:txBody>
+          <a:bodyPr>
+            <a:normAutofit/>
+          </a:bodyPr>
+          <a:lstStyle/>
+          <a:p>
+            <a:r>
+              <a:rPr lang="en-US" dirty="0"/>
+              <a:t>With a histogram is to look at density (percentage) instead of raw count. </a:t>
             </a:r>
           </a:p>
           <a:p>
             <a:pPr lvl="1"/>
             <a:r>
               <a:rPr lang="en-US" dirty="0"/>
-              <a:t>How many occurrences happened ‘below’ this point. </a:t>
-            </a:r>
-          </a:p>
-          <a:p>
-            <a:r>
-              <a:rPr lang="en-US" dirty="0"/>
-              <a:t>Foundational for several concepts:</a:t>
+              <a:t>Allows for comparisons of different size datasets. </a:t>
+            </a:r>
+          </a:p>
+          <a:p>
+            <a:r>
+              <a:rPr lang="en-US" dirty="0"/>
+              <a:t>The density version of a histogram is a PMF – probability mass function. </a:t>
+            </a:r>
+          </a:p>
+          <a:p>
+            <a:r>
+              <a:rPr lang="en-US" dirty="0"/>
+              <a:t>A smoothed version of the PMF is the PDF – probability density function. </a:t>
             </a:r>
           </a:p>
           <a:p>
             <a:pPr lvl="1"/>
             <a:r>
               <a:rPr lang="en-US" dirty="0"/>
-              <a:t>Hypothesis testing. </a:t>
-            </a:r>
-          </a:p>
-          <a:p>
-            <a:pPr lvl="1"/>
-            <a:r>
-              <a:rPr lang="en-US" dirty="0"/>
-              <a:t>Percentiles. </a:t>
-            </a:r>
-          </a:p>
-          <a:p>
-            <a:pPr lvl="1"/>
-            <a:r>
-              <a:rPr lang="en-US" dirty="0"/>
-              <a:t>Can also be good for comparing distributions. </a:t>
-            </a:r>
-          </a:p>
-        </p:txBody>
-      </p:sp>
+              <a:t>PDF is in more detail later in text, but it’s the most common thing we use to look at distributions. </a:t>
+            </a:r>
+          </a:p>
+          <a:p>
+            <a:r>
+              <a:rPr lang="en-US" dirty="0"/>
+              <a:t>These things are directly convertible back and forth. </a:t>
+            </a:r>
+          </a:p>
+        </p:txBody>
+      </p:sp>
+      <p:pic>
+        <p:nvPicPr>
+          <p:cNvPr id="5122" name="Picture 2">
+            <a:extLst>
+              <a:ext uri="{FF2B5EF4-FFF2-40B4-BE49-F238E27FC236}">
+                <a16:creationId xmlns:a16="http://schemas.microsoft.com/office/drawing/2014/main" id="{FAF48AD0-AF5B-A3E7-5A3B-48C0ACA76B40}"/>
+              </a:ext>
+            </a:extLst>
+          </p:cNvPr>
+          <p:cNvPicPr>
+            <a:picLocks noChangeAspect="1" noChangeArrowheads="1"/>
+          </p:cNvPicPr>
+          <p:nvPr/>
+        </p:nvPicPr>
+        <p:blipFill rotWithShape="1">
+          <a:blip r:embed="rId2">
+            <a:extLst>
+              <a:ext uri="{28A0092B-C50C-407E-A947-70E740481C1C}">
+                <a14:useLocalDpi xmlns:a14="http://schemas.microsoft.com/office/drawing/2010/main" val="0"/>
+              </a:ext>
+            </a:extLst>
+          </a:blip>
+          <a:srcRect t="31445" b="24444"/>
+          <a:stretch>
+            <a:fillRect/>
+          </a:stretch>
+        </p:blipFill>
+        <p:spPr bwMode="auto">
+          <a:xfrm>
+            <a:off x="2668768" y="4742688"/>
+            <a:ext cx="7168896" cy="2115312"/>
+          </a:xfrm>
+          <a:prstGeom prst="rect">
+            <a:avLst/>
+          </a:prstGeom>
+          <a:noFill/>
+          <a:extLst>
+            <a:ext uri="{909E8E84-426E-40DD-AFC4-6F175D3DCCD1}">
+              <a14:hiddenFill xmlns:a14="http://schemas.microsoft.com/office/drawing/2010/main">
+                <a:solidFill>
+                  <a:srgbClr val="FFFFFF"/>
+                </a:solidFill>
+              </a14:hiddenFill>
+            </a:ext>
+          </a:extLst>
+        </p:spPr>
+      </p:pic>
     </p:spTree>
     <p:extLst>
       <p:ext uri="{BB962C8B-B14F-4D97-AF65-F5344CB8AC3E}">
-        <p14:creationId xmlns:p14="http://schemas.microsoft.com/office/powerpoint/2010/main" val="3104206901"/>
+        <p14:creationId xmlns:p14="http://schemas.microsoft.com/office/powerpoint/2010/main" val="1094569283"/>
       </p:ext>
     </p:extLst>
   </p:cSld>
@@ -6093,7 +6559,7 @@
           <p:cNvPr id="2" name="Title 1">
             <a:extLst>
               <a:ext uri="{FF2B5EF4-FFF2-40B4-BE49-F238E27FC236}">
-                <a16:creationId xmlns:a16="http://schemas.microsoft.com/office/drawing/2014/main" id="{50BD7BC6-ECF5-406D-1D5E-91ADDAE9F691}"/>
+                <a16:creationId xmlns:a16="http://schemas.microsoft.com/office/drawing/2014/main" id="{A111FF23-290D-4120-4D83-6F82EBD04913}"/>
               </a:ext>
             </a:extLst>
           </p:cNvPr>
@@ -6111,7 +6577,7 @@
           <a:p>
             <a:r>
               <a:rPr lang="en-US" dirty="0"/>
-              <a:t>A CDF – Cumulative Distribution Function</a:t>
+              <a:t>Cumulative Distributions</a:t>
             </a:r>
           </a:p>
         </p:txBody>
@@ -6121,7 +6587,7 @@
           <p:cNvPr id="3" name="Content Placeholder 2">
             <a:extLst>
               <a:ext uri="{FF2B5EF4-FFF2-40B4-BE49-F238E27FC236}">
-                <a16:creationId xmlns:a16="http://schemas.microsoft.com/office/drawing/2014/main" id="{3D82B0A3-9092-FCD2-A9F3-189066EB5150}"/>
+                <a16:creationId xmlns:a16="http://schemas.microsoft.com/office/drawing/2014/main" id="{6667E457-0A17-7738-CE47-717A978924BC}"/>
               </a:ext>
             </a:extLst>
           </p:cNvPr>
@@ -6134,65 +6600,61 @@
         </p:nvSpPr>
         <p:spPr>
           <a:xfrm>
-            <a:off x="7112000" y="2015732"/>
-            <a:ext cx="4958080" cy="4037749"/>
-          </a:xfrm>
-        </p:spPr>
-        <p:txBody>
-          <a:bodyPr/>
-          <a:lstStyle/>
-          <a:p>
-            <a:r>
-              <a:rPr lang="en-US" dirty="0"/>
-              <a:t>CDFs plot the accumulation of values. </a:t>
-            </a:r>
-          </a:p>
-          <a:p>
-            <a:r>
-              <a:rPr lang="en-US" dirty="0"/>
-              <a:t>The x value is the value examined. </a:t>
-            </a:r>
-          </a:p>
-          <a:p>
-            <a:r>
-              <a:rPr lang="en-US" dirty="0"/>
-              <a:t>The y value at any point is ‘% less than’. </a:t>
+            <a:off x="260253" y="2015732"/>
+            <a:ext cx="5767753" cy="3450613"/>
+          </a:xfrm>
+        </p:spPr>
+        <p:txBody>
+          <a:bodyPr/>
+          <a:lstStyle/>
+          <a:p>
+            <a:r>
+              <a:rPr lang="en-US" dirty="0"/>
+              <a:t>We can also look at distributions cumulatively. </a:t>
             </a:r>
           </a:p>
           <a:p>
             <a:pPr lvl="1"/>
             <a:r>
               <a:rPr lang="en-US" dirty="0"/>
-              <a:t>A.k.a. percentile. </a:t>
-            </a:r>
-          </a:p>
-          <a:p>
-            <a:r>
-              <a:rPr lang="en-US" dirty="0"/>
-              <a:t>Median is f(.5). </a:t>
-            </a:r>
-          </a:p>
-          <a:p>
-            <a:r>
-              <a:rPr lang="en-US" dirty="0"/>
-              <a:t>CDFs can be both empirical and analytical. </a:t>
+              <a:t>How many occurrences happened ‘below’ this point. </a:t>
+            </a:r>
+          </a:p>
+          <a:p>
+            <a:r>
+              <a:rPr lang="en-US" dirty="0"/>
+              <a:t>Foundational for several concepts:</a:t>
             </a:r>
           </a:p>
           <a:p>
             <a:pPr lvl="1"/>
             <a:r>
               <a:rPr lang="en-US" dirty="0"/>
-              <a:t>CMF sometimes used. </a:t>
+              <a:t>Hypothesis testing. </a:t>
+            </a:r>
+          </a:p>
+          <a:p>
+            <a:pPr lvl="1"/>
+            <a:r>
+              <a:rPr lang="en-US" dirty="0"/>
+              <a:t>Percentiles. </a:t>
+            </a:r>
+          </a:p>
+          <a:p>
+            <a:pPr lvl="1"/>
+            <a:r>
+              <a:rPr lang="en-US" dirty="0"/>
+              <a:t>Can also be good for comparing distributions. </a:t>
             </a:r>
           </a:p>
         </p:txBody>
       </p:sp>
       <p:pic>
         <p:nvPicPr>
-          <p:cNvPr id="2050" name="Picture 2" descr="cdfplot - Empirical cumulative distribution function (cdf) plot - MATLAB">
+          <p:cNvPr id="13314" name="Picture 2" descr="3.1. PDF and CDF — MUDE textbook">
             <a:extLst>
               <a:ext uri="{FF2B5EF4-FFF2-40B4-BE49-F238E27FC236}">
-                <a16:creationId xmlns:a16="http://schemas.microsoft.com/office/drawing/2014/main" id="{7C2485FE-74DC-196C-E4A4-27D6945E6BCF}"/>
+                <a16:creationId xmlns:a16="http://schemas.microsoft.com/office/drawing/2014/main" id="{0FB827C0-A4D4-B67A-0DA5-938F5ECDD2E9}"/>
               </a:ext>
             </a:extLst>
           </p:cNvPr>
@@ -6216,8 +6678,8 @@
         </p:blipFill>
         <p:spPr bwMode="auto">
           <a:xfrm>
-            <a:off x="0" y="2015732"/>
-            <a:ext cx="7112000" cy="4279900"/>
+            <a:off x="5990492" y="2511083"/>
+            <a:ext cx="6201508" cy="3100754"/>
           </a:xfrm>
           <a:prstGeom prst="rect">
             <a:avLst/>
@@ -6237,7 +6699,7 @@
     </p:spTree>
     <p:extLst>
       <p:ext uri="{BB962C8B-B14F-4D97-AF65-F5344CB8AC3E}">
-        <p14:creationId xmlns:p14="http://schemas.microsoft.com/office/powerpoint/2010/main" val="470202464"/>
+        <p14:creationId xmlns:p14="http://schemas.microsoft.com/office/powerpoint/2010/main" val="3104206901"/>
       </p:ext>
     </p:extLst>
   </p:cSld>
@@ -6269,7 +6731,7 @@
           <p:cNvPr id="2" name="Title 1">
             <a:extLst>
               <a:ext uri="{FF2B5EF4-FFF2-40B4-BE49-F238E27FC236}">
-                <a16:creationId xmlns:a16="http://schemas.microsoft.com/office/drawing/2014/main" id="{74E82CF4-1CE0-898A-7B45-1599EF1D44DF}"/>
+                <a16:creationId xmlns:a16="http://schemas.microsoft.com/office/drawing/2014/main" id="{50BD7BC6-ECF5-406D-1D5E-91ADDAE9F691}"/>
               </a:ext>
             </a:extLst>
           </p:cNvPr>
@@ -6285,7 +6747,10 @@
           <a:bodyPr/>
           <a:lstStyle/>
           <a:p>
-            <a:endParaRPr lang="en-US"/>
+            <a:r>
+              <a:rPr lang="en-US" dirty="0"/>
+              <a:t>A CDF – Cumulative Distribution Function</a:t>
+            </a:r>
           </a:p>
         </p:txBody>
       </p:sp>
@@ -6294,7 +6759,7 @@
           <p:cNvPr id="3" name="Content Placeholder 2">
             <a:extLst>
               <a:ext uri="{FF2B5EF4-FFF2-40B4-BE49-F238E27FC236}">
-                <a16:creationId xmlns:a16="http://schemas.microsoft.com/office/drawing/2014/main" id="{3A966079-C31A-B27E-CC6E-F530BE644998}"/>
+                <a16:creationId xmlns:a16="http://schemas.microsoft.com/office/drawing/2014/main" id="{3D82B0A3-9092-FCD2-A9F3-189066EB5150}"/>
               </a:ext>
             </a:extLst>
           </p:cNvPr>
@@ -6305,21 +6770,67 @@
             <p:ph idx="1"/>
           </p:nvPr>
         </p:nvSpPr>
-        <p:spPr/>
-        <p:txBody>
-          <a:bodyPr/>
-          <a:lstStyle/>
-          <a:p>
-            <a:endParaRPr lang="en-US"/>
+        <p:spPr>
+          <a:xfrm>
+            <a:off x="7112000" y="2015732"/>
+            <a:ext cx="4958080" cy="4037749"/>
+          </a:xfrm>
+        </p:spPr>
+        <p:txBody>
+          <a:bodyPr/>
+          <a:lstStyle/>
+          <a:p>
+            <a:r>
+              <a:rPr lang="en-US" dirty="0"/>
+              <a:t>CDFs plot the accumulation of values. </a:t>
+            </a:r>
+          </a:p>
+          <a:p>
+            <a:r>
+              <a:rPr lang="en-US" dirty="0"/>
+              <a:t>The x value is the value examined. </a:t>
+            </a:r>
+          </a:p>
+          <a:p>
+            <a:r>
+              <a:rPr lang="en-US" dirty="0"/>
+              <a:t>The y value at any point is ‘% less than’. </a:t>
+            </a:r>
+          </a:p>
+          <a:p>
+            <a:pPr lvl="1"/>
+            <a:r>
+              <a:rPr lang="en-US" dirty="0"/>
+              <a:t>A.k.a. percentile. </a:t>
+            </a:r>
+          </a:p>
+          <a:p>
+            <a:r>
+              <a:rPr lang="en-US" dirty="0"/>
+              <a:t>Median is f(.5). </a:t>
+            </a:r>
+          </a:p>
+          <a:p>
+            <a:r>
+              <a:rPr lang="en-US" dirty="0"/>
+              <a:t>CDFs can be both empirical and analytical. </a:t>
+            </a:r>
+          </a:p>
+          <a:p>
+            <a:pPr lvl="1"/>
+            <a:r>
+              <a:rPr lang="en-US" dirty="0"/>
+              <a:t>CMF sometimes used. </a:t>
+            </a:r>
           </a:p>
         </p:txBody>
       </p:sp>
       <p:pic>
         <p:nvPicPr>
-          <p:cNvPr id="2050" name="Picture 2" descr="Confluence Mobile - ECMWF Confluence Wiki">
+          <p:cNvPr id="2050" name="Picture 2" descr="cdfplot - Empirical cumulative distribution function (cdf) plot - MATLAB">
             <a:extLst>
               <a:ext uri="{FF2B5EF4-FFF2-40B4-BE49-F238E27FC236}">
-                <a16:creationId xmlns:a16="http://schemas.microsoft.com/office/drawing/2014/main" id="{66A7F45B-29F6-35C5-02D7-8C6A46E40BFD}"/>
+                <a16:creationId xmlns:a16="http://schemas.microsoft.com/office/drawing/2014/main" id="{7C2485FE-74DC-196C-E4A4-27D6945E6BCF}"/>
               </a:ext>
             </a:extLst>
           </p:cNvPr>
@@ -6343,8 +6854,8 @@
         </p:blipFill>
         <p:spPr bwMode="auto">
           <a:xfrm>
-            <a:off x="127000" y="0"/>
-            <a:ext cx="11938000" cy="6858000"/>
+            <a:off x="0" y="2015732"/>
+            <a:ext cx="7112000" cy="4279900"/>
           </a:xfrm>
           <a:prstGeom prst="rect">
             <a:avLst/>
@@ -6364,7 +6875,7 @@
     </p:spTree>
     <p:extLst>
       <p:ext uri="{BB962C8B-B14F-4D97-AF65-F5344CB8AC3E}">
-        <p14:creationId xmlns:p14="http://schemas.microsoft.com/office/powerpoint/2010/main" val="4138328058"/>
+        <p14:creationId xmlns:p14="http://schemas.microsoft.com/office/powerpoint/2010/main" val="470202464"/>
       </p:ext>
     </p:extLst>
   </p:cSld>

--- a/reference_material/slides/004_Cumulative_Distributions.pptx
+++ b/reference_material/slides/004_Cumulative_Distributions.pptx
@@ -27,6 +27,7 @@
     <p:sldId id="272" r:id="rId21"/>
     <p:sldId id="261" r:id="rId22"/>
     <p:sldId id="262" r:id="rId23"/>
+    <p:sldId id="279" r:id="rId24"/>
   </p:sldIdLst>
   <p:sldSz cx="12192000" cy="6858000"/>
   <p:notesSz cx="6858000" cy="9144000"/>
@@ -5460,12 +5461,8 @@
           <a:lstStyle/>
           <a:p>
             <a:r>
-              <a:rPr lang="en-US"/>
-              <a:t>For later - Distributions </a:t>
-            </a:r>
-            <a:r>
-              <a:rPr lang="en-US" dirty="0"/>
-              <a:t>and Probability</a:t>
+              <a:rPr lang="en-US" dirty="0"/>
+              <a:t>For later - Distributions and Probability</a:t>
             </a:r>
           </a:p>
         </p:txBody>
@@ -6201,6 +6198,86 @@
     <p:extLst>
       <p:ext uri="{BB962C8B-B14F-4D97-AF65-F5344CB8AC3E}">
         <p14:creationId xmlns:p14="http://schemas.microsoft.com/office/powerpoint/2010/main" val="1229770287"/>
+      </p:ext>
+    </p:extLst>
+  </p:cSld>
+  <p:clrMapOvr>
+    <a:masterClrMapping/>
+  </p:clrMapOvr>
+</p:sld>
+</file>
+
+<file path=ppt/slides/slide23.xml><?xml version="1.0" encoding="utf-8"?>
+<p:sld xmlns:a="http://schemas.openxmlformats.org/drawingml/2006/main" xmlns:r="http://schemas.openxmlformats.org/officeDocument/2006/relationships" xmlns:p="http://schemas.openxmlformats.org/presentationml/2006/main">
+  <p:cSld>
+    <p:spTree>
+      <p:nvGrpSpPr>
+        <p:cNvPr id="1" name=""/>
+        <p:cNvGrpSpPr/>
+        <p:nvPr/>
+      </p:nvGrpSpPr>
+      <p:grpSpPr>
+        <a:xfrm>
+          <a:off x="0" y="0"/>
+          <a:ext cx="0" cy="0"/>
+          <a:chOff x="0" y="0"/>
+          <a:chExt cx="0" cy="0"/>
+        </a:xfrm>
+      </p:grpSpPr>
+      <p:sp>
+        <p:nvSpPr>
+          <p:cNvPr id="2" name="Title 1">
+            <a:extLst>
+              <a:ext uri="{FF2B5EF4-FFF2-40B4-BE49-F238E27FC236}">
+                <a16:creationId xmlns:a16="http://schemas.microsoft.com/office/drawing/2014/main" id="{51BA7487-983D-28E9-D3A4-C6A3F19328C7}"/>
+              </a:ext>
+            </a:extLst>
+          </p:cNvPr>
+          <p:cNvSpPr>
+            <a:spLocks noGrp="1"/>
+          </p:cNvSpPr>
+          <p:nvPr>
+            <p:ph type="title"/>
+          </p:nvPr>
+        </p:nvSpPr>
+        <p:spPr/>
+        <p:txBody>
+          <a:bodyPr/>
+          <a:lstStyle/>
+          <a:p>
+            <a:endParaRPr lang="en-US"/>
+          </a:p>
+        </p:txBody>
+      </p:sp>
+      <p:sp>
+        <p:nvSpPr>
+          <p:cNvPr id="3" name="Content Placeholder 2">
+            <a:extLst>
+              <a:ext uri="{FF2B5EF4-FFF2-40B4-BE49-F238E27FC236}">
+                <a16:creationId xmlns:a16="http://schemas.microsoft.com/office/drawing/2014/main" id="{8C14A3D3-81FC-4F41-01B1-06799CADA680}"/>
+              </a:ext>
+            </a:extLst>
+          </p:cNvPr>
+          <p:cNvSpPr>
+            <a:spLocks noGrp="1"/>
+          </p:cNvSpPr>
+          <p:nvPr>
+            <p:ph idx="1"/>
+          </p:nvPr>
+        </p:nvSpPr>
+        <p:spPr/>
+        <p:txBody>
+          <a:bodyPr/>
+          <a:lstStyle/>
+          <a:p>
+            <a:endParaRPr lang="en-US"/>
+          </a:p>
+        </p:txBody>
+      </p:sp>
+    </p:spTree>
+    <p:extLst>
+      <p:ext uri="{BB962C8B-B14F-4D97-AF65-F5344CB8AC3E}">
+        <p14:creationId xmlns:p14="http://schemas.microsoft.com/office/powerpoint/2010/main" val="545951575"/>
       </p:ext>
     </p:extLst>
   </p:cSld>
